--- a/formationAnsibleetJenkins.pptx
+++ b/formationAnsibleetJenkins.pptx
@@ -5,7 +5,7 @@
     <p:sldMasterId id="2147483648" r:id="rId1"/>
   </p:sldMasterIdLst>
   <p:notesMasterIdLst>
-    <p:notesMasterId r:id="rId15"/>
+    <p:notesMasterId r:id="rId16"/>
   </p:notesMasterIdLst>
   <p:sldIdLst>
     <p:sldId id="256" r:id="rId2"/>
@@ -21,6 +21,7 @@
     <p:sldId id="267" r:id="rId12"/>
     <p:sldId id="270" r:id="rId13"/>
     <p:sldId id="269" r:id="rId14"/>
+    <p:sldId id="271" r:id="rId15"/>
   </p:sldIdLst>
   <p:sldSz cx="12192000" cy="6858000"/>
   <p:notesSz cx="6858000" cy="9144000"/>
@@ -2619,6 +2620,90 @@
 </inkml:ink>
 </file>
 
+<file path=ppt/ink/ink90.xml><?xml version="1.0" encoding="utf-8"?>
+<inkml:ink xmlns:inkml="http://www.w3.org/2003/InkML">
+  <inkml:definitions>
+    <inkml:context xml:id="ctx0">
+      <inkml:inkSource xml:id="inkSrc0">
+        <inkml:traceFormat>
+          <inkml:channel name="X" type="integer" min="-2.14748E9" max="2.14748E9" units="cm"/>
+          <inkml:channel name="Y" type="integer" min="-2.14748E9" max="2.14748E9" units="cm"/>
+          <inkml:channel name="F" type="integer" max="32767" units="dev"/>
+        </inkml:traceFormat>
+        <inkml:channelProperties>
+          <inkml:channelProperty channel="X" name="resolution" value="1000" units="1/cm"/>
+          <inkml:channelProperty channel="Y" name="resolution" value="1000" units="1/cm"/>
+          <inkml:channelProperty channel="F" name="resolution" value="0" units="1/dev"/>
+        </inkml:channelProperties>
+      </inkml:inkSource>
+      <inkml:timestamp xml:id="ts0" timeString="2024-05-05T00:02:46.461"/>
+    </inkml:context>
+    <inkml:brush xml:id="br0">
+      <inkml:brushProperty name="width" value="0.05" units="cm"/>
+      <inkml:brushProperty name="height" value="0.05" units="cm"/>
+      <inkml:brushProperty name="color" value="#FFFFFF"/>
+    </inkml:brush>
+  </inkml:definitions>
+  <inkml:trace contextRef="#ctx0" brushRef="#br0">1 68 24575,'1552'0'0,"-1531"-1"0,1-2 0,-1 0 0,0-2 0,-1 0 0,30-11 0,-28 8 0,0 1 0,1 1 0,0 1 0,29-3 0,44 7-1365,-67 2-5461</inkml:trace>
+</inkml:ink>
+</file>
+
+<file path=ppt/ink/ink91.xml><?xml version="1.0" encoding="utf-8"?>
+<inkml:ink xmlns:inkml="http://www.w3.org/2003/InkML">
+  <inkml:definitions>
+    <inkml:context xml:id="ctx0">
+      <inkml:inkSource xml:id="inkSrc0">
+        <inkml:traceFormat>
+          <inkml:channel name="X" type="integer" min="-2.14748E9" max="2.14748E9" units="cm"/>
+          <inkml:channel name="Y" type="integer" min="-2.14748E9" max="2.14748E9" units="cm"/>
+          <inkml:channel name="F" type="integer" max="32767" units="dev"/>
+        </inkml:traceFormat>
+        <inkml:channelProperties>
+          <inkml:channelProperty channel="X" name="resolution" value="1000" units="1/cm"/>
+          <inkml:channelProperty channel="Y" name="resolution" value="1000" units="1/cm"/>
+          <inkml:channelProperty channel="F" name="resolution" value="0" units="1/dev"/>
+        </inkml:channelProperties>
+      </inkml:inkSource>
+      <inkml:timestamp xml:id="ts0" timeString="2024-05-02T20:36:45.741"/>
+    </inkml:context>
+    <inkml:brush xml:id="br0">
+      <inkml:brushProperty name="width" value="0.05" units="cm"/>
+      <inkml:brushProperty name="height" value="0.05" units="cm"/>
+      <inkml:brushProperty name="color" value="#FFFFFF"/>
+    </inkml:brush>
+  </inkml:definitions>
+  <inkml:trace contextRef="#ctx0" brushRef="#br0">1 1 24575,'0'0'-8191</inkml:trace>
+</inkml:ink>
+</file>
+
+<file path=ppt/ink/ink92.xml><?xml version="1.0" encoding="utf-8"?>
+<inkml:ink xmlns:inkml="http://www.w3.org/2003/InkML">
+  <inkml:definitions>
+    <inkml:context xml:id="ctx0">
+      <inkml:inkSource xml:id="inkSrc0">
+        <inkml:traceFormat>
+          <inkml:channel name="X" type="integer" min="-2.14748E9" max="2.14748E9" units="cm"/>
+          <inkml:channel name="Y" type="integer" min="-2.14748E9" max="2.14748E9" units="cm"/>
+          <inkml:channel name="F" type="integer" max="32767" units="dev"/>
+        </inkml:traceFormat>
+        <inkml:channelProperties>
+          <inkml:channelProperty channel="X" name="resolution" value="1000" units="1/cm"/>
+          <inkml:channelProperty channel="Y" name="resolution" value="1000" units="1/cm"/>
+          <inkml:channelProperty channel="F" name="resolution" value="0" units="1/dev"/>
+        </inkml:channelProperties>
+      </inkml:inkSource>
+      <inkml:timestamp xml:id="ts0" timeString="2024-05-02T21:01:42.381"/>
+    </inkml:context>
+    <inkml:brush xml:id="br0">
+      <inkml:brushProperty name="width" value="0.05" units="cm"/>
+      <inkml:brushProperty name="height" value="0.05" units="cm"/>
+      <inkml:brushProperty name="color" value="#E71224"/>
+    </inkml:brush>
+  </inkml:definitions>
+  <inkml:trace contextRef="#ctx0" brushRef="#br0">1 1 24575,'0'0'-8191</inkml:trace>
+</inkml:ink>
+</file>
+
 <file path=ppt/notesMasters/notesMaster1.xml><?xml version="1.0" encoding="utf-8"?>
 <p:notesMaster xmlns:a="http://schemas.openxmlformats.org/drawingml/2006/main" xmlns:r="http://schemas.openxmlformats.org/officeDocument/2006/relationships" xmlns:p="http://schemas.openxmlformats.org/presentationml/2006/main">
   <p:cSld>
@@ -2701,7 +2786,7 @@
           <a:p>
             <a:fld id="{B465EC35-40D6-4C85-8FC9-F5FA24701962}" type="datetimeFigureOut">
               <a:rPr lang="fr-FR" smtClean="0"/>
-              <a:t>02/05/2024</a:t>
+              <a:t>04/05/2024</a:t>
             </a:fld>
             <a:endParaRPr lang="fr-FR"/>
           </a:p>
@@ -3427,6 +3512,118 @@
 </p:notes>
 </file>
 
+<file path=ppt/notesSlides/notesSlide13.xml><?xml version="1.0" encoding="utf-8"?>
+<p:notes xmlns:a="http://schemas.openxmlformats.org/drawingml/2006/main" xmlns:r="http://schemas.openxmlformats.org/officeDocument/2006/relationships" xmlns:p="http://schemas.openxmlformats.org/presentationml/2006/main">
+  <p:cSld>
+    <p:spTree>
+      <p:nvGrpSpPr>
+        <p:cNvPr id="1" name=""/>
+        <p:cNvGrpSpPr/>
+        <p:nvPr/>
+      </p:nvGrpSpPr>
+      <p:grpSpPr>
+        <a:xfrm>
+          <a:off x="0" y="0"/>
+          <a:ext cx="0" cy="0"/>
+          <a:chOff x="0" y="0"/>
+          <a:chExt cx="0" cy="0"/>
+        </a:xfrm>
+      </p:grpSpPr>
+      <p:sp>
+        <p:nvSpPr>
+          <p:cNvPr id="2" name="Espace réservé de l'image des diapositives 1"/>
+          <p:cNvSpPr>
+            <a:spLocks noGrp="1" noRot="1" noChangeAspect="1"/>
+          </p:cNvSpPr>
+          <p:nvPr>
+            <p:ph type="sldImg"/>
+          </p:nvPr>
+        </p:nvSpPr>
+        <p:spPr/>
+      </p:sp>
+      <p:sp>
+        <p:nvSpPr>
+          <p:cNvPr id="3" name="Espace réservé des notes 2"/>
+          <p:cNvSpPr>
+            <a:spLocks noGrp="1"/>
+          </p:cNvSpPr>
+          <p:nvPr>
+            <p:ph type="body" idx="1"/>
+          </p:nvPr>
+        </p:nvSpPr>
+        <p:spPr/>
+        <p:txBody>
+          <a:bodyPr/>
+          <a:lstStyle/>
+          <a:p>
+            <a:r>
+              <a:rPr lang="fr-FR" b="0" i="0" dirty="0">
+                <a:solidFill>
+                  <a:srgbClr val="0D0D0D"/>
+                </a:solidFill>
+                <a:effectLst/>
+                <a:highlight>
+                  <a:srgbClr val="FFFFFF"/>
+                </a:highlight>
+                <a:latin typeface="Söhne"/>
+              </a:rPr>
+              <a:t>SSH signifie Secure Shell. C'est un protocole réseau cryptographique qui permet la communication sécurisée entre deux ordinateurs via un réseau non sécurisé. SSH est couramment utilisé pour la connexion distante à des serveurs et d'autres systèmes sur un réseau, permettant aux utilisateurs d'accéder et de gérer des ressources de manière sécurisée. Il fournit des mécanismes de cryptage et d'authentification robustes, ce qui en fait un choix populaire pour l'administration distante sécurisée et le transfert de fichiers.</a:t>
+            </a:r>
+          </a:p>
+          <a:p>
+            <a:r>
+              <a:rPr lang="fr-FR" b="0" i="0" dirty="0">
+                <a:solidFill>
+                  <a:srgbClr val="0D0D0D"/>
+                </a:solidFill>
+                <a:effectLst/>
+                <a:highlight>
+                  <a:srgbClr val="FFFFFF"/>
+                </a:highlight>
+                <a:latin typeface="Söhne"/>
+              </a:rPr>
+              <a:t>Ansible recourt à SSH pour réaliser une provision sécurisée de serveurs distants.</a:t>
+            </a:r>
+            <a:endParaRPr lang="fr-FR" dirty="0"/>
+          </a:p>
+        </p:txBody>
+      </p:sp>
+      <p:sp>
+        <p:nvSpPr>
+          <p:cNvPr id="4" name="Espace réservé du numéro de diapositive 3"/>
+          <p:cNvSpPr>
+            <a:spLocks noGrp="1"/>
+          </p:cNvSpPr>
+          <p:nvPr>
+            <p:ph type="sldNum" sz="quarter" idx="5"/>
+          </p:nvPr>
+        </p:nvSpPr>
+        <p:spPr/>
+        <p:txBody>
+          <a:bodyPr/>
+          <a:lstStyle/>
+          <a:p>
+            <a:fld id="{4699F8F6-3164-46DA-A6CF-FC0368D075AB}" type="slidenum">
+              <a:rPr lang="fr-FR" smtClean="0"/>
+              <a:t>14</a:t>
+            </a:fld>
+            <a:endParaRPr lang="fr-FR"/>
+          </a:p>
+        </p:txBody>
+      </p:sp>
+    </p:spTree>
+    <p:extLst>
+      <p:ext uri="{BB962C8B-B14F-4D97-AF65-F5344CB8AC3E}">
+        <p14:creationId xmlns:p14="http://schemas.microsoft.com/office/powerpoint/2010/main" val="1830107654"/>
+      </p:ext>
+    </p:extLst>
+  </p:cSld>
+  <p:clrMapOvr>
+    <a:masterClrMapping/>
+  </p:clrMapOvr>
+</p:notes>
+</file>
+
 <file path=ppt/notesSlides/notesSlide2.xml><?xml version="1.0" encoding="utf-8"?>
 <p:notes xmlns:a="http://schemas.openxmlformats.org/drawingml/2006/main" xmlns:r="http://schemas.openxmlformats.org/officeDocument/2006/relationships" xmlns:p="http://schemas.openxmlformats.org/presentationml/2006/main">
   <p:cSld>
@@ -4992,7 +5189,7 @@
           <a:p>
             <a:fld id="{6673ECEF-1D77-43AE-9140-E2396EBC32DB}" type="datetime1">
               <a:rPr lang="fr-FR" smtClean="0"/>
-              <a:t>02/05/2024</a:t>
+              <a:t>04/05/2024</a:t>
             </a:fld>
             <a:endParaRPr lang="fr-FR"/>
           </a:p>
@@ -5193,7 +5390,7 @@
           <a:p>
             <a:fld id="{466B9F22-C239-43FE-B878-58835F365FC5}" type="datetime1">
               <a:rPr lang="fr-FR" smtClean="0"/>
-              <a:t>02/05/2024</a:t>
+              <a:t>04/05/2024</a:t>
             </a:fld>
             <a:endParaRPr lang="fr-FR"/>
           </a:p>
@@ -5404,7 +5601,7 @@
           <a:p>
             <a:fld id="{9C0F3576-F52B-4D10-9CFF-D87B2DEBE3E4}" type="datetime1">
               <a:rPr lang="fr-FR" smtClean="0"/>
-              <a:t>02/05/2024</a:t>
+              <a:t>04/05/2024</a:t>
             </a:fld>
             <a:endParaRPr lang="fr-FR"/>
           </a:p>
@@ -5605,7 +5802,7 @@
           <a:p>
             <a:fld id="{941C9732-2A01-4D08-B92E-42AC3CE0EE63}" type="datetime1">
               <a:rPr lang="fr-FR" smtClean="0"/>
-              <a:t>02/05/2024</a:t>
+              <a:t>04/05/2024</a:t>
             </a:fld>
             <a:endParaRPr lang="fr-FR"/>
           </a:p>
@@ -5883,7 +6080,7 @@
           <a:p>
             <a:fld id="{8C38BF5A-5A7B-4775-9304-9725F9836571}" type="datetime1">
               <a:rPr lang="fr-FR" smtClean="0"/>
-              <a:t>02/05/2024</a:t>
+              <a:t>04/05/2024</a:t>
             </a:fld>
             <a:endParaRPr lang="fr-FR"/>
           </a:p>
@@ -6151,7 +6348,7 @@
           <a:p>
             <a:fld id="{50A303E5-E01C-478A-982C-4FF999ADDC34}" type="datetime1">
               <a:rPr lang="fr-FR" smtClean="0"/>
-              <a:t>02/05/2024</a:t>
+              <a:t>04/05/2024</a:t>
             </a:fld>
             <a:endParaRPr lang="fr-FR"/>
           </a:p>
@@ -6566,7 +6763,7 @@
           <a:p>
             <a:fld id="{30965E43-F543-4F23-A9B5-E7537237DA3E}" type="datetime1">
               <a:rPr lang="fr-FR" smtClean="0"/>
-              <a:t>02/05/2024</a:t>
+              <a:t>04/05/2024</a:t>
             </a:fld>
             <a:endParaRPr lang="fr-FR"/>
           </a:p>
@@ -6710,7 +6907,7 @@
           <a:p>
             <a:fld id="{C58BDF5C-078D-479F-BA03-88A11C66015C}" type="datetime1">
               <a:rPr lang="fr-FR" smtClean="0"/>
-              <a:t>02/05/2024</a:t>
+              <a:t>04/05/2024</a:t>
             </a:fld>
             <a:endParaRPr lang="fr-FR"/>
           </a:p>
@@ -6826,7 +7023,7 @@
           <a:p>
             <a:fld id="{5E865842-71E2-4BC3-BAAB-AD09CA53D33D}" type="datetime1">
               <a:rPr lang="fr-FR" smtClean="0"/>
-              <a:t>02/05/2024</a:t>
+              <a:t>04/05/2024</a:t>
             </a:fld>
             <a:endParaRPr lang="fr-FR"/>
           </a:p>
@@ -7140,7 +7337,7 @@
           <a:p>
             <a:fld id="{3FA46A2A-EA15-4023-AF98-1C287279A5F3}" type="datetime1">
               <a:rPr lang="fr-FR" smtClean="0"/>
-              <a:t>02/05/2024</a:t>
+              <a:t>04/05/2024</a:t>
             </a:fld>
             <a:endParaRPr lang="fr-FR"/>
           </a:p>
@@ -7431,7 +7628,7 @@
           <a:p>
             <a:fld id="{9A50EFF0-CDF3-4BDD-A628-3D3A2CBC3A3B}" type="datetime1">
               <a:rPr lang="fr-FR" smtClean="0"/>
-              <a:t>02/05/2024</a:t>
+              <a:t>04/05/2024</a:t>
             </a:fld>
             <a:endParaRPr lang="fr-FR"/>
           </a:p>
@@ -7675,7 +7872,7 @@
           <a:p>
             <a:fld id="{4BC3AB77-036A-4F77-986B-D4A79F4B0D6E}" type="datetime1">
               <a:rPr lang="fr-FR" smtClean="0"/>
-              <a:t>02/05/2024</a:t>
+              <a:t>04/05/2024</a:t>
             </a:fld>
             <a:endParaRPr lang="fr-FR"/>
           </a:p>
@@ -9156,8 +9353,8 @@
           </a:p>
         </p:txBody>
       </p:sp>
-      <mc:AlternateContent xmlns:mc="http://schemas.openxmlformats.org/markup-compatibility/2006">
-        <mc:Choice xmlns:p14="http://schemas.microsoft.com/office/powerpoint/2010/main" Requires="p14">
+      <mc:AlternateContent xmlns:mc="http://schemas.openxmlformats.org/markup-compatibility/2006" xmlns:p14="http://schemas.microsoft.com/office/powerpoint/2010/main">
+        <mc:Choice Requires="p14">
           <p:contentPart p14:bwMode="auto" r:id="rId6">
             <p14:nvContentPartPr>
               <p14:cNvPr id="20" name="Encre 19">
@@ -9176,7 +9373,7 @@
             </p14:xfrm>
           </p:contentPart>
         </mc:Choice>
-        <mc:Fallback>
+        <mc:Fallback xmlns="">
           <p:pic>
             <p:nvPicPr>
               <p:cNvPr id="20" name="Encre 19">
@@ -9207,8 +9404,8 @@
           </p:pic>
         </mc:Fallback>
       </mc:AlternateContent>
-      <mc:AlternateContent xmlns:mc="http://schemas.openxmlformats.org/markup-compatibility/2006">
-        <mc:Choice xmlns:p14="http://schemas.microsoft.com/office/powerpoint/2010/main" Requires="p14">
+      <mc:AlternateContent xmlns:mc="http://schemas.openxmlformats.org/markup-compatibility/2006" xmlns:p14="http://schemas.microsoft.com/office/powerpoint/2010/main">
+        <mc:Choice Requires="p14">
           <p:contentPart p14:bwMode="auto" r:id="rId8">
             <p14:nvContentPartPr>
               <p14:cNvPr id="21" name="Encre 20">
@@ -9227,7 +9424,7 @@
             </p14:xfrm>
           </p:contentPart>
         </mc:Choice>
-        <mc:Fallback>
+        <mc:Fallback xmlns="">
           <p:pic>
             <p:nvPicPr>
               <p:cNvPr id="21" name="Encre 20">
@@ -9293,7 +9490,7 @@
                   </a:schemeClr>
                 </a:solidFill>
               </a:rPr>
-              <a:t>02/05/2024</a:t>
+              <a:t>04/05/2024</a:t>
             </a:fld>
             <a:endParaRPr lang="fr-FR" dirty="0">
               <a:solidFill>
@@ -9409,8 +9606,8 @@
           </a:p>
         </p:txBody>
       </p:sp>
-      <mc:AlternateContent xmlns:mc="http://schemas.openxmlformats.org/markup-compatibility/2006">
-        <mc:Choice xmlns:p14="http://schemas.microsoft.com/office/powerpoint/2010/main" Requires="p14">
+      <mc:AlternateContent xmlns:mc="http://schemas.openxmlformats.org/markup-compatibility/2006" xmlns:p14="http://schemas.microsoft.com/office/powerpoint/2010/main">
+        <mc:Choice Requires="p14">
           <p:contentPart p14:bwMode="auto" r:id="rId10">
             <p14:nvContentPartPr>
               <p14:cNvPr id="32" name="Encre 31">
@@ -9429,7 +9626,7 @@
             </p14:xfrm>
           </p:contentPart>
         </mc:Choice>
-        <mc:Fallback>
+        <mc:Fallback xmlns="">
           <p:pic>
             <p:nvPicPr>
               <p:cNvPr id="32" name="Encre 31">
@@ -10180,8 +10377,8 @@
           </a:p>
         </p:txBody>
       </p:sp>
-      <mc:AlternateContent xmlns:mc="http://schemas.openxmlformats.org/markup-compatibility/2006">
-        <mc:Choice xmlns:p14="http://schemas.microsoft.com/office/powerpoint/2010/main" Requires="p14">
+      <mc:AlternateContent xmlns:mc="http://schemas.openxmlformats.org/markup-compatibility/2006" xmlns:p14="http://schemas.microsoft.com/office/powerpoint/2010/main">
+        <mc:Choice Requires="p14">
           <p:contentPart p14:bwMode="auto" r:id="rId13">
             <p14:nvContentPartPr>
               <p14:cNvPr id="35" name="Encre 34">
@@ -10200,7 +10397,7 @@
             </p14:xfrm>
           </p:contentPart>
         </mc:Choice>
-        <mc:Fallback>
+        <mc:Fallback xmlns="">
           <p:pic>
             <p:nvPicPr>
               <p:cNvPr id="35" name="Encre 34">
@@ -11406,8 +11603,8 @@
           </a:p>
         </p:txBody>
       </p:sp>
-      <mc:AlternateContent xmlns:mc="http://schemas.openxmlformats.org/markup-compatibility/2006">
-        <mc:Choice xmlns:p14="http://schemas.microsoft.com/office/powerpoint/2010/main" Requires="p14">
+      <mc:AlternateContent xmlns:mc="http://schemas.openxmlformats.org/markup-compatibility/2006" xmlns:p14="http://schemas.microsoft.com/office/powerpoint/2010/main">
+        <mc:Choice Requires="p14">
           <p:contentPart p14:bwMode="auto" r:id="rId6">
             <p14:nvContentPartPr>
               <p14:cNvPr id="21" name="Encre 20">
@@ -11426,7 +11623,7 @@
             </p14:xfrm>
           </p:contentPart>
         </mc:Choice>
-        <mc:Fallback>
+        <mc:Fallback xmlns="">
           <p:pic>
             <p:nvPicPr>
               <p:cNvPr id="21" name="Encre 20">
@@ -11492,7 +11689,7 @@
                   </a:schemeClr>
                 </a:solidFill>
               </a:rPr>
-              <a:t>02/05/2024</a:t>
+              <a:t>04/05/2024</a:t>
             </a:fld>
             <a:endParaRPr lang="fr-FR" dirty="0">
               <a:solidFill>
@@ -11608,8 +11805,8 @@
           </a:p>
         </p:txBody>
       </p:sp>
-      <mc:AlternateContent xmlns:mc="http://schemas.openxmlformats.org/markup-compatibility/2006">
-        <mc:Choice xmlns:p14="http://schemas.microsoft.com/office/powerpoint/2010/main" Requires="p14">
+      <mc:AlternateContent xmlns:mc="http://schemas.openxmlformats.org/markup-compatibility/2006" xmlns:p14="http://schemas.microsoft.com/office/powerpoint/2010/main">
+        <mc:Choice Requires="p14">
           <p:contentPart p14:bwMode="auto" r:id="rId8">
             <p14:nvContentPartPr>
               <p14:cNvPr id="32" name="Encre 31">
@@ -11628,7 +11825,7 @@
             </p14:xfrm>
           </p:contentPart>
         </mc:Choice>
-        <mc:Fallback>
+        <mc:Fallback xmlns="">
           <p:pic>
             <p:nvPicPr>
               <p:cNvPr id="32" name="Encre 31">
@@ -12789,8 +12986,8 @@
           </a:p>
         </p:txBody>
       </p:sp>
-      <mc:AlternateContent xmlns:mc="http://schemas.openxmlformats.org/markup-compatibility/2006">
-        <mc:Choice xmlns:p14="http://schemas.microsoft.com/office/powerpoint/2010/main" Requires="p14">
+      <mc:AlternateContent xmlns:mc="http://schemas.openxmlformats.org/markup-compatibility/2006" xmlns:p14="http://schemas.microsoft.com/office/powerpoint/2010/main">
+        <mc:Choice Requires="p14">
           <p:contentPart p14:bwMode="auto" r:id="rId6">
             <p14:nvContentPartPr>
               <p14:cNvPr id="21" name="Encre 20">
@@ -12809,7 +13006,7 @@
             </p14:xfrm>
           </p:contentPart>
         </mc:Choice>
-        <mc:Fallback>
+        <mc:Fallback xmlns="">
           <p:pic>
             <p:nvPicPr>
               <p:cNvPr id="21" name="Encre 20">
@@ -12875,7 +13072,7 @@
                   </a:schemeClr>
                 </a:solidFill>
               </a:rPr>
-              <a:t>02/05/2024</a:t>
+              <a:t>04/05/2024</a:t>
             </a:fld>
             <a:endParaRPr lang="fr-FR" dirty="0">
               <a:solidFill>
@@ -12991,8 +13188,8 @@
           </a:p>
         </p:txBody>
       </p:sp>
-      <mc:AlternateContent xmlns:mc="http://schemas.openxmlformats.org/markup-compatibility/2006">
-        <mc:Choice xmlns:p14="http://schemas.microsoft.com/office/powerpoint/2010/main" Requires="p14">
+      <mc:AlternateContent xmlns:mc="http://schemas.openxmlformats.org/markup-compatibility/2006" xmlns:p14="http://schemas.microsoft.com/office/powerpoint/2010/main">
+        <mc:Choice Requires="p14">
           <p:contentPart p14:bwMode="auto" r:id="rId8">
             <p14:nvContentPartPr>
               <p14:cNvPr id="32" name="Encre 31">
@@ -13011,7 +13208,7 @@
             </p14:xfrm>
           </p:contentPart>
         </mc:Choice>
-        <mc:Fallback>
+        <mc:Fallback xmlns="">
           <p:pic>
             <p:nvPicPr>
               <p:cNvPr id="32" name="Encre 31">
@@ -15142,7 +15339,7 @@
     </p:tnLst>
     <p:bldLst>
       <p:bldP spid="48" grpId="0" animBg="1"/>
-      <p:bldP spid="4" grpId="0"/>
+      <p:bldP spid="4" grpId="0" animBg="1"/>
       <p:bldP spid="13" grpId="0" animBg="1"/>
       <p:bldP spid="14" grpId="0" animBg="1"/>
       <p:bldP spid="16" grpId="0" animBg="1"/>
@@ -15151,7 +15348,7 @@
       <p:bldP spid="23" grpId="0" animBg="1"/>
       <p:bldP spid="24" grpId="0" animBg="1"/>
       <p:bldP spid="25" grpId="0" animBg="1"/>
-      <p:bldP spid="29" grpId="0"/>
+      <p:bldP spid="29" grpId="0" animBg="1"/>
     </p:bldLst>
   </p:timing>
 </p:sld>
@@ -15398,8 +15595,8 @@
           </a:prstGeom>
         </p:spPr>
       </p:pic>
-      <mc:AlternateContent xmlns:mc="http://schemas.openxmlformats.org/markup-compatibility/2006">
-        <mc:Choice xmlns:p14="http://schemas.microsoft.com/office/powerpoint/2010/main" Requires="p14">
+      <mc:AlternateContent xmlns:mc="http://schemas.openxmlformats.org/markup-compatibility/2006" xmlns:p14="http://schemas.microsoft.com/office/powerpoint/2010/main">
+        <mc:Choice Requires="p14">
           <p:contentPart p14:bwMode="auto" r:id="rId4">
             <p14:nvContentPartPr>
               <p14:cNvPr id="21" name="Encre 20">
@@ -15418,7 +15615,7 @@
             </p14:xfrm>
           </p:contentPart>
         </mc:Choice>
-        <mc:Fallback>
+        <mc:Fallback xmlns="">
           <p:pic>
             <p:nvPicPr>
               <p:cNvPr id="21" name="Encre 20">
@@ -15484,7 +15681,7 @@
                   </a:schemeClr>
                 </a:solidFill>
               </a:rPr>
-              <a:t>02/05/2024</a:t>
+              <a:t>05/05/2024</a:t>
             </a:fld>
             <a:endParaRPr lang="fr-FR" dirty="0">
               <a:solidFill>
@@ -15600,8 +15797,8 @@
           </a:p>
         </p:txBody>
       </p:sp>
-      <mc:AlternateContent xmlns:mc="http://schemas.openxmlformats.org/markup-compatibility/2006">
-        <mc:Choice xmlns:p14="http://schemas.microsoft.com/office/powerpoint/2010/main" Requires="p14">
+      <mc:AlternateContent xmlns:mc="http://schemas.openxmlformats.org/markup-compatibility/2006" xmlns:p14="http://schemas.microsoft.com/office/powerpoint/2010/main">
+        <mc:Choice Requires="p14">
           <p:contentPart p14:bwMode="auto" r:id="rId6">
             <p14:nvContentPartPr>
               <p14:cNvPr id="32" name="Encre 31">
@@ -15620,7 +15817,7 @@
             </p14:xfrm>
           </p:contentPart>
         </mc:Choice>
-        <mc:Fallback>
+        <mc:Fallback xmlns="">
           <p:pic>
             <p:nvPicPr>
               <p:cNvPr id="32" name="Encre 31">
@@ -15665,10 +15862,10 @@
         </p:nvGrpSpPr>
         <p:grpSpPr>
           <a:xfrm>
-            <a:off x="1641786" y="4049088"/>
-            <a:ext cx="844959" cy="449222"/>
+            <a:off x="1276079" y="3893990"/>
+            <a:ext cx="844959" cy="584120"/>
             <a:chOff x="1637189" y="2803427"/>
-            <a:chExt cx="1347806" cy="746779"/>
+            <a:chExt cx="1347806" cy="971032"/>
           </a:xfrm>
         </p:grpSpPr>
         <p:pic>
@@ -15743,7 +15940,7 @@
           <p:spPr>
             <a:xfrm>
               <a:off x="1637189" y="3211652"/>
-              <a:ext cx="1347806" cy="338554"/>
+              <a:ext cx="1347806" cy="562807"/>
             </a:xfrm>
             <a:prstGeom prst="rect">
               <a:avLst/>
@@ -15762,134 +15959,7 @@
                     <a:srgbClr val="FF0000"/>
                   </a:solidFill>
                 </a:rPr>
-                <a:t>privé</a:t>
-              </a:r>
-            </a:p>
-          </p:txBody>
-        </p:sp>
-      </p:grpSp>
-      <p:grpSp>
-        <p:nvGrpSpPr>
-          <p:cNvPr id="16" name="Groupe 15">
-            <a:extLst>
-              <a:ext uri="{FF2B5EF4-FFF2-40B4-BE49-F238E27FC236}">
-                <a16:creationId xmlns:a16="http://schemas.microsoft.com/office/drawing/2014/main" id="{7356E388-F405-94A7-C447-47B820D4ED19}"/>
-              </a:ext>
-            </a:extLst>
-          </p:cNvPr>
-          <p:cNvGrpSpPr/>
-          <p:nvPr/>
-        </p:nvGrpSpPr>
-        <p:grpSpPr>
-          <a:xfrm>
-            <a:off x="8722824" y="4286455"/>
-            <a:ext cx="973220" cy="449478"/>
-            <a:chOff x="7516494" y="2796995"/>
-            <a:chExt cx="1347805" cy="717711"/>
-          </a:xfrm>
-        </p:grpSpPr>
-        <p:pic>
-          <p:nvPicPr>
-            <p:cNvPr id="46" name="Picture 8" descr="Symbole clé (icône png) rouge">
-              <a:extLst>
-                <a:ext uri="{FF2B5EF4-FFF2-40B4-BE49-F238E27FC236}">
-                  <a16:creationId xmlns:a16="http://schemas.microsoft.com/office/drawing/2014/main" id="{1C184A75-2D68-6D85-0B15-A937FC524664}"/>
-                </a:ext>
-              </a:extLst>
-            </p:cNvPr>
-            <p:cNvPicPr>
-              <a:picLocks noChangeAspect="1" noChangeArrowheads="1"/>
-            </p:cNvPicPr>
-            <p:nvPr/>
-          </p:nvPicPr>
-          <p:blipFill>
-            <a:blip r:embed="rId8">
-              <a:clrChange>
-                <a:clrFrom>
-                  <a:srgbClr val="FFFFFF"/>
-                </a:clrFrom>
-                <a:clrTo>
-                  <a:srgbClr val="FFFFFF">
-                    <a:alpha val="0"/>
-                  </a:srgbClr>
-                </a:clrTo>
-              </a:clrChange>
-              <a:duotone>
-                <a:schemeClr val="accent3">
-                  <a:shade val="45000"/>
-                  <a:satMod val="135000"/>
-                </a:schemeClr>
-                <a:prstClr val="white"/>
-              </a:duotone>
-              <a:extLst>
-                <a:ext uri="{28A0092B-C50C-407E-A947-70E740481C1C}">
-                  <a14:useLocalDpi xmlns:a14="http://schemas.microsoft.com/office/drawing/2010/main" val="0"/>
-                </a:ext>
-              </a:extLst>
-            </a:blip>
-            <a:srcRect/>
-            <a:stretch>
-              <a:fillRect/>
-            </a:stretch>
-          </p:blipFill>
-          <p:spPr bwMode="auto">
-            <a:xfrm>
-              <a:off x="7574701" y="2796995"/>
-              <a:ext cx="606978" cy="606978"/>
-            </a:xfrm>
-            <a:prstGeom prst="rect">
-              <a:avLst/>
-            </a:prstGeom>
-            <a:noFill/>
-            <a:extLst>
-              <a:ext uri="{909E8E84-426E-40DD-AFC4-6F175D3DCCD1}">
-                <a14:hiddenFill xmlns:a14="http://schemas.microsoft.com/office/drawing/2010/main">
-                  <a:solidFill>
-                    <a:srgbClr val="FFFFFF"/>
-                  </a:solidFill>
-                </a14:hiddenFill>
-              </a:ext>
-            </a:extLst>
-          </p:spPr>
-        </p:pic>
-        <p:sp>
-          <p:nvSpPr>
-            <p:cNvPr id="47" name="ZoneTexte 46">
-              <a:extLst>
-                <a:ext uri="{FF2B5EF4-FFF2-40B4-BE49-F238E27FC236}">
-                  <a16:creationId xmlns:a16="http://schemas.microsoft.com/office/drawing/2014/main" id="{3007BFFD-71BE-5E80-9CBD-46D38FFD3F8E}"/>
-                </a:ext>
-              </a:extLst>
-            </p:cNvPr>
-            <p:cNvSpPr txBox="1"/>
-            <p:nvPr/>
-          </p:nvSpPr>
-          <p:spPr>
-            <a:xfrm>
-              <a:off x="7516494" y="3176150"/>
-              <a:ext cx="1347805" cy="338556"/>
-            </a:xfrm>
-            <a:prstGeom prst="rect">
-              <a:avLst/>
-            </a:prstGeom>
-            <a:noFill/>
-          </p:spPr>
-          <p:txBody>
-            <a:bodyPr wrap="square" rtlCol="0">
-              <a:spAutoFit/>
-            </a:bodyPr>
-            <a:lstStyle/>
-            <a:p>
-              <a:r>
-                <a:rPr lang="fr-FR" sz="1600" dirty="0">
-                  <a:solidFill>
-                    <a:schemeClr val="accent6">
-                      <a:lumMod val="60000"/>
-                      <a:lumOff val="40000"/>
-                    </a:schemeClr>
-                  </a:solidFill>
-                </a:rPr>
-                <a:t>pub</a:t>
+                <a:t>ansible</a:t>
               </a:r>
             </a:p>
           </p:txBody>
@@ -16412,408 +16482,598 @@
           </p:spPr>
         </p:pic>
       </p:grpSp>
-      <p:cxnSp>
-        <p:nvCxnSpPr>
-          <p:cNvPr id="23" name="Connecteur droit avec flèche 22">
+      <p:grpSp>
+        <p:nvGrpSpPr>
+          <p:cNvPr id="52" name="Groupe 51">
             <a:extLst>
               <a:ext uri="{FF2B5EF4-FFF2-40B4-BE49-F238E27FC236}">
-                <a16:creationId xmlns:a16="http://schemas.microsoft.com/office/drawing/2014/main" id="{A6E3A7E2-CFD0-D43D-1E33-88E7693740E2}"/>
+                <a16:creationId xmlns:a16="http://schemas.microsoft.com/office/drawing/2014/main" id="{C889664D-C473-9567-8C26-D56910E4879C}"/>
               </a:ext>
             </a:extLst>
           </p:cNvPr>
-          <p:cNvCxnSpPr>
-            <a:cxnSpLocks/>
-          </p:cNvCxnSpPr>
+          <p:cNvGrpSpPr/>
           <p:nvPr/>
-        </p:nvCxnSpPr>
-        <p:spPr>
-          <a:xfrm flipV="1">
-            <a:off x="2350796" y="4333122"/>
-            <a:ext cx="1979164" cy="13820"/>
+        </p:nvGrpSpPr>
+        <p:grpSpPr>
+          <a:xfrm>
+            <a:off x="2943492" y="4004783"/>
+            <a:ext cx="3372822" cy="1154539"/>
+            <a:chOff x="2943492" y="4004783"/>
+            <a:chExt cx="3372822" cy="1154539"/>
           </a:xfrm>
-          <a:prstGeom prst="straightConnector1">
-            <a:avLst/>
-          </a:prstGeom>
-          <a:ln>
-            <a:tailEnd type="triangle"/>
-          </a:ln>
-        </p:spPr>
-        <p:style>
-          <a:lnRef idx="2">
-            <a:schemeClr val="accent1"/>
-          </a:lnRef>
-          <a:fillRef idx="0">
-            <a:schemeClr val="accent1"/>
-          </a:fillRef>
-          <a:effectRef idx="1">
-            <a:schemeClr val="accent1"/>
-          </a:effectRef>
-          <a:fontRef idx="minor">
-            <a:schemeClr val="tx1"/>
-          </a:fontRef>
-        </p:style>
-      </p:cxnSp>
-      <p:sp>
-        <p:nvSpPr>
-          <p:cNvPr id="25" name="ZoneTexte 24">
+        </p:grpSpPr>
+        <p:cxnSp>
+          <p:nvCxnSpPr>
+            <p:cNvPr id="23" name="Connecteur droit avec flèche 22">
+              <a:extLst>
+                <a:ext uri="{FF2B5EF4-FFF2-40B4-BE49-F238E27FC236}">
+                  <a16:creationId xmlns:a16="http://schemas.microsoft.com/office/drawing/2014/main" id="{A6E3A7E2-CFD0-D43D-1E33-88E7693740E2}"/>
+                </a:ext>
+              </a:extLst>
+            </p:cNvPr>
+            <p:cNvCxnSpPr>
+              <a:cxnSpLocks/>
+            </p:cNvCxnSpPr>
+            <p:nvPr/>
+          </p:nvCxnSpPr>
+          <p:spPr>
+            <a:xfrm flipV="1">
+              <a:off x="3025393" y="4867435"/>
+              <a:ext cx="1979164" cy="13820"/>
+            </a:xfrm>
+            <a:prstGeom prst="straightConnector1">
+              <a:avLst/>
+            </a:prstGeom>
+            <a:ln>
+              <a:tailEnd type="triangle"/>
+            </a:ln>
+          </p:spPr>
+          <p:style>
+            <a:lnRef idx="2">
+              <a:schemeClr val="accent1"/>
+            </a:lnRef>
+            <a:fillRef idx="0">
+              <a:schemeClr val="accent1"/>
+            </a:fillRef>
+            <a:effectRef idx="1">
+              <a:schemeClr val="accent1"/>
+            </a:effectRef>
+            <a:fontRef idx="minor">
+              <a:schemeClr val="tx1"/>
+            </a:fontRef>
+          </p:style>
+        </p:cxnSp>
+        <p:sp>
+          <p:nvSpPr>
+            <p:cNvPr id="25" name="ZoneTexte 24">
+              <a:extLst>
+                <a:ext uri="{FF2B5EF4-FFF2-40B4-BE49-F238E27FC236}">
+                  <a16:creationId xmlns:a16="http://schemas.microsoft.com/office/drawing/2014/main" id="{2B326101-3CF3-4F29-3FC5-2AE603692D6B}"/>
+                </a:ext>
+              </a:extLst>
+            </p:cNvPr>
+            <p:cNvSpPr txBox="1"/>
+            <p:nvPr/>
+          </p:nvSpPr>
+          <p:spPr>
+            <a:xfrm>
+              <a:off x="2943492" y="4512991"/>
+              <a:ext cx="2504941" cy="307777"/>
+            </a:xfrm>
+            <a:prstGeom prst="rect">
+              <a:avLst/>
+            </a:prstGeom>
+            <a:noFill/>
+          </p:spPr>
+          <p:txBody>
+            <a:bodyPr wrap="square" rtlCol="0">
+              <a:spAutoFit/>
+            </a:bodyPr>
+            <a:lstStyle/>
+            <a:p>
+              <a:r>
+                <a:rPr lang="fr-FR" sz="1400" dirty="0">
+                  <a:solidFill>
+                    <a:schemeClr val="bg1"/>
+                  </a:solidFill>
+                </a:rPr>
+                <a:t>Algorithme d’</a:t>
+              </a:r>
+              <a:r>
+                <a:rPr lang="fr-FR" sz="1400" dirty="0" err="1">
+                  <a:solidFill>
+                    <a:schemeClr val="bg1"/>
+                  </a:solidFill>
+                </a:rPr>
+                <a:t>encryption</a:t>
+              </a:r>
+              <a:endParaRPr lang="fr-FR" sz="1400" dirty="0">
+                <a:solidFill>
+                  <a:srgbClr val="FFFF00"/>
+                </a:solidFill>
+              </a:endParaRPr>
+            </a:p>
+          </p:txBody>
+        </p:sp>
+        <p:sp>
+          <p:nvSpPr>
+            <p:cNvPr id="30" name="ZoneTexte 29">
+              <a:extLst>
+                <a:ext uri="{FF2B5EF4-FFF2-40B4-BE49-F238E27FC236}">
+                  <a16:creationId xmlns:a16="http://schemas.microsoft.com/office/drawing/2014/main" id="{14690856-550A-5CFB-D44E-2119AB68D71C}"/>
+                </a:ext>
+              </a:extLst>
+            </p:cNvPr>
+            <p:cNvSpPr txBox="1"/>
+            <p:nvPr/>
+          </p:nvSpPr>
+          <p:spPr>
+            <a:xfrm>
+              <a:off x="5004557" y="4512991"/>
+              <a:ext cx="587672" cy="646331"/>
+            </a:xfrm>
+            <a:prstGeom prst="rect">
+              <a:avLst/>
+            </a:prstGeom>
+            <a:solidFill>
+              <a:schemeClr val="tx1">
+                <a:lumMod val="50000"/>
+                <a:lumOff val="50000"/>
+              </a:schemeClr>
+            </a:solidFill>
+          </p:spPr>
+          <p:txBody>
+            <a:bodyPr wrap="square" rtlCol="0">
+              <a:spAutoFit/>
+            </a:bodyPr>
+            <a:lstStyle/>
+            <a:p>
+              <a:r>
+                <a:rPr lang="fr-FR" sz="1200" dirty="0">
+                  <a:solidFill>
+                    <a:schemeClr val="bg1"/>
+                  </a:solidFill>
+                </a:rPr>
+                <a:t>S%d5&amp;é###1FF</a:t>
+              </a:r>
+            </a:p>
+          </p:txBody>
+        </p:sp>
+        <p:sp>
+          <p:nvSpPr>
+            <p:cNvPr id="34" name="ZoneTexte 33">
+              <a:extLst>
+                <a:ext uri="{FF2B5EF4-FFF2-40B4-BE49-F238E27FC236}">
+                  <a16:creationId xmlns:a16="http://schemas.microsoft.com/office/drawing/2014/main" id="{3D3F8A1C-9AEE-DC02-BC47-02FDF3025C3C}"/>
+                </a:ext>
+              </a:extLst>
+            </p:cNvPr>
+            <p:cNvSpPr txBox="1"/>
+            <p:nvPr/>
+          </p:nvSpPr>
+          <p:spPr>
+            <a:xfrm>
+              <a:off x="4300950" y="4004783"/>
+              <a:ext cx="2015364" cy="523220"/>
+            </a:xfrm>
+            <a:prstGeom prst="rect">
+              <a:avLst/>
+            </a:prstGeom>
+            <a:noFill/>
+          </p:spPr>
+          <p:txBody>
+            <a:bodyPr wrap="square" rtlCol="0">
+              <a:spAutoFit/>
+            </a:bodyPr>
+            <a:lstStyle/>
+            <a:p>
+              <a:pPr algn="ctr"/>
+              <a:r>
+                <a:rPr lang="fr-FR" sz="1400" dirty="0">
+                  <a:solidFill>
+                    <a:schemeClr val="bg1"/>
+                  </a:solidFill>
+                </a:rPr>
+                <a:t>Signature numérique encrypté</a:t>
+              </a:r>
+              <a:endParaRPr lang="fr-FR" sz="1400" dirty="0">
+                <a:solidFill>
+                  <a:srgbClr val="FFFF00"/>
+                </a:solidFill>
+              </a:endParaRPr>
+            </a:p>
+          </p:txBody>
+        </p:sp>
+      </p:grpSp>
+      <p:grpSp>
+        <p:nvGrpSpPr>
+          <p:cNvPr id="53" name="Groupe 52">
             <a:extLst>
               <a:ext uri="{FF2B5EF4-FFF2-40B4-BE49-F238E27FC236}">
-                <a16:creationId xmlns:a16="http://schemas.microsoft.com/office/drawing/2014/main" id="{2B326101-3CF3-4F29-3FC5-2AE603692D6B}"/>
+                <a16:creationId xmlns:a16="http://schemas.microsoft.com/office/drawing/2014/main" id="{12366C47-46F7-C792-710E-0B850475B49F}"/>
               </a:ext>
             </a:extLst>
           </p:cNvPr>
-          <p:cNvSpPr txBox="1"/>
+          <p:cNvGrpSpPr/>
           <p:nvPr/>
-        </p:nvSpPr>
-        <p:spPr>
+        </p:nvGrpSpPr>
+        <p:grpSpPr>
           <a:xfrm>
-            <a:off x="2268895" y="3978678"/>
-            <a:ext cx="2504941" cy="307777"/>
+            <a:off x="5630367" y="4265185"/>
+            <a:ext cx="3363843" cy="646331"/>
+            <a:chOff x="5630367" y="4265185"/>
+            <a:chExt cx="3363843" cy="646331"/>
           </a:xfrm>
-          <a:prstGeom prst="rect">
-            <a:avLst/>
-          </a:prstGeom>
-          <a:noFill/>
-        </p:spPr>
-        <p:txBody>
-          <a:bodyPr wrap="square" rtlCol="0">
-            <a:spAutoFit/>
-          </a:bodyPr>
-          <a:lstStyle/>
-          <a:p>
-            <a:r>
-              <a:rPr lang="fr-FR" sz="1400" dirty="0">
-                <a:solidFill>
-                  <a:schemeClr val="bg1"/>
-                </a:solidFill>
-              </a:rPr>
-              <a:t>Algorithme d’</a:t>
-            </a:r>
-            <a:r>
-              <a:rPr lang="fr-FR" sz="1400" dirty="0" err="1">
-                <a:solidFill>
-                  <a:schemeClr val="bg1"/>
-                </a:solidFill>
-              </a:rPr>
-              <a:t>encryption</a:t>
-            </a:r>
-            <a:endParaRPr lang="fr-FR" sz="1400" dirty="0">
-              <a:solidFill>
-                <a:srgbClr val="FFFF00"/>
-              </a:solidFill>
-            </a:endParaRPr>
-          </a:p>
-        </p:txBody>
-      </p:sp>
-      <p:sp>
-        <p:nvSpPr>
-          <p:cNvPr id="30" name="ZoneTexte 29">
+        </p:grpSpPr>
+        <p:cxnSp>
+          <p:nvCxnSpPr>
+            <p:cNvPr id="31" name="Connecteur droit avec flèche 30">
+              <a:extLst>
+                <a:ext uri="{FF2B5EF4-FFF2-40B4-BE49-F238E27FC236}">
+                  <a16:creationId xmlns:a16="http://schemas.microsoft.com/office/drawing/2014/main" id="{C715CC4D-B76A-EB18-6402-99CE3F4874E4}"/>
+                </a:ext>
+              </a:extLst>
+            </p:cNvPr>
+            <p:cNvCxnSpPr>
+              <a:cxnSpLocks/>
+            </p:cNvCxnSpPr>
+            <p:nvPr/>
+          </p:nvCxnSpPr>
+          <p:spPr>
+            <a:xfrm>
+              <a:off x="5630367" y="4615398"/>
+              <a:ext cx="2776171" cy="0"/>
+            </a:xfrm>
+            <a:prstGeom prst="straightConnector1">
+              <a:avLst/>
+            </a:prstGeom>
+            <a:ln>
+              <a:tailEnd type="triangle"/>
+            </a:ln>
+          </p:spPr>
+          <p:style>
+            <a:lnRef idx="2">
+              <a:schemeClr val="accent1"/>
+            </a:lnRef>
+            <a:fillRef idx="0">
+              <a:schemeClr val="accent1"/>
+            </a:fillRef>
+            <a:effectRef idx="1">
+              <a:schemeClr val="accent1"/>
+            </a:effectRef>
+            <a:fontRef idx="minor">
+              <a:schemeClr val="tx1"/>
+            </a:fontRef>
+          </p:style>
+        </p:cxnSp>
+        <p:sp>
+          <p:nvSpPr>
+            <p:cNvPr id="51" name="ZoneTexte 50">
+              <a:extLst>
+                <a:ext uri="{FF2B5EF4-FFF2-40B4-BE49-F238E27FC236}">
+                  <a16:creationId xmlns:a16="http://schemas.microsoft.com/office/drawing/2014/main" id="{12536FDF-4F2A-CD88-1C1B-1D245D840633}"/>
+                </a:ext>
+              </a:extLst>
+            </p:cNvPr>
+            <p:cNvSpPr txBox="1"/>
+            <p:nvPr/>
+          </p:nvSpPr>
+          <p:spPr>
+            <a:xfrm>
+              <a:off x="8406538" y="4265185"/>
+              <a:ext cx="587672" cy="646331"/>
+            </a:xfrm>
+            <a:prstGeom prst="rect">
+              <a:avLst/>
+            </a:prstGeom>
+            <a:solidFill>
+              <a:schemeClr val="tx1">
+                <a:lumMod val="50000"/>
+                <a:lumOff val="50000"/>
+              </a:schemeClr>
+            </a:solidFill>
+          </p:spPr>
+          <p:txBody>
+            <a:bodyPr wrap="square" rtlCol="0">
+              <a:spAutoFit/>
+            </a:bodyPr>
+            <a:lstStyle/>
+            <a:p>
+              <a:r>
+                <a:rPr lang="fr-FR" sz="1200" dirty="0">
+                  <a:solidFill>
+                    <a:schemeClr val="bg1"/>
+                  </a:solidFill>
+                </a:rPr>
+                <a:t>S%d5&amp;é###1FF</a:t>
+              </a:r>
+            </a:p>
+          </p:txBody>
+        </p:sp>
+      </p:grpSp>
+      <p:grpSp>
+        <p:nvGrpSpPr>
+          <p:cNvPr id="54" name="Groupe 53">
             <a:extLst>
               <a:ext uri="{FF2B5EF4-FFF2-40B4-BE49-F238E27FC236}">
-                <a16:creationId xmlns:a16="http://schemas.microsoft.com/office/drawing/2014/main" id="{14690856-550A-5CFB-D44E-2119AB68D71C}"/>
+                <a16:creationId xmlns:a16="http://schemas.microsoft.com/office/drawing/2014/main" id="{C68B6611-BE8A-E2AC-E9A4-DC510CEA2537}"/>
               </a:ext>
             </a:extLst>
           </p:cNvPr>
-          <p:cNvSpPr txBox="1"/>
+          <p:cNvGrpSpPr/>
           <p:nvPr/>
-        </p:nvSpPr>
-        <p:spPr>
+        </p:nvGrpSpPr>
+        <p:grpSpPr>
           <a:xfrm>
-            <a:off x="4329960" y="3978678"/>
-            <a:ext cx="587672" cy="646331"/>
+            <a:off x="8203025" y="4735142"/>
+            <a:ext cx="2167616" cy="833069"/>
+            <a:chOff x="8203025" y="4735142"/>
+            <a:chExt cx="2167616" cy="833069"/>
           </a:xfrm>
-          <a:prstGeom prst="rect">
-            <a:avLst/>
-          </a:prstGeom>
-          <a:solidFill>
-            <a:schemeClr val="tx1">
-              <a:lumMod val="50000"/>
-              <a:lumOff val="50000"/>
-            </a:schemeClr>
-          </a:solidFill>
-        </p:spPr>
-        <p:txBody>
-          <a:bodyPr wrap="square" rtlCol="0">
-            <a:spAutoFit/>
-          </a:bodyPr>
-          <a:lstStyle/>
-          <a:p>
-            <a:r>
-              <a:rPr lang="fr-FR" sz="1200" dirty="0">
-                <a:solidFill>
-                  <a:schemeClr val="bg1"/>
-                </a:solidFill>
-              </a:rPr>
-              <a:t>S%d5&amp;é###1FF</a:t>
-            </a:r>
-          </a:p>
-        </p:txBody>
-      </p:sp>
-      <p:cxnSp>
-        <p:nvCxnSpPr>
-          <p:cNvPr id="31" name="Connecteur droit avec flèche 30">
+        </p:grpSpPr>
+        <p:grpSp>
+          <p:nvGrpSpPr>
+            <p:cNvPr id="16" name="Groupe 15">
+              <a:extLst>
+                <a:ext uri="{FF2B5EF4-FFF2-40B4-BE49-F238E27FC236}">
+                  <a16:creationId xmlns:a16="http://schemas.microsoft.com/office/drawing/2014/main" id="{7356E388-F405-94A7-C447-47B820D4ED19}"/>
+                </a:ext>
+              </a:extLst>
+            </p:cNvPr>
+            <p:cNvGrpSpPr/>
+            <p:nvPr/>
+          </p:nvGrpSpPr>
+          <p:grpSpPr>
+            <a:xfrm>
+              <a:off x="9397421" y="4820769"/>
+              <a:ext cx="973220" cy="576006"/>
+              <a:chOff x="7516494" y="2796995"/>
+              <a:chExt cx="1347805" cy="919746"/>
+            </a:xfrm>
+          </p:grpSpPr>
+          <p:pic>
+            <p:nvPicPr>
+              <p:cNvPr id="46" name="Picture 8" descr="Symbole clé (icône png) rouge">
+                <a:extLst>
+                  <a:ext uri="{FF2B5EF4-FFF2-40B4-BE49-F238E27FC236}">
+                    <a16:creationId xmlns:a16="http://schemas.microsoft.com/office/drawing/2014/main" id="{1C184A75-2D68-6D85-0B15-A937FC524664}"/>
+                  </a:ext>
+                </a:extLst>
+              </p:cNvPr>
+              <p:cNvPicPr>
+                <a:picLocks noChangeAspect="1" noChangeArrowheads="1"/>
+              </p:cNvPicPr>
+              <p:nvPr/>
+            </p:nvPicPr>
+            <p:blipFill>
+              <a:blip r:embed="rId8">
+                <a:clrChange>
+                  <a:clrFrom>
+                    <a:srgbClr val="FFFFFF"/>
+                  </a:clrFrom>
+                  <a:clrTo>
+                    <a:srgbClr val="FFFFFF">
+                      <a:alpha val="0"/>
+                    </a:srgbClr>
+                  </a:clrTo>
+                </a:clrChange>
+                <a:duotone>
+                  <a:schemeClr val="accent3">
+                    <a:shade val="45000"/>
+                    <a:satMod val="135000"/>
+                  </a:schemeClr>
+                  <a:prstClr val="white"/>
+                </a:duotone>
+                <a:extLst>
+                  <a:ext uri="{28A0092B-C50C-407E-A947-70E740481C1C}">
+                    <a14:useLocalDpi xmlns:a14="http://schemas.microsoft.com/office/drawing/2010/main" val="0"/>
+                  </a:ext>
+                </a:extLst>
+              </a:blip>
+              <a:srcRect/>
+              <a:stretch>
+                <a:fillRect/>
+              </a:stretch>
+            </p:blipFill>
+            <p:spPr bwMode="auto">
+              <a:xfrm>
+                <a:off x="7574701" y="2796995"/>
+                <a:ext cx="606978" cy="606978"/>
+              </a:xfrm>
+              <a:prstGeom prst="rect">
+                <a:avLst/>
+              </a:prstGeom>
+              <a:noFill/>
+              <a:extLst>
+                <a:ext uri="{909E8E84-426E-40DD-AFC4-6F175D3DCCD1}">
+                  <a14:hiddenFill xmlns:a14="http://schemas.microsoft.com/office/drawing/2010/main">
+                    <a:solidFill>
+                      <a:srgbClr val="FFFFFF"/>
+                    </a:solidFill>
+                  </a14:hiddenFill>
+                </a:ext>
+              </a:extLst>
+            </p:spPr>
+          </p:pic>
+          <p:sp>
+            <p:nvSpPr>
+              <p:cNvPr id="47" name="ZoneTexte 46">
+                <a:extLst>
+                  <a:ext uri="{FF2B5EF4-FFF2-40B4-BE49-F238E27FC236}">
+                    <a16:creationId xmlns:a16="http://schemas.microsoft.com/office/drawing/2014/main" id="{3007BFFD-71BE-5E80-9CBD-46D38FFD3F8E}"/>
+                  </a:ext>
+                </a:extLst>
+              </p:cNvPr>
+              <p:cNvSpPr txBox="1"/>
+              <p:nvPr/>
+            </p:nvSpPr>
+            <p:spPr>
+              <a:xfrm>
+                <a:off x="7516494" y="3176150"/>
+                <a:ext cx="1347805" cy="540591"/>
+              </a:xfrm>
+              <a:prstGeom prst="rect">
+                <a:avLst/>
+              </a:prstGeom>
+              <a:noFill/>
+            </p:spPr>
+            <p:txBody>
+              <a:bodyPr wrap="square" rtlCol="0">
+                <a:spAutoFit/>
+              </a:bodyPr>
+              <a:lstStyle/>
+              <a:p>
+                <a:r>
+                  <a:rPr lang="fr-FR" sz="1600" dirty="0">
+                    <a:solidFill>
+                      <a:schemeClr val="accent6">
+                        <a:lumMod val="60000"/>
+                        <a:lumOff val="40000"/>
+                      </a:schemeClr>
+                    </a:solidFill>
+                  </a:rPr>
+                  <a:t>pub</a:t>
+                </a:r>
+              </a:p>
+            </p:txBody>
+          </p:sp>
+        </p:grpSp>
+        <p:cxnSp>
+          <p:nvCxnSpPr>
+            <p:cNvPr id="36" name="Connecteur : en angle 35">
+              <a:extLst>
+                <a:ext uri="{FF2B5EF4-FFF2-40B4-BE49-F238E27FC236}">
+                  <a16:creationId xmlns:a16="http://schemas.microsoft.com/office/drawing/2014/main" id="{20FE4FEF-3F2E-95F8-DE30-FB730517D68A}"/>
+                </a:ext>
+              </a:extLst>
+            </p:cNvPr>
+            <p:cNvCxnSpPr>
+              <a:cxnSpLocks/>
+            </p:cNvCxnSpPr>
+            <p:nvPr/>
+          </p:nvCxnSpPr>
+          <p:spPr>
+            <a:xfrm rot="10800000">
+              <a:off x="8751008" y="4940921"/>
+              <a:ext cx="587752" cy="334587"/>
+            </a:xfrm>
+            <a:prstGeom prst="bentConnector3">
+              <a:avLst>
+                <a:gd name="adj1" fmla="val 98895"/>
+              </a:avLst>
+            </a:prstGeom>
+            <a:ln>
+              <a:tailEnd type="triangle"/>
+            </a:ln>
+          </p:spPr>
+          <p:style>
+            <a:lnRef idx="2">
+              <a:schemeClr val="accent1"/>
+            </a:lnRef>
+            <a:fillRef idx="0">
+              <a:schemeClr val="accent1"/>
+            </a:fillRef>
+            <a:effectRef idx="1">
+              <a:schemeClr val="accent1"/>
+            </a:effectRef>
+            <a:fontRef idx="minor">
+              <a:schemeClr val="tx1"/>
+            </a:fontRef>
+          </p:style>
+        </p:cxnSp>
+        <p:sp>
+          <p:nvSpPr>
+            <p:cNvPr id="49" name="ZoneTexte 48">
+              <a:extLst>
+                <a:ext uri="{FF2B5EF4-FFF2-40B4-BE49-F238E27FC236}">
+                  <a16:creationId xmlns:a16="http://schemas.microsoft.com/office/drawing/2014/main" id="{5F8D0861-77B7-2B3D-35C9-CEC8FFAD5EEC}"/>
+                </a:ext>
+              </a:extLst>
+            </p:cNvPr>
+            <p:cNvSpPr txBox="1"/>
+            <p:nvPr/>
+          </p:nvSpPr>
+          <p:spPr>
+            <a:xfrm>
+              <a:off x="8516622" y="5260434"/>
+              <a:ext cx="1228797" cy="307777"/>
+            </a:xfrm>
+            <a:prstGeom prst="rect">
+              <a:avLst/>
+            </a:prstGeom>
+            <a:noFill/>
+          </p:spPr>
+          <p:txBody>
+            <a:bodyPr wrap="square" rtlCol="0">
+              <a:spAutoFit/>
+            </a:bodyPr>
+            <a:lstStyle/>
+            <a:p>
+              <a:pPr algn="ctr"/>
+              <a:r>
+                <a:rPr lang="fr-FR" sz="1400" dirty="0">
+                  <a:solidFill>
+                    <a:schemeClr val="bg1"/>
+                  </a:solidFill>
+                </a:rPr>
+                <a:t>Vérification</a:t>
+              </a:r>
+              <a:endParaRPr lang="fr-FR" sz="1400" dirty="0">
+                <a:solidFill>
+                  <a:srgbClr val="FFFF00"/>
+                </a:solidFill>
+              </a:endParaRPr>
+            </a:p>
+          </p:txBody>
+        </p:sp>
+        <p:pic>
+          <p:nvPicPr>
+            <p:cNvPr id="4100" name="Picture 4" descr="Ok - Téléchargement icônes gratuites">
+              <a:extLst>
+                <a:ext uri="{FF2B5EF4-FFF2-40B4-BE49-F238E27FC236}">
+                  <a16:creationId xmlns:a16="http://schemas.microsoft.com/office/drawing/2014/main" id="{301CDC56-A863-87FA-A468-A1B9E5124569}"/>
+                </a:ext>
+              </a:extLst>
+            </p:cNvPr>
+            <p:cNvPicPr>
+              <a:picLocks noChangeAspect="1" noChangeArrowheads="1"/>
+            </p:cNvPicPr>
+            <p:nvPr/>
+          </p:nvPicPr>
+          <p:blipFill>
+            <a:blip r:embed="rId12">
+              <a:extLst>
+                <a:ext uri="{28A0092B-C50C-407E-A947-70E740481C1C}">
+                  <a14:useLocalDpi xmlns:a14="http://schemas.microsoft.com/office/drawing/2010/main" val="0"/>
+                </a:ext>
+              </a:extLst>
+            </a:blip>
+            <a:srcRect/>
+            <a:stretch>
+              <a:fillRect/>
+            </a:stretch>
+          </p:blipFill>
+          <p:spPr bwMode="auto">
+            <a:xfrm>
+              <a:off x="8203025" y="4735142"/>
+              <a:ext cx="460940" cy="460940"/>
+            </a:xfrm>
+            <a:prstGeom prst="rect">
+              <a:avLst/>
+            </a:prstGeom>
+            <a:noFill/>
             <a:extLst>
-              <a:ext uri="{FF2B5EF4-FFF2-40B4-BE49-F238E27FC236}">
-                <a16:creationId xmlns:a16="http://schemas.microsoft.com/office/drawing/2014/main" id="{C715CC4D-B76A-EB18-6402-99CE3F4874E4}"/>
+              <a:ext uri="{909E8E84-426E-40DD-AFC4-6F175D3DCCD1}">
+                <a14:hiddenFill xmlns:a14="http://schemas.microsoft.com/office/drawing/2010/main">
+                  <a:solidFill>
+                    <a:srgbClr val="FFFFFF"/>
+                  </a:solidFill>
+                </a14:hiddenFill>
               </a:ext>
             </a:extLst>
-          </p:cNvPr>
-          <p:cNvCxnSpPr>
-            <a:cxnSpLocks/>
-          </p:cNvCxnSpPr>
-          <p:nvPr/>
-        </p:nvCxnSpPr>
-        <p:spPr>
-          <a:xfrm>
-            <a:off x="4955770" y="4081085"/>
-            <a:ext cx="2776171" cy="0"/>
-          </a:xfrm>
-          <a:prstGeom prst="straightConnector1">
-            <a:avLst/>
-          </a:prstGeom>
-          <a:ln>
-            <a:tailEnd type="triangle"/>
-          </a:ln>
-        </p:spPr>
-        <p:style>
-          <a:lnRef idx="2">
-            <a:schemeClr val="accent1"/>
-          </a:lnRef>
-          <a:fillRef idx="0">
-            <a:schemeClr val="accent1"/>
-          </a:fillRef>
-          <a:effectRef idx="1">
-            <a:schemeClr val="accent1"/>
-          </a:effectRef>
-          <a:fontRef idx="minor">
-            <a:schemeClr val="tx1"/>
-          </a:fontRef>
-        </p:style>
-      </p:cxnSp>
-      <p:sp>
-        <p:nvSpPr>
-          <p:cNvPr id="34" name="ZoneTexte 33">
-            <a:extLst>
-              <a:ext uri="{FF2B5EF4-FFF2-40B4-BE49-F238E27FC236}">
-                <a16:creationId xmlns:a16="http://schemas.microsoft.com/office/drawing/2014/main" id="{3D3F8A1C-9AEE-DC02-BC47-02FDF3025C3C}"/>
-              </a:ext>
-            </a:extLst>
-          </p:cNvPr>
-          <p:cNvSpPr txBox="1"/>
-          <p:nvPr/>
-        </p:nvSpPr>
-        <p:spPr>
-          <a:xfrm>
-            <a:off x="3626353" y="3470470"/>
-            <a:ext cx="2015364" cy="523220"/>
-          </a:xfrm>
-          <a:prstGeom prst="rect">
-            <a:avLst/>
-          </a:prstGeom>
-          <a:noFill/>
-        </p:spPr>
-        <p:txBody>
-          <a:bodyPr wrap="square" rtlCol="0">
-            <a:spAutoFit/>
-          </a:bodyPr>
-          <a:lstStyle/>
-          <a:p>
-            <a:pPr algn="ctr"/>
-            <a:r>
-              <a:rPr lang="fr-FR" sz="1400" dirty="0">
-                <a:solidFill>
-                  <a:schemeClr val="bg1"/>
-                </a:solidFill>
-              </a:rPr>
-              <a:t>Signature numérique encrypté</a:t>
-            </a:r>
-            <a:endParaRPr lang="fr-FR" sz="1400" dirty="0">
-              <a:solidFill>
-                <a:srgbClr val="FFFF00"/>
-              </a:solidFill>
-            </a:endParaRPr>
-          </a:p>
-        </p:txBody>
-      </p:sp>
-      <p:cxnSp>
-        <p:nvCxnSpPr>
-          <p:cNvPr id="36" name="Connecteur : en angle 35">
-            <a:extLst>
-              <a:ext uri="{FF2B5EF4-FFF2-40B4-BE49-F238E27FC236}">
-                <a16:creationId xmlns:a16="http://schemas.microsoft.com/office/drawing/2014/main" id="{20FE4FEF-3F2E-95F8-DE30-FB730517D68A}"/>
-              </a:ext>
-            </a:extLst>
-          </p:cNvPr>
-          <p:cNvCxnSpPr>
-            <a:cxnSpLocks/>
-          </p:cNvCxnSpPr>
-          <p:nvPr/>
-        </p:nvCxnSpPr>
-        <p:spPr>
-          <a:xfrm rot="10800000">
-            <a:off x="8076411" y="4406608"/>
-            <a:ext cx="587752" cy="334587"/>
-          </a:xfrm>
-          <a:prstGeom prst="bentConnector3">
-            <a:avLst>
-              <a:gd name="adj1" fmla="val 98895"/>
-            </a:avLst>
-          </a:prstGeom>
-          <a:ln>
-            <a:tailEnd type="triangle"/>
-          </a:ln>
-        </p:spPr>
-        <p:style>
-          <a:lnRef idx="2">
-            <a:schemeClr val="accent1"/>
-          </a:lnRef>
-          <a:fillRef idx="0">
-            <a:schemeClr val="accent1"/>
-          </a:fillRef>
-          <a:effectRef idx="1">
-            <a:schemeClr val="accent1"/>
-          </a:effectRef>
-          <a:fontRef idx="minor">
-            <a:schemeClr val="tx1"/>
-          </a:fontRef>
-        </p:style>
-      </p:cxnSp>
-      <p:sp>
-        <p:nvSpPr>
-          <p:cNvPr id="49" name="ZoneTexte 48">
-            <a:extLst>
-              <a:ext uri="{FF2B5EF4-FFF2-40B4-BE49-F238E27FC236}">
-                <a16:creationId xmlns:a16="http://schemas.microsoft.com/office/drawing/2014/main" id="{5F8D0861-77B7-2B3D-35C9-CEC8FFAD5EEC}"/>
-              </a:ext>
-            </a:extLst>
-          </p:cNvPr>
-          <p:cNvSpPr txBox="1"/>
-          <p:nvPr/>
-        </p:nvSpPr>
-        <p:spPr>
-          <a:xfrm>
-            <a:off x="7842025" y="4726121"/>
-            <a:ext cx="1228797" cy="307777"/>
-          </a:xfrm>
-          <a:prstGeom prst="rect">
-            <a:avLst/>
-          </a:prstGeom>
-          <a:noFill/>
-        </p:spPr>
-        <p:txBody>
-          <a:bodyPr wrap="square" rtlCol="0">
-            <a:spAutoFit/>
-          </a:bodyPr>
-          <a:lstStyle/>
-          <a:p>
-            <a:pPr algn="ctr"/>
-            <a:r>
-              <a:rPr lang="fr-FR" sz="1400" dirty="0">
-                <a:solidFill>
-                  <a:schemeClr val="bg1"/>
-                </a:solidFill>
-              </a:rPr>
-              <a:t>Vérification</a:t>
-            </a:r>
-            <a:endParaRPr lang="fr-FR" sz="1400" dirty="0">
-              <a:solidFill>
-                <a:srgbClr val="FFFF00"/>
-              </a:solidFill>
-            </a:endParaRPr>
-          </a:p>
-        </p:txBody>
-      </p:sp>
-      <p:sp>
-        <p:nvSpPr>
-          <p:cNvPr id="51" name="ZoneTexte 50">
-            <a:extLst>
-              <a:ext uri="{FF2B5EF4-FFF2-40B4-BE49-F238E27FC236}">
-                <a16:creationId xmlns:a16="http://schemas.microsoft.com/office/drawing/2014/main" id="{12536FDF-4F2A-CD88-1C1B-1D245D840633}"/>
-              </a:ext>
-            </a:extLst>
-          </p:cNvPr>
-          <p:cNvSpPr txBox="1"/>
-          <p:nvPr/>
-        </p:nvSpPr>
-        <p:spPr>
-          <a:xfrm>
-            <a:off x="7731941" y="3730872"/>
-            <a:ext cx="587672" cy="646331"/>
-          </a:xfrm>
-          <a:prstGeom prst="rect">
-            <a:avLst/>
-          </a:prstGeom>
-          <a:solidFill>
-            <a:schemeClr val="tx1">
-              <a:lumMod val="50000"/>
-              <a:lumOff val="50000"/>
-            </a:schemeClr>
-          </a:solidFill>
-        </p:spPr>
-        <p:txBody>
-          <a:bodyPr wrap="square" rtlCol="0">
-            <a:spAutoFit/>
-          </a:bodyPr>
-          <a:lstStyle/>
-          <a:p>
-            <a:r>
-              <a:rPr lang="fr-FR" sz="1200" dirty="0">
-                <a:solidFill>
-                  <a:schemeClr val="bg1"/>
-                </a:solidFill>
-              </a:rPr>
-              <a:t>S%d5&amp;é###1FF</a:t>
-            </a:r>
-          </a:p>
-        </p:txBody>
-      </p:sp>
-      <p:pic>
-        <p:nvPicPr>
-          <p:cNvPr id="4100" name="Picture 4" descr="Ok - Téléchargement icônes gratuites">
-            <a:extLst>
-              <a:ext uri="{FF2B5EF4-FFF2-40B4-BE49-F238E27FC236}">
-                <a16:creationId xmlns:a16="http://schemas.microsoft.com/office/drawing/2014/main" id="{301CDC56-A863-87FA-A468-A1B9E5124569}"/>
-              </a:ext>
-            </a:extLst>
-          </p:cNvPr>
-          <p:cNvPicPr>
-            <a:picLocks noChangeAspect="1" noChangeArrowheads="1"/>
-          </p:cNvPicPr>
-          <p:nvPr/>
-        </p:nvPicPr>
-        <p:blipFill>
-          <a:blip r:embed="rId12">
-            <a:extLst>
-              <a:ext uri="{28A0092B-C50C-407E-A947-70E740481C1C}">
-                <a14:useLocalDpi xmlns:a14="http://schemas.microsoft.com/office/drawing/2010/main" val="0"/>
-              </a:ext>
-            </a:extLst>
-          </a:blip>
-          <a:srcRect/>
-          <a:stretch>
-            <a:fillRect/>
-          </a:stretch>
-        </p:blipFill>
-        <p:spPr bwMode="auto">
-          <a:xfrm>
-            <a:off x="7528428" y="4200829"/>
-            <a:ext cx="460940" cy="460940"/>
-          </a:xfrm>
-          <a:prstGeom prst="rect">
-            <a:avLst/>
-          </a:prstGeom>
-          <a:noFill/>
-          <a:extLst>
-            <a:ext uri="{909E8E84-426E-40DD-AFC4-6F175D3DCCD1}">
-              <a14:hiddenFill xmlns:a14="http://schemas.microsoft.com/office/drawing/2010/main">
-                <a:solidFill>
-                  <a:srgbClr val="FFFFFF"/>
-                </a:solidFill>
-              </a14:hiddenFill>
-            </a:ext>
-          </a:extLst>
-        </p:spPr>
-      </p:pic>
+          </p:spPr>
+        </p:pic>
+      </p:grpSp>
       <p:grpSp>
         <p:nvGrpSpPr>
           <p:cNvPr id="4103" name="Groupe 4102">
@@ -17042,10 +17302,1745 @@
           </p:style>
         </p:cxnSp>
       </p:grpSp>
+      <p:grpSp>
+        <p:nvGrpSpPr>
+          <p:cNvPr id="3" name="Groupe 2">
+            <a:extLst>
+              <a:ext uri="{FF2B5EF4-FFF2-40B4-BE49-F238E27FC236}">
+                <a16:creationId xmlns:a16="http://schemas.microsoft.com/office/drawing/2014/main" id="{C31BE932-A72B-429D-F3F3-5CDF7BE2C18E}"/>
+              </a:ext>
+            </a:extLst>
+          </p:cNvPr>
+          <p:cNvGrpSpPr/>
+          <p:nvPr/>
+        </p:nvGrpSpPr>
+        <p:grpSpPr>
+          <a:xfrm>
+            <a:off x="770040" y="3867419"/>
+            <a:ext cx="844959" cy="449222"/>
+            <a:chOff x="1637189" y="2803427"/>
+            <a:chExt cx="1347806" cy="746779"/>
+          </a:xfrm>
+        </p:grpSpPr>
+        <p:pic>
+          <p:nvPicPr>
+            <p:cNvPr id="4" name="Picture 8" descr="Symbole clé (icône png) rouge">
+              <a:extLst>
+                <a:ext uri="{FF2B5EF4-FFF2-40B4-BE49-F238E27FC236}">
+                  <a16:creationId xmlns:a16="http://schemas.microsoft.com/office/drawing/2014/main" id="{BE91FEBE-59F8-64EF-D6EE-93A678E6CFE9}"/>
+                </a:ext>
+              </a:extLst>
+            </p:cNvPr>
+            <p:cNvPicPr>
+              <a:picLocks noChangeAspect="1" noChangeArrowheads="1"/>
+            </p:cNvPicPr>
+            <p:nvPr/>
+          </p:nvPicPr>
+          <p:blipFill>
+            <a:blip r:embed="rId8">
+              <a:clrChange>
+                <a:clrFrom>
+                  <a:srgbClr val="FFFFFF"/>
+                </a:clrFrom>
+                <a:clrTo>
+                  <a:srgbClr val="FFFFFF">
+                    <a:alpha val="0"/>
+                  </a:srgbClr>
+                </a:clrTo>
+              </a:clrChange>
+              <a:extLst>
+                <a:ext uri="{28A0092B-C50C-407E-A947-70E740481C1C}">
+                  <a14:useLocalDpi xmlns:a14="http://schemas.microsoft.com/office/drawing/2010/main" val="0"/>
+                </a:ext>
+              </a:extLst>
+            </a:blip>
+            <a:srcRect/>
+            <a:stretch>
+              <a:fillRect/>
+            </a:stretch>
+          </p:blipFill>
+          <p:spPr bwMode="auto">
+            <a:xfrm>
+              <a:off x="1859433" y="2803427"/>
+              <a:ext cx="606978" cy="606978"/>
+            </a:xfrm>
+            <a:prstGeom prst="rect">
+              <a:avLst/>
+            </a:prstGeom>
+            <a:noFill/>
+            <a:extLst>
+              <a:ext uri="{909E8E84-426E-40DD-AFC4-6F175D3DCCD1}">
+                <a14:hiddenFill xmlns:a14="http://schemas.microsoft.com/office/drawing/2010/main">
+                  <a:solidFill>
+                    <a:srgbClr val="FFFFFF"/>
+                  </a:solidFill>
+                </a14:hiddenFill>
+              </a:ext>
+            </a:extLst>
+          </p:spPr>
+        </p:pic>
+        <p:sp>
+          <p:nvSpPr>
+            <p:cNvPr id="8" name="ZoneTexte 7">
+              <a:extLst>
+                <a:ext uri="{FF2B5EF4-FFF2-40B4-BE49-F238E27FC236}">
+                  <a16:creationId xmlns:a16="http://schemas.microsoft.com/office/drawing/2014/main" id="{509006B6-409A-E334-C864-F5A859F1892F}"/>
+                </a:ext>
+              </a:extLst>
+            </p:cNvPr>
+            <p:cNvSpPr txBox="1"/>
+            <p:nvPr/>
+          </p:nvSpPr>
+          <p:spPr>
+            <a:xfrm>
+              <a:off x="1637189" y="3211652"/>
+              <a:ext cx="1347806" cy="338554"/>
+            </a:xfrm>
+            <a:prstGeom prst="rect">
+              <a:avLst/>
+            </a:prstGeom>
+            <a:noFill/>
+          </p:spPr>
+          <p:txBody>
+            <a:bodyPr wrap="square" rtlCol="0">
+              <a:spAutoFit/>
+            </a:bodyPr>
+            <a:lstStyle/>
+            <a:p>
+              <a:r>
+                <a:rPr lang="fr-FR" sz="1600" dirty="0">
+                  <a:solidFill>
+                    <a:srgbClr val="FF0000"/>
+                  </a:solidFill>
+                </a:rPr>
+                <a:t>privé</a:t>
+              </a:r>
+            </a:p>
+          </p:txBody>
+        </p:sp>
+      </p:grpSp>
+      <p:grpSp>
+        <p:nvGrpSpPr>
+          <p:cNvPr id="12" name="Groupe 11">
+            <a:extLst>
+              <a:ext uri="{FF2B5EF4-FFF2-40B4-BE49-F238E27FC236}">
+                <a16:creationId xmlns:a16="http://schemas.microsoft.com/office/drawing/2014/main" id="{93DF2D73-A730-A124-AE0C-E54F12C6DDFC}"/>
+              </a:ext>
+            </a:extLst>
+          </p:cNvPr>
+          <p:cNvGrpSpPr/>
+          <p:nvPr/>
+        </p:nvGrpSpPr>
+        <p:grpSpPr>
+          <a:xfrm>
+            <a:off x="1139476" y="4470047"/>
+            <a:ext cx="844959" cy="449222"/>
+            <a:chOff x="1637189" y="2803427"/>
+            <a:chExt cx="1347806" cy="746779"/>
+          </a:xfrm>
+        </p:grpSpPr>
+        <p:pic>
+          <p:nvPicPr>
+            <p:cNvPr id="14" name="Picture 8" descr="Symbole clé (icône png) rouge">
+              <a:extLst>
+                <a:ext uri="{FF2B5EF4-FFF2-40B4-BE49-F238E27FC236}">
+                  <a16:creationId xmlns:a16="http://schemas.microsoft.com/office/drawing/2014/main" id="{5C692C1D-D2B5-1A24-DB83-24420AAE78C3}"/>
+                </a:ext>
+              </a:extLst>
+            </p:cNvPr>
+            <p:cNvPicPr>
+              <a:picLocks noChangeAspect="1" noChangeArrowheads="1"/>
+            </p:cNvPicPr>
+            <p:nvPr/>
+          </p:nvPicPr>
+          <p:blipFill>
+            <a:blip r:embed="rId8">
+              <a:clrChange>
+                <a:clrFrom>
+                  <a:srgbClr val="FFFFFF"/>
+                </a:clrFrom>
+                <a:clrTo>
+                  <a:srgbClr val="FFFFFF">
+                    <a:alpha val="0"/>
+                  </a:srgbClr>
+                </a:clrTo>
+              </a:clrChange>
+              <a:extLst>
+                <a:ext uri="{28A0092B-C50C-407E-A947-70E740481C1C}">
+                  <a14:useLocalDpi xmlns:a14="http://schemas.microsoft.com/office/drawing/2010/main" val="0"/>
+                </a:ext>
+              </a:extLst>
+            </a:blip>
+            <a:srcRect/>
+            <a:stretch>
+              <a:fillRect/>
+            </a:stretch>
+          </p:blipFill>
+          <p:spPr bwMode="auto">
+            <a:xfrm>
+              <a:off x="1859433" y="2803427"/>
+              <a:ext cx="606978" cy="606978"/>
+            </a:xfrm>
+            <a:prstGeom prst="rect">
+              <a:avLst/>
+            </a:prstGeom>
+            <a:noFill/>
+            <a:extLst>
+              <a:ext uri="{909E8E84-426E-40DD-AFC4-6F175D3DCCD1}">
+                <a14:hiddenFill xmlns:a14="http://schemas.microsoft.com/office/drawing/2010/main">
+                  <a:solidFill>
+                    <a:srgbClr val="FFFFFF"/>
+                  </a:solidFill>
+                </a14:hiddenFill>
+              </a:ext>
+            </a:extLst>
+          </p:spPr>
+        </p:pic>
+        <p:sp>
+          <p:nvSpPr>
+            <p:cNvPr id="15" name="ZoneTexte 14">
+              <a:extLst>
+                <a:ext uri="{FF2B5EF4-FFF2-40B4-BE49-F238E27FC236}">
+                  <a16:creationId xmlns:a16="http://schemas.microsoft.com/office/drawing/2014/main" id="{61468286-3442-E439-F5F0-EEC448E35CD5}"/>
+                </a:ext>
+              </a:extLst>
+            </p:cNvPr>
+            <p:cNvSpPr txBox="1"/>
+            <p:nvPr/>
+          </p:nvSpPr>
+          <p:spPr>
+            <a:xfrm>
+              <a:off x="1637189" y="3211652"/>
+              <a:ext cx="1347806" cy="338554"/>
+            </a:xfrm>
+            <a:prstGeom prst="rect">
+              <a:avLst/>
+            </a:prstGeom>
+            <a:noFill/>
+          </p:spPr>
+          <p:txBody>
+            <a:bodyPr wrap="square" rtlCol="0">
+              <a:spAutoFit/>
+            </a:bodyPr>
+            <a:lstStyle/>
+            <a:p>
+              <a:r>
+                <a:rPr lang="fr-FR" sz="1600" dirty="0">
+                  <a:solidFill>
+                    <a:srgbClr val="FF0000"/>
+                  </a:solidFill>
+                </a:rPr>
+                <a:t>privé</a:t>
+              </a:r>
+            </a:p>
+          </p:txBody>
+        </p:sp>
+      </p:grpSp>
+      <p:grpSp>
+        <p:nvGrpSpPr>
+          <p:cNvPr id="17" name="Groupe 16">
+            <a:extLst>
+              <a:ext uri="{FF2B5EF4-FFF2-40B4-BE49-F238E27FC236}">
+                <a16:creationId xmlns:a16="http://schemas.microsoft.com/office/drawing/2014/main" id="{FA6EF8D3-A253-1EDB-3997-2E433ED94391}"/>
+              </a:ext>
+            </a:extLst>
+          </p:cNvPr>
+          <p:cNvGrpSpPr/>
+          <p:nvPr/>
+        </p:nvGrpSpPr>
+        <p:grpSpPr>
+          <a:xfrm>
+            <a:off x="2511126" y="4716583"/>
+            <a:ext cx="844959" cy="830341"/>
+            <a:chOff x="1637189" y="2803427"/>
+            <a:chExt cx="1347806" cy="1380346"/>
+          </a:xfrm>
+        </p:grpSpPr>
+        <p:pic>
+          <p:nvPicPr>
+            <p:cNvPr id="20" name="Picture 8" descr="Symbole clé (icône png) rouge">
+              <a:extLst>
+                <a:ext uri="{FF2B5EF4-FFF2-40B4-BE49-F238E27FC236}">
+                  <a16:creationId xmlns:a16="http://schemas.microsoft.com/office/drawing/2014/main" id="{3AAAC1A5-03CC-9D09-F60F-77BB55DD46FB}"/>
+                </a:ext>
+              </a:extLst>
+            </p:cNvPr>
+            <p:cNvPicPr>
+              <a:picLocks noChangeAspect="1" noChangeArrowheads="1"/>
+            </p:cNvPicPr>
+            <p:nvPr/>
+          </p:nvPicPr>
+          <p:blipFill>
+            <a:blip r:embed="rId8">
+              <a:clrChange>
+                <a:clrFrom>
+                  <a:srgbClr val="FFFFFF"/>
+                </a:clrFrom>
+                <a:clrTo>
+                  <a:srgbClr val="FFFFFF">
+                    <a:alpha val="0"/>
+                  </a:srgbClr>
+                </a:clrTo>
+              </a:clrChange>
+              <a:extLst>
+                <a:ext uri="{28A0092B-C50C-407E-A947-70E740481C1C}">
+                  <a14:useLocalDpi xmlns:a14="http://schemas.microsoft.com/office/drawing/2010/main" val="0"/>
+                </a:ext>
+              </a:extLst>
+            </a:blip>
+            <a:srcRect/>
+            <a:stretch>
+              <a:fillRect/>
+            </a:stretch>
+          </p:blipFill>
+          <p:spPr bwMode="auto">
+            <a:xfrm>
+              <a:off x="1859433" y="2803427"/>
+              <a:ext cx="606978" cy="606978"/>
+            </a:xfrm>
+            <a:prstGeom prst="rect">
+              <a:avLst/>
+            </a:prstGeom>
+            <a:noFill/>
+            <a:extLst>
+              <a:ext uri="{909E8E84-426E-40DD-AFC4-6F175D3DCCD1}">
+                <a14:hiddenFill xmlns:a14="http://schemas.microsoft.com/office/drawing/2010/main">
+                  <a:solidFill>
+                    <a:srgbClr val="FFFFFF"/>
+                  </a:solidFill>
+                </a14:hiddenFill>
+              </a:ext>
+            </a:extLst>
+          </p:spPr>
+        </p:pic>
+        <p:sp>
+          <p:nvSpPr>
+            <p:cNvPr id="22" name="ZoneTexte 21">
+              <a:extLst>
+                <a:ext uri="{FF2B5EF4-FFF2-40B4-BE49-F238E27FC236}">
+                  <a16:creationId xmlns:a16="http://schemas.microsoft.com/office/drawing/2014/main" id="{A96A3E3E-D39A-2E3D-AC5F-D22B7C8355D1}"/>
+                </a:ext>
+              </a:extLst>
+            </p:cNvPr>
+            <p:cNvSpPr txBox="1"/>
+            <p:nvPr/>
+          </p:nvSpPr>
+          <p:spPr>
+            <a:xfrm>
+              <a:off x="1637189" y="3211652"/>
+              <a:ext cx="1347806" cy="972121"/>
+            </a:xfrm>
+            <a:prstGeom prst="rect">
+              <a:avLst/>
+            </a:prstGeom>
+            <a:noFill/>
+          </p:spPr>
+          <p:txBody>
+            <a:bodyPr wrap="square" rtlCol="0">
+              <a:spAutoFit/>
+            </a:bodyPr>
+            <a:lstStyle/>
+            <a:p>
+              <a:r>
+                <a:rPr lang="fr-FR" sz="1600" dirty="0">
+                  <a:solidFill>
+                    <a:srgbClr val="FF0000"/>
+                  </a:solidFill>
+                </a:rPr>
+                <a:t>Privé</a:t>
+              </a:r>
+            </a:p>
+            <a:p>
+              <a:r>
+                <a:rPr lang="fr-FR" sz="1600" dirty="0">
+                  <a:solidFill>
+                    <a:srgbClr val="FF0000"/>
+                  </a:solidFill>
+                </a:rPr>
+                <a:t>ansible</a:t>
+              </a:r>
+            </a:p>
+          </p:txBody>
+        </p:sp>
+      </p:grpSp>
+      <p:grpSp>
+        <p:nvGrpSpPr>
+          <p:cNvPr id="24" name="Groupe 23">
+            <a:extLst>
+              <a:ext uri="{FF2B5EF4-FFF2-40B4-BE49-F238E27FC236}">
+                <a16:creationId xmlns:a16="http://schemas.microsoft.com/office/drawing/2014/main" id="{75DC7A4C-4E60-39EF-FC17-6A8046B9E9DD}"/>
+              </a:ext>
+            </a:extLst>
+          </p:cNvPr>
+          <p:cNvGrpSpPr/>
+          <p:nvPr/>
+        </p:nvGrpSpPr>
+        <p:grpSpPr>
+          <a:xfrm>
+            <a:off x="626216" y="4369342"/>
+            <a:ext cx="844959" cy="449222"/>
+            <a:chOff x="1637189" y="2803427"/>
+            <a:chExt cx="1347806" cy="746779"/>
+          </a:xfrm>
+        </p:grpSpPr>
+        <p:pic>
+          <p:nvPicPr>
+            <p:cNvPr id="29" name="Picture 8" descr="Symbole clé (icône png) rouge">
+              <a:extLst>
+                <a:ext uri="{FF2B5EF4-FFF2-40B4-BE49-F238E27FC236}">
+                  <a16:creationId xmlns:a16="http://schemas.microsoft.com/office/drawing/2014/main" id="{E6AC12F7-7D92-3D4C-33B1-CC71BD608F09}"/>
+                </a:ext>
+              </a:extLst>
+            </p:cNvPr>
+            <p:cNvPicPr>
+              <a:picLocks noChangeAspect="1" noChangeArrowheads="1"/>
+            </p:cNvPicPr>
+            <p:nvPr/>
+          </p:nvPicPr>
+          <p:blipFill>
+            <a:blip r:embed="rId8">
+              <a:clrChange>
+                <a:clrFrom>
+                  <a:srgbClr val="FFFFFF"/>
+                </a:clrFrom>
+                <a:clrTo>
+                  <a:srgbClr val="FFFFFF">
+                    <a:alpha val="0"/>
+                  </a:srgbClr>
+                </a:clrTo>
+              </a:clrChange>
+              <a:extLst>
+                <a:ext uri="{28A0092B-C50C-407E-A947-70E740481C1C}">
+                  <a14:useLocalDpi xmlns:a14="http://schemas.microsoft.com/office/drawing/2010/main" val="0"/>
+                </a:ext>
+              </a:extLst>
+            </a:blip>
+            <a:srcRect/>
+            <a:stretch>
+              <a:fillRect/>
+            </a:stretch>
+          </p:blipFill>
+          <p:spPr bwMode="auto">
+            <a:xfrm>
+              <a:off x="1859433" y="2803427"/>
+              <a:ext cx="606978" cy="606978"/>
+            </a:xfrm>
+            <a:prstGeom prst="rect">
+              <a:avLst/>
+            </a:prstGeom>
+            <a:noFill/>
+            <a:extLst>
+              <a:ext uri="{909E8E84-426E-40DD-AFC4-6F175D3DCCD1}">
+                <a14:hiddenFill xmlns:a14="http://schemas.microsoft.com/office/drawing/2010/main">
+                  <a:solidFill>
+                    <a:srgbClr val="FFFFFF"/>
+                  </a:solidFill>
+                </a14:hiddenFill>
+              </a:ext>
+            </a:extLst>
+          </p:spPr>
+        </p:pic>
+        <p:sp>
+          <p:nvSpPr>
+            <p:cNvPr id="33" name="ZoneTexte 32">
+              <a:extLst>
+                <a:ext uri="{FF2B5EF4-FFF2-40B4-BE49-F238E27FC236}">
+                  <a16:creationId xmlns:a16="http://schemas.microsoft.com/office/drawing/2014/main" id="{49CED367-C58A-591E-F439-4F00AF2899DA}"/>
+                </a:ext>
+              </a:extLst>
+            </p:cNvPr>
+            <p:cNvSpPr txBox="1"/>
+            <p:nvPr/>
+          </p:nvSpPr>
+          <p:spPr>
+            <a:xfrm>
+              <a:off x="1637189" y="3211652"/>
+              <a:ext cx="1347806" cy="338554"/>
+            </a:xfrm>
+            <a:prstGeom prst="rect">
+              <a:avLst/>
+            </a:prstGeom>
+            <a:noFill/>
+          </p:spPr>
+          <p:txBody>
+            <a:bodyPr wrap="square" rtlCol="0">
+              <a:spAutoFit/>
+            </a:bodyPr>
+            <a:lstStyle/>
+            <a:p>
+              <a:r>
+                <a:rPr lang="fr-FR" sz="1600" dirty="0">
+                  <a:solidFill>
+                    <a:srgbClr val="FF0000"/>
+                  </a:solidFill>
+                </a:rPr>
+                <a:t>privé</a:t>
+              </a:r>
+            </a:p>
+          </p:txBody>
+        </p:sp>
+      </p:grpSp>
+      <p:sp>
+        <p:nvSpPr>
+          <p:cNvPr id="35" name="Ellipse 34">
+            <a:extLst>
+              <a:ext uri="{FF2B5EF4-FFF2-40B4-BE49-F238E27FC236}">
+                <a16:creationId xmlns:a16="http://schemas.microsoft.com/office/drawing/2014/main" id="{01459EE3-ABE5-39B1-7A57-23CD9A2B5429}"/>
+              </a:ext>
+            </a:extLst>
+          </p:cNvPr>
+          <p:cNvSpPr/>
+          <p:nvPr/>
+        </p:nvSpPr>
+        <p:spPr>
+          <a:xfrm>
+            <a:off x="290643" y="3617873"/>
+            <a:ext cx="1979164" cy="1550068"/>
+          </a:xfrm>
+          <a:prstGeom prst="ellipse">
+            <a:avLst/>
+          </a:prstGeom>
+          <a:noFill/>
+          <a:ln>
+            <a:solidFill>
+              <a:srgbClr val="FF0000"/>
+            </a:solidFill>
+            <a:prstDash val="lgDash"/>
+          </a:ln>
+        </p:spPr>
+        <p:style>
+          <a:lnRef idx="2">
+            <a:schemeClr val="accent1">
+              <a:shade val="15000"/>
+            </a:schemeClr>
+          </a:lnRef>
+          <a:fillRef idx="1">
+            <a:schemeClr val="accent1"/>
+          </a:fillRef>
+          <a:effectRef idx="0">
+            <a:schemeClr val="accent1"/>
+          </a:effectRef>
+          <a:fontRef idx="minor">
+            <a:schemeClr val="lt1"/>
+          </a:fontRef>
+        </p:style>
+        <p:txBody>
+          <a:bodyPr rtlCol="0" anchor="ctr"/>
+          <a:lstStyle/>
+          <a:p>
+            <a:pPr algn="ctr"/>
+            <a:endParaRPr lang="fr-FR"/>
+          </a:p>
+        </p:txBody>
+      </p:sp>
+      <p:sp>
+        <p:nvSpPr>
+          <p:cNvPr id="39" name="ZoneTexte 38">
+            <a:extLst>
+              <a:ext uri="{FF2B5EF4-FFF2-40B4-BE49-F238E27FC236}">
+                <a16:creationId xmlns:a16="http://schemas.microsoft.com/office/drawing/2014/main" id="{C3747669-6C13-486E-3D8F-6453C1E06119}"/>
+              </a:ext>
+            </a:extLst>
+          </p:cNvPr>
+          <p:cNvSpPr txBox="1"/>
+          <p:nvPr/>
+        </p:nvSpPr>
+        <p:spPr>
+          <a:xfrm>
+            <a:off x="848626" y="5165807"/>
+            <a:ext cx="1081879" cy="338554"/>
+          </a:xfrm>
+          <a:prstGeom prst="rect">
+            <a:avLst/>
+          </a:prstGeom>
+          <a:noFill/>
+        </p:spPr>
+        <p:txBody>
+          <a:bodyPr wrap="square" rtlCol="0">
+            <a:spAutoFit/>
+          </a:bodyPr>
+          <a:lstStyle/>
+          <a:p>
+            <a:r>
+              <a:rPr lang="fr-FR" sz="1600">
+                <a:solidFill>
+                  <a:schemeClr val="accent1">
+                    <a:lumMod val="20000"/>
+                    <a:lumOff val="80000"/>
+                  </a:schemeClr>
+                </a:solidFill>
+              </a:rPr>
+              <a:t>~/.ssh  </a:t>
+            </a:r>
+            <a:endParaRPr lang="fr-FR" sz="1600" dirty="0">
+              <a:solidFill>
+                <a:schemeClr val="accent1">
+                  <a:lumMod val="20000"/>
+                  <a:lumOff val="80000"/>
+                </a:schemeClr>
+              </a:solidFill>
+            </a:endParaRPr>
+          </a:p>
+        </p:txBody>
+      </p:sp>
+      <p:sp>
+        <p:nvSpPr>
+          <p:cNvPr id="42" name="ZoneTexte 41">
+            <a:extLst>
+              <a:ext uri="{FF2B5EF4-FFF2-40B4-BE49-F238E27FC236}">
+                <a16:creationId xmlns:a16="http://schemas.microsoft.com/office/drawing/2014/main" id="{0F8026A5-6393-3B15-09A3-4FA36D7F4D74}"/>
+              </a:ext>
+            </a:extLst>
+          </p:cNvPr>
+          <p:cNvSpPr txBox="1"/>
+          <p:nvPr/>
+        </p:nvSpPr>
+        <p:spPr>
+          <a:xfrm>
+            <a:off x="728430" y="1554967"/>
+            <a:ext cx="2572725" cy="461665"/>
+          </a:xfrm>
+          <a:prstGeom prst="rect">
+            <a:avLst/>
+          </a:prstGeom>
+          <a:solidFill>
+            <a:schemeClr val="tx1">
+              <a:lumMod val="75000"/>
+              <a:lumOff val="25000"/>
+            </a:schemeClr>
+          </a:solidFill>
+        </p:spPr>
+        <p:txBody>
+          <a:bodyPr wrap="square">
+            <a:spAutoFit/>
+          </a:bodyPr>
+          <a:lstStyle/>
+          <a:p>
+            <a:pPr algn="just"/>
+            <a:r>
+              <a:rPr lang="fr-FR" sz="2400" dirty="0" err="1">
+                <a:solidFill>
+                  <a:srgbClr val="00B050"/>
+                </a:solidFill>
+                <a:latin typeface="Abadi Extra Light" panose="020B0204020104020204" pitchFamily="34" charset="0"/>
+              </a:rPr>
+              <a:t>xirtam@ubuntu</a:t>
+            </a:r>
+            <a:r>
+              <a:rPr lang="fr-FR" sz="2400" dirty="0">
+                <a:solidFill>
+                  <a:srgbClr val="00B050"/>
+                </a:solidFill>
+                <a:latin typeface="Abadi Extra Light" panose="020B0204020104020204" pitchFamily="34" charset="0"/>
+              </a:rPr>
+              <a:t>:~$</a:t>
+            </a:r>
+            <a:endParaRPr lang="fr-FR" sz="2400" dirty="0">
+              <a:solidFill>
+                <a:schemeClr val="bg1"/>
+              </a:solidFill>
+              <a:latin typeface="Abadi Extra Light" panose="020B0204020104020204" pitchFamily="34" charset="0"/>
+            </a:endParaRPr>
+          </a:p>
+        </p:txBody>
+      </p:sp>
+      <p:sp>
+        <p:nvSpPr>
+          <p:cNvPr id="44" name="ZoneTexte 43">
+            <a:extLst>
+              <a:ext uri="{FF2B5EF4-FFF2-40B4-BE49-F238E27FC236}">
+                <a16:creationId xmlns:a16="http://schemas.microsoft.com/office/drawing/2014/main" id="{AA1F8798-5F9E-8ECD-9F6A-BCC54196570C}"/>
+              </a:ext>
+            </a:extLst>
+          </p:cNvPr>
+          <p:cNvSpPr txBox="1"/>
+          <p:nvPr/>
+        </p:nvSpPr>
+        <p:spPr>
+          <a:xfrm>
+            <a:off x="2456262" y="1551814"/>
+            <a:ext cx="7421474" cy="461665"/>
+          </a:xfrm>
+          <a:prstGeom prst="rect">
+            <a:avLst/>
+          </a:prstGeom>
+          <a:solidFill>
+            <a:schemeClr val="bg2">
+              <a:lumMod val="25000"/>
+            </a:schemeClr>
+          </a:solidFill>
+        </p:spPr>
+        <p:txBody>
+          <a:bodyPr wrap="square">
+            <a:spAutoFit/>
+          </a:bodyPr>
+          <a:lstStyle/>
+          <a:p>
+            <a:r>
+              <a:rPr lang="fr-FR" sz="2400" dirty="0" err="1">
+                <a:solidFill>
+                  <a:schemeClr val="bg1"/>
+                </a:solidFill>
+              </a:rPr>
+              <a:t>ssh</a:t>
+            </a:r>
+            <a:r>
+              <a:rPr lang="fr-FR" sz="2400" dirty="0">
+                <a:solidFill>
+                  <a:schemeClr val="bg1"/>
+                </a:solidFill>
+              </a:rPr>
+              <a:t> –i  ~/.</a:t>
+            </a:r>
+            <a:r>
+              <a:rPr lang="fr-FR" sz="2400" dirty="0" err="1">
+                <a:solidFill>
+                  <a:schemeClr val="bg1"/>
+                </a:solidFill>
+              </a:rPr>
+              <a:t>ssh</a:t>
+            </a:r>
+            <a:r>
+              <a:rPr lang="fr-FR" sz="2400" dirty="0">
+                <a:solidFill>
+                  <a:schemeClr val="bg1"/>
+                </a:solidFill>
+              </a:rPr>
+              <a:t>/</a:t>
+            </a:r>
+            <a:r>
+              <a:rPr lang="fr-FR" sz="2400" dirty="0">
+                <a:solidFill>
+                  <a:srgbClr val="FF0000"/>
+                </a:solidFill>
+              </a:rPr>
+              <a:t>ansible </a:t>
+            </a:r>
+            <a:r>
+              <a:rPr lang="fr-FR" sz="2400" dirty="0">
+                <a:solidFill>
+                  <a:schemeClr val="accent1">
+                    <a:lumMod val="20000"/>
+                    <a:lumOff val="80000"/>
+                  </a:schemeClr>
+                </a:solidFill>
+              </a:rPr>
+              <a:t> </a:t>
+            </a:r>
+            <a:r>
+              <a:rPr lang="fr-FR" sz="2400" dirty="0">
+                <a:solidFill>
+                  <a:schemeClr val="bg1"/>
+                </a:solidFill>
+              </a:rPr>
+              <a:t>xyz@192.168.233.133</a:t>
+            </a:r>
+          </a:p>
+        </p:txBody>
+      </p:sp>
+      <p:pic>
+        <p:nvPicPr>
+          <p:cNvPr id="1026" name="Picture 2" descr="folder&quot; Icon - Download for free – Iconduck">
+            <a:extLst>
+              <a:ext uri="{FF2B5EF4-FFF2-40B4-BE49-F238E27FC236}">
+                <a16:creationId xmlns:a16="http://schemas.microsoft.com/office/drawing/2014/main" id="{94A7535A-D743-B1C5-5B96-58993857120F}"/>
+              </a:ext>
+            </a:extLst>
+          </p:cNvPr>
+          <p:cNvPicPr>
+            <a:picLocks noChangeAspect="1" noChangeArrowheads="1"/>
+          </p:cNvPicPr>
+          <p:nvPr/>
+        </p:nvPicPr>
+        <p:blipFill>
+          <a:blip r:embed="rId14">
+            <a:extLst>
+              <a:ext uri="{28A0092B-C50C-407E-A947-70E740481C1C}">
+                <a14:useLocalDpi xmlns:a14="http://schemas.microsoft.com/office/drawing/2010/main" val="0"/>
+              </a:ext>
+            </a:extLst>
+          </a:blip>
+          <a:srcRect/>
+          <a:stretch>
+            <a:fillRect/>
+          </a:stretch>
+        </p:blipFill>
+        <p:spPr bwMode="auto">
+          <a:xfrm>
+            <a:off x="491266" y="5191807"/>
+            <a:ext cx="354876" cy="283901"/>
+          </a:xfrm>
+          <a:prstGeom prst="rect">
+            <a:avLst/>
+          </a:prstGeom>
+          <a:noFill/>
+          <a:extLst>
+            <a:ext uri="{909E8E84-426E-40DD-AFC4-6F175D3DCCD1}">
+              <a14:hiddenFill xmlns:a14="http://schemas.microsoft.com/office/drawing/2010/main">
+                <a:solidFill>
+                  <a:srgbClr val="FFFFFF"/>
+                </a:solidFill>
+              </a14:hiddenFill>
+            </a:ext>
+          </a:extLst>
+        </p:spPr>
+      </p:pic>
+      <mc:AlternateContent xmlns:mc="http://schemas.openxmlformats.org/markup-compatibility/2006">
+        <mc:Choice xmlns:p14="http://schemas.microsoft.com/office/powerpoint/2010/main" Requires="p14">
+          <p:contentPart p14:bwMode="auto" r:id="rId15">
+            <p14:nvContentPartPr>
+              <p14:cNvPr id="50" name="Encre 49">
+                <a:extLst>
+                  <a:ext uri="{FF2B5EF4-FFF2-40B4-BE49-F238E27FC236}">
+                    <a16:creationId xmlns:a16="http://schemas.microsoft.com/office/drawing/2014/main" id="{C2F0518E-7E0F-2890-32F2-8A36171D6466}"/>
+                  </a:ext>
+                </a:extLst>
+              </p14:cNvPr>
+              <p14:cNvContentPartPr/>
+              <p14:nvPr/>
+            </p14:nvContentPartPr>
+            <p14:xfrm>
+              <a:off x="1341449" y="4440675"/>
+              <a:ext cx="711000" cy="24840"/>
+            </p14:xfrm>
+          </p:contentPart>
+        </mc:Choice>
+        <mc:Fallback>
+          <p:pic>
+            <p:nvPicPr>
+              <p:cNvPr id="50" name="Encre 49">
+                <a:extLst>
+                  <a:ext uri="{FF2B5EF4-FFF2-40B4-BE49-F238E27FC236}">
+                    <a16:creationId xmlns:a16="http://schemas.microsoft.com/office/drawing/2014/main" id="{C2F0518E-7E0F-2890-32F2-8A36171D6466}"/>
+                  </a:ext>
+                </a:extLst>
+              </p:cNvPr>
+              <p:cNvPicPr/>
+              <p:nvPr/>
+            </p:nvPicPr>
+            <p:blipFill>
+              <a:blip r:embed="rId16"/>
+              <a:stretch>
+                <a:fillRect/>
+              </a:stretch>
+            </p:blipFill>
+            <p:spPr>
+              <a:xfrm>
+                <a:off x="1332809" y="4431675"/>
+                <a:ext cx="728640" cy="42480"/>
+              </a:xfrm>
+              <a:prstGeom prst="rect">
+                <a:avLst/>
+              </a:prstGeom>
+            </p:spPr>
+          </p:pic>
+        </mc:Fallback>
+      </mc:AlternateContent>
     </p:spTree>
     <p:extLst>
       <p:ext uri="{BB962C8B-B14F-4D97-AF65-F5344CB8AC3E}">
         <p14:creationId xmlns:p14="http://schemas.microsoft.com/office/powerpoint/2010/main" val="3279860199"/>
+      </p:ext>
+    </p:extLst>
+  </p:cSld>
+  <p:clrMapOvr>
+    <a:masterClrMapping/>
+  </p:clrMapOvr>
+  <p:timing>
+    <p:tnLst>
+      <p:par>
+        <p:cTn id="1" dur="indefinite" restart="never" nodeType="tmRoot">
+          <p:childTnLst>
+            <p:seq concurrent="1" nextAc="seek">
+              <p:cTn id="2" dur="indefinite" nodeType="mainSeq">
+                <p:childTnLst>
+                  <p:par>
+                    <p:cTn id="3" fill="hold">
+                      <p:stCondLst>
+                        <p:cond delay="indefinite"/>
+                      </p:stCondLst>
+                      <p:childTnLst>
+                        <p:par>
+                          <p:cTn id="4" fill="hold">
+                            <p:stCondLst>
+                              <p:cond delay="0"/>
+                            </p:stCondLst>
+                            <p:childTnLst>
+                              <p:par>
+                                <p:cTn id="5" presetID="22" presetClass="entr" presetSubtype="8" fill="hold" grpId="0" nodeType="clickEffect">
+                                  <p:stCondLst>
+                                    <p:cond delay="0"/>
+                                  </p:stCondLst>
+                                  <p:childTnLst>
+                                    <p:set>
+                                      <p:cBhvr>
+                                        <p:cTn id="6" dur="1" fill="hold">
+                                          <p:stCondLst>
+                                            <p:cond delay="0"/>
+                                          </p:stCondLst>
+                                        </p:cTn>
+                                        <p:tgtEl>
+                                          <p:spTgt spid="44"/>
+                                        </p:tgtEl>
+                                        <p:attrNameLst>
+                                          <p:attrName>style.visibility</p:attrName>
+                                        </p:attrNameLst>
+                                      </p:cBhvr>
+                                      <p:to>
+                                        <p:strVal val="visible"/>
+                                      </p:to>
+                                    </p:set>
+                                    <p:animEffect transition="in" filter="wipe(left)">
+                                      <p:cBhvr>
+                                        <p:cTn id="7" dur="500"/>
+                                        <p:tgtEl>
+                                          <p:spTgt spid="44"/>
+                                        </p:tgtEl>
+                                      </p:cBhvr>
+                                    </p:animEffect>
+                                  </p:childTnLst>
+                                </p:cTn>
+                              </p:par>
+                            </p:childTnLst>
+                          </p:cTn>
+                        </p:par>
+                      </p:childTnLst>
+                    </p:cTn>
+                  </p:par>
+                  <p:par>
+                    <p:cTn id="8" fill="hold">
+                      <p:stCondLst>
+                        <p:cond delay="indefinite"/>
+                      </p:stCondLst>
+                      <p:childTnLst>
+                        <p:par>
+                          <p:cTn id="9" fill="hold">
+                            <p:stCondLst>
+                              <p:cond delay="0"/>
+                            </p:stCondLst>
+                            <p:childTnLst>
+                              <p:par>
+                                <p:cTn id="10" presetID="22" presetClass="entr" presetSubtype="8" fill="hold" nodeType="clickEffect">
+                                  <p:stCondLst>
+                                    <p:cond delay="0"/>
+                                  </p:stCondLst>
+                                  <p:childTnLst>
+                                    <p:set>
+                                      <p:cBhvr>
+                                        <p:cTn id="11" dur="1" fill="hold">
+                                          <p:stCondLst>
+                                            <p:cond delay="0"/>
+                                          </p:stCondLst>
+                                        </p:cTn>
+                                        <p:tgtEl>
+                                          <p:spTgt spid="50"/>
+                                        </p:tgtEl>
+                                        <p:attrNameLst>
+                                          <p:attrName>style.visibility</p:attrName>
+                                        </p:attrNameLst>
+                                      </p:cBhvr>
+                                      <p:to>
+                                        <p:strVal val="visible"/>
+                                      </p:to>
+                                    </p:set>
+                                    <p:animEffect transition="in" filter="wipe(left)">
+                                      <p:cBhvr>
+                                        <p:cTn id="12" dur="500"/>
+                                        <p:tgtEl>
+                                          <p:spTgt spid="50"/>
+                                        </p:tgtEl>
+                                      </p:cBhvr>
+                                    </p:animEffect>
+                                  </p:childTnLst>
+                                </p:cTn>
+                              </p:par>
+                            </p:childTnLst>
+                          </p:cTn>
+                        </p:par>
+                        <p:par>
+                          <p:cTn id="13" fill="hold">
+                            <p:stCondLst>
+                              <p:cond delay="500"/>
+                            </p:stCondLst>
+                            <p:childTnLst>
+                              <p:par>
+                                <p:cTn id="14" presetID="22" presetClass="entr" presetSubtype="8" fill="hold" nodeType="afterEffect">
+                                  <p:stCondLst>
+                                    <p:cond delay="0"/>
+                                  </p:stCondLst>
+                                  <p:childTnLst>
+                                    <p:set>
+                                      <p:cBhvr>
+                                        <p:cTn id="15" dur="1" fill="hold">
+                                          <p:stCondLst>
+                                            <p:cond delay="0"/>
+                                          </p:stCondLst>
+                                        </p:cTn>
+                                        <p:tgtEl>
+                                          <p:spTgt spid="17"/>
+                                        </p:tgtEl>
+                                        <p:attrNameLst>
+                                          <p:attrName>style.visibility</p:attrName>
+                                        </p:attrNameLst>
+                                      </p:cBhvr>
+                                      <p:to>
+                                        <p:strVal val="visible"/>
+                                      </p:to>
+                                    </p:set>
+                                    <p:animEffect transition="in" filter="wipe(left)">
+                                      <p:cBhvr>
+                                        <p:cTn id="16" dur="500"/>
+                                        <p:tgtEl>
+                                          <p:spTgt spid="17"/>
+                                        </p:tgtEl>
+                                      </p:cBhvr>
+                                    </p:animEffect>
+                                  </p:childTnLst>
+                                </p:cTn>
+                              </p:par>
+                            </p:childTnLst>
+                          </p:cTn>
+                        </p:par>
+                      </p:childTnLst>
+                    </p:cTn>
+                  </p:par>
+                  <p:par>
+                    <p:cTn id="17" fill="hold">
+                      <p:stCondLst>
+                        <p:cond delay="indefinite"/>
+                      </p:stCondLst>
+                      <p:childTnLst>
+                        <p:par>
+                          <p:cTn id="18" fill="hold">
+                            <p:stCondLst>
+                              <p:cond delay="0"/>
+                            </p:stCondLst>
+                            <p:childTnLst>
+                              <p:par>
+                                <p:cTn id="19" presetID="22" presetClass="entr" presetSubtype="8" fill="hold" nodeType="clickEffect">
+                                  <p:stCondLst>
+                                    <p:cond delay="0"/>
+                                  </p:stCondLst>
+                                  <p:childTnLst>
+                                    <p:set>
+                                      <p:cBhvr>
+                                        <p:cTn id="20" dur="1" fill="hold">
+                                          <p:stCondLst>
+                                            <p:cond delay="0"/>
+                                          </p:stCondLst>
+                                        </p:cTn>
+                                        <p:tgtEl>
+                                          <p:spTgt spid="52"/>
+                                        </p:tgtEl>
+                                        <p:attrNameLst>
+                                          <p:attrName>style.visibility</p:attrName>
+                                        </p:attrNameLst>
+                                      </p:cBhvr>
+                                      <p:to>
+                                        <p:strVal val="visible"/>
+                                      </p:to>
+                                    </p:set>
+                                    <p:animEffect transition="in" filter="wipe(left)">
+                                      <p:cBhvr>
+                                        <p:cTn id="21" dur="500"/>
+                                        <p:tgtEl>
+                                          <p:spTgt spid="52"/>
+                                        </p:tgtEl>
+                                      </p:cBhvr>
+                                    </p:animEffect>
+                                  </p:childTnLst>
+                                </p:cTn>
+                              </p:par>
+                            </p:childTnLst>
+                          </p:cTn>
+                        </p:par>
+                      </p:childTnLst>
+                    </p:cTn>
+                  </p:par>
+                  <p:par>
+                    <p:cTn id="22" fill="hold">
+                      <p:stCondLst>
+                        <p:cond delay="indefinite"/>
+                      </p:stCondLst>
+                      <p:childTnLst>
+                        <p:par>
+                          <p:cTn id="23" fill="hold">
+                            <p:stCondLst>
+                              <p:cond delay="0"/>
+                            </p:stCondLst>
+                            <p:childTnLst>
+                              <p:par>
+                                <p:cTn id="24" presetID="22" presetClass="entr" presetSubtype="8" fill="hold" nodeType="clickEffect">
+                                  <p:stCondLst>
+                                    <p:cond delay="0"/>
+                                  </p:stCondLst>
+                                  <p:childTnLst>
+                                    <p:set>
+                                      <p:cBhvr>
+                                        <p:cTn id="25" dur="1" fill="hold">
+                                          <p:stCondLst>
+                                            <p:cond delay="0"/>
+                                          </p:stCondLst>
+                                        </p:cTn>
+                                        <p:tgtEl>
+                                          <p:spTgt spid="53"/>
+                                        </p:tgtEl>
+                                        <p:attrNameLst>
+                                          <p:attrName>style.visibility</p:attrName>
+                                        </p:attrNameLst>
+                                      </p:cBhvr>
+                                      <p:to>
+                                        <p:strVal val="visible"/>
+                                      </p:to>
+                                    </p:set>
+                                    <p:animEffect transition="in" filter="wipe(left)">
+                                      <p:cBhvr>
+                                        <p:cTn id="26" dur="500"/>
+                                        <p:tgtEl>
+                                          <p:spTgt spid="53"/>
+                                        </p:tgtEl>
+                                      </p:cBhvr>
+                                    </p:animEffect>
+                                  </p:childTnLst>
+                                </p:cTn>
+                              </p:par>
+                            </p:childTnLst>
+                          </p:cTn>
+                        </p:par>
+                      </p:childTnLst>
+                    </p:cTn>
+                  </p:par>
+                  <p:par>
+                    <p:cTn id="27" fill="hold">
+                      <p:stCondLst>
+                        <p:cond delay="indefinite"/>
+                      </p:stCondLst>
+                      <p:childTnLst>
+                        <p:par>
+                          <p:cTn id="28" fill="hold">
+                            <p:stCondLst>
+                              <p:cond delay="0"/>
+                            </p:stCondLst>
+                            <p:childTnLst>
+                              <p:par>
+                                <p:cTn id="29" presetID="22" presetClass="entr" presetSubtype="2" fill="hold" nodeType="clickEffect">
+                                  <p:stCondLst>
+                                    <p:cond delay="0"/>
+                                  </p:stCondLst>
+                                  <p:childTnLst>
+                                    <p:set>
+                                      <p:cBhvr>
+                                        <p:cTn id="30" dur="1" fill="hold">
+                                          <p:stCondLst>
+                                            <p:cond delay="0"/>
+                                          </p:stCondLst>
+                                        </p:cTn>
+                                        <p:tgtEl>
+                                          <p:spTgt spid="54"/>
+                                        </p:tgtEl>
+                                        <p:attrNameLst>
+                                          <p:attrName>style.visibility</p:attrName>
+                                        </p:attrNameLst>
+                                      </p:cBhvr>
+                                      <p:to>
+                                        <p:strVal val="visible"/>
+                                      </p:to>
+                                    </p:set>
+                                    <p:animEffect transition="in" filter="wipe(right)">
+                                      <p:cBhvr>
+                                        <p:cTn id="31" dur="500"/>
+                                        <p:tgtEl>
+                                          <p:spTgt spid="54"/>
+                                        </p:tgtEl>
+                                      </p:cBhvr>
+                                    </p:animEffect>
+                                  </p:childTnLst>
+                                </p:cTn>
+                              </p:par>
+                            </p:childTnLst>
+                          </p:cTn>
+                        </p:par>
+                      </p:childTnLst>
+                    </p:cTn>
+                  </p:par>
+                  <p:par>
+                    <p:cTn id="32" fill="hold">
+                      <p:stCondLst>
+                        <p:cond delay="indefinite"/>
+                      </p:stCondLst>
+                      <p:childTnLst>
+                        <p:par>
+                          <p:cTn id="33" fill="hold">
+                            <p:stCondLst>
+                              <p:cond delay="0"/>
+                            </p:stCondLst>
+                            <p:childTnLst>
+                              <p:par>
+                                <p:cTn id="34" presetID="22" presetClass="entr" presetSubtype="8" fill="hold" nodeType="clickEffect">
+                                  <p:stCondLst>
+                                    <p:cond delay="0"/>
+                                  </p:stCondLst>
+                                  <p:childTnLst>
+                                    <p:set>
+                                      <p:cBhvr>
+                                        <p:cTn id="35" dur="1" fill="hold">
+                                          <p:stCondLst>
+                                            <p:cond delay="0"/>
+                                          </p:stCondLst>
+                                        </p:cTn>
+                                        <p:tgtEl>
+                                          <p:spTgt spid="4103"/>
+                                        </p:tgtEl>
+                                        <p:attrNameLst>
+                                          <p:attrName>style.visibility</p:attrName>
+                                        </p:attrNameLst>
+                                      </p:cBhvr>
+                                      <p:to>
+                                        <p:strVal val="visible"/>
+                                      </p:to>
+                                    </p:set>
+                                    <p:animEffect transition="in" filter="wipe(left)">
+                                      <p:cBhvr>
+                                        <p:cTn id="36" dur="500"/>
+                                        <p:tgtEl>
+                                          <p:spTgt spid="4103"/>
+                                        </p:tgtEl>
+                                      </p:cBhvr>
+                                    </p:animEffect>
+                                  </p:childTnLst>
+                                </p:cTn>
+                              </p:par>
+                            </p:childTnLst>
+                          </p:cTn>
+                        </p:par>
+                      </p:childTnLst>
+                    </p:cTn>
+                  </p:par>
+                </p:childTnLst>
+              </p:cTn>
+              <p:prevCondLst>
+                <p:cond evt="onPrev" delay="0">
+                  <p:tgtEl>
+                    <p:sldTgt/>
+                  </p:tgtEl>
+                </p:cond>
+              </p:prevCondLst>
+              <p:nextCondLst>
+                <p:cond evt="onNext" delay="0">
+                  <p:tgtEl>
+                    <p:sldTgt/>
+                  </p:tgtEl>
+                </p:cond>
+              </p:nextCondLst>
+            </p:seq>
+          </p:childTnLst>
+        </p:cTn>
+      </p:par>
+    </p:tnLst>
+    <p:bldLst>
+      <p:bldP spid="44" grpId="0" animBg="1"/>
+    </p:bldLst>
+  </p:timing>
+</p:sld>
+</file>
+
+<file path=ppt/slides/slide14.xml><?xml version="1.0" encoding="utf-8"?>
+<p:sld xmlns:a="http://schemas.openxmlformats.org/drawingml/2006/main" xmlns:r="http://schemas.openxmlformats.org/officeDocument/2006/relationships" xmlns:p="http://schemas.openxmlformats.org/presentationml/2006/main">
+  <p:cSld>
+    <p:bg>
+      <p:bgPr>
+        <a:solidFill>
+          <a:schemeClr val="tx1"/>
+        </a:solidFill>
+        <a:effectLst/>
+      </p:bgPr>
+    </p:bg>
+    <p:spTree>
+      <p:nvGrpSpPr>
+        <p:cNvPr id="1" name=""/>
+        <p:cNvGrpSpPr/>
+        <p:nvPr/>
+      </p:nvGrpSpPr>
+      <p:grpSpPr>
+        <a:xfrm>
+          <a:off x="0" y="0"/>
+          <a:ext cx="0" cy="0"/>
+          <a:chOff x="0" y="0"/>
+          <a:chExt cx="0" cy="0"/>
+        </a:xfrm>
+      </p:grpSpPr>
+      <p:sp>
+        <p:nvSpPr>
+          <p:cNvPr id="5" name="Rectangle 4">
+            <a:extLst>
+              <a:ext uri="{FF2B5EF4-FFF2-40B4-BE49-F238E27FC236}">
+                <a16:creationId xmlns:a16="http://schemas.microsoft.com/office/drawing/2014/main" id="{A3C93801-4E41-FAA0-D55A-0FDDE0FCB4F4}"/>
+              </a:ext>
+            </a:extLst>
+          </p:cNvPr>
+          <p:cNvSpPr/>
+          <p:nvPr/>
+        </p:nvSpPr>
+        <p:spPr>
+          <a:xfrm>
+            <a:off x="121920" y="158497"/>
+            <a:ext cx="11923776" cy="794004"/>
+          </a:xfrm>
+          <a:prstGeom prst="rect">
+            <a:avLst/>
+          </a:prstGeom>
+          <a:noFill/>
+          <a:ln>
+            <a:solidFill>
+              <a:schemeClr val="tx2">
+                <a:lumMod val="25000"/>
+                <a:lumOff val="75000"/>
+              </a:schemeClr>
+            </a:solidFill>
+          </a:ln>
+        </p:spPr>
+        <p:style>
+          <a:lnRef idx="2">
+            <a:schemeClr val="accent1">
+              <a:shade val="15000"/>
+            </a:schemeClr>
+          </a:lnRef>
+          <a:fillRef idx="1">
+            <a:schemeClr val="accent1"/>
+          </a:fillRef>
+          <a:effectRef idx="0">
+            <a:schemeClr val="accent1"/>
+          </a:effectRef>
+          <a:fontRef idx="minor">
+            <a:schemeClr val="lt1"/>
+          </a:fontRef>
+        </p:style>
+        <p:txBody>
+          <a:bodyPr rtlCol="0" anchor="ctr"/>
+          <a:lstStyle/>
+          <a:p>
+            <a:pPr algn="ctr"/>
+            <a:endParaRPr lang="fr-FR"/>
+          </a:p>
+        </p:txBody>
+      </p:sp>
+      <p:sp>
+        <p:nvSpPr>
+          <p:cNvPr id="6" name="Rectangle 5">
+            <a:extLst>
+              <a:ext uri="{FF2B5EF4-FFF2-40B4-BE49-F238E27FC236}">
+                <a16:creationId xmlns:a16="http://schemas.microsoft.com/office/drawing/2014/main" id="{F7F463C6-9F15-D3A0-27D6-89A3698B4C72}"/>
+              </a:ext>
+            </a:extLst>
+          </p:cNvPr>
+          <p:cNvSpPr/>
+          <p:nvPr/>
+        </p:nvSpPr>
+        <p:spPr>
+          <a:xfrm>
+            <a:off x="121920" y="1081230"/>
+            <a:ext cx="11923776" cy="5656373"/>
+          </a:xfrm>
+          <a:prstGeom prst="rect">
+            <a:avLst/>
+          </a:prstGeom>
+          <a:noFill/>
+          <a:ln>
+            <a:solidFill>
+              <a:schemeClr val="tx2">
+                <a:lumMod val="25000"/>
+                <a:lumOff val="75000"/>
+              </a:schemeClr>
+            </a:solidFill>
+          </a:ln>
+        </p:spPr>
+        <p:style>
+          <a:lnRef idx="2">
+            <a:schemeClr val="accent1">
+              <a:shade val="15000"/>
+            </a:schemeClr>
+          </a:lnRef>
+          <a:fillRef idx="1">
+            <a:schemeClr val="accent1"/>
+          </a:fillRef>
+          <a:effectRef idx="0">
+            <a:schemeClr val="accent1"/>
+          </a:effectRef>
+          <a:fontRef idx="minor">
+            <a:schemeClr val="lt1"/>
+          </a:fontRef>
+        </p:style>
+        <p:txBody>
+          <a:bodyPr rtlCol="0" anchor="ctr"/>
+          <a:lstStyle/>
+          <a:p>
+            <a:pPr algn="ctr"/>
+            <a:endParaRPr lang="fr-FR"/>
+          </a:p>
+        </p:txBody>
+      </p:sp>
+      <p:sp>
+        <p:nvSpPr>
+          <p:cNvPr id="9" name="ZoneTexte 8">
+            <a:extLst>
+              <a:ext uri="{FF2B5EF4-FFF2-40B4-BE49-F238E27FC236}">
+                <a16:creationId xmlns:a16="http://schemas.microsoft.com/office/drawing/2014/main" id="{08638F46-9CDF-0831-70AB-2C5D03CF520D}"/>
+              </a:ext>
+            </a:extLst>
+          </p:cNvPr>
+          <p:cNvSpPr txBox="1"/>
+          <p:nvPr/>
+        </p:nvSpPr>
+        <p:spPr>
+          <a:xfrm>
+            <a:off x="698500" y="386222"/>
+            <a:ext cx="6096000" cy="400110"/>
+          </a:xfrm>
+          <a:prstGeom prst="rect">
+            <a:avLst/>
+          </a:prstGeom>
+          <a:noFill/>
+        </p:spPr>
+        <p:txBody>
+          <a:bodyPr wrap="square">
+            <a:spAutoFit/>
+          </a:bodyPr>
+          <a:lstStyle/>
+          <a:p>
+            <a:pPr>
+              <a:buClr>
+                <a:srgbClr val="FF0000"/>
+              </a:buClr>
+            </a:pPr>
+            <a:r>
+              <a:rPr lang="fr-FR" sz="2000" dirty="0">
+                <a:solidFill>
+                  <a:schemeClr val="bg1"/>
+                </a:solidFill>
+                <a:effectLst/>
+                <a:latin typeface="Arial Black" panose="020B0A04020102020204" pitchFamily="34" charset="0"/>
+                <a:ea typeface="Calibri" panose="020F0502020204030204" pitchFamily="34" charset="0"/>
+                <a:cs typeface="Calibri" panose="020F0502020204030204" pitchFamily="34" charset="0"/>
+              </a:rPr>
+              <a:t>Infrastructures Ansible : </a:t>
+            </a:r>
+            <a:r>
+              <a:rPr lang="fr-FR" sz="2000" dirty="0">
+                <a:solidFill>
+                  <a:srgbClr val="FFFF00"/>
+                </a:solidFill>
+                <a:latin typeface="Arial Black" panose="020B0A04020102020204" pitchFamily="34" charset="0"/>
+                <a:ea typeface="Calibri" panose="020F0502020204030204" pitchFamily="34" charset="0"/>
+                <a:cs typeface="Calibri" panose="020F0502020204030204" pitchFamily="34" charset="0"/>
+              </a:rPr>
+              <a:t>Ansible concept</a:t>
+            </a:r>
+            <a:endParaRPr lang="fr-FR" sz="2000" dirty="0">
+              <a:solidFill>
+                <a:schemeClr val="bg1"/>
+              </a:solidFill>
+            </a:endParaRPr>
+          </a:p>
+        </p:txBody>
+      </p:sp>
+      <p:pic>
+        <p:nvPicPr>
+          <p:cNvPr id="2" name="Image 1">
+            <a:extLst>
+              <a:ext uri="{FF2B5EF4-FFF2-40B4-BE49-F238E27FC236}">
+                <a16:creationId xmlns:a16="http://schemas.microsoft.com/office/drawing/2014/main" id="{C6977999-3267-359F-AB30-3F1D0235AA44}"/>
+              </a:ext>
+            </a:extLst>
+          </p:cNvPr>
+          <p:cNvPicPr>
+            <a:picLocks noChangeAspect="1"/>
+          </p:cNvPicPr>
+          <p:nvPr/>
+        </p:nvPicPr>
+        <p:blipFill>
+          <a:blip r:embed="rId3">
+            <a:clrChange>
+              <a:clrFrom>
+                <a:srgbClr val="000000"/>
+              </a:clrFrom>
+              <a:clrTo>
+                <a:srgbClr val="000000">
+                  <a:alpha val="0"/>
+                </a:srgbClr>
+              </a:clrTo>
+            </a:clrChange>
+          </a:blip>
+          <a:stretch>
+            <a:fillRect/>
+          </a:stretch>
+        </p:blipFill>
+        <p:spPr>
+          <a:xfrm>
+            <a:off x="10382828" y="154462"/>
+            <a:ext cx="1414521" cy="792132"/>
+          </a:xfrm>
+          <a:prstGeom prst="rect">
+            <a:avLst/>
+          </a:prstGeom>
+        </p:spPr>
+      </p:pic>
+      <mc:AlternateContent xmlns:mc="http://schemas.openxmlformats.org/markup-compatibility/2006">
+        <mc:Choice xmlns:p14="http://schemas.microsoft.com/office/powerpoint/2010/main" Requires="p14">
+          <p:contentPart p14:bwMode="auto" r:id="rId4">
+            <p14:nvContentPartPr>
+              <p14:cNvPr id="21" name="Encre 20">
+                <a:extLst>
+                  <a:ext uri="{FF2B5EF4-FFF2-40B4-BE49-F238E27FC236}">
+                    <a16:creationId xmlns:a16="http://schemas.microsoft.com/office/drawing/2014/main" id="{0FE0BAE8-1A30-4F38-6546-D1BE99A6B8A0}"/>
+                  </a:ext>
+                </a:extLst>
+              </p14:cNvPr>
+              <p14:cNvContentPartPr/>
+              <p14:nvPr/>
+            </p14:nvContentPartPr>
+            <p14:xfrm>
+              <a:off x="-1906499" y="875414"/>
+              <a:ext cx="360" cy="360"/>
+            </p14:xfrm>
+          </p:contentPart>
+        </mc:Choice>
+        <mc:Fallback>
+          <p:pic>
+            <p:nvPicPr>
+              <p:cNvPr id="21" name="Encre 20">
+                <a:extLst>
+                  <a:ext uri="{FF2B5EF4-FFF2-40B4-BE49-F238E27FC236}">
+                    <a16:creationId xmlns:a16="http://schemas.microsoft.com/office/drawing/2014/main" id="{0FE0BAE8-1A30-4F38-6546-D1BE99A6B8A0}"/>
+                  </a:ext>
+                </a:extLst>
+              </p:cNvPr>
+              <p:cNvPicPr/>
+              <p:nvPr/>
+            </p:nvPicPr>
+            <p:blipFill>
+              <a:blip r:embed="rId5"/>
+              <a:stretch>
+                <a:fillRect/>
+              </a:stretch>
+            </p:blipFill>
+            <p:spPr>
+              <a:xfrm>
+                <a:off x="-1915499" y="866414"/>
+                <a:ext cx="18000" cy="18000"/>
+              </a:xfrm>
+              <a:prstGeom prst="rect">
+                <a:avLst/>
+              </a:prstGeom>
+            </p:spPr>
+          </p:pic>
+        </mc:Fallback>
+      </mc:AlternateContent>
+      <p:sp>
+        <p:nvSpPr>
+          <p:cNvPr id="26" name="Espace réservé de la date 1">
+            <a:extLst>
+              <a:ext uri="{FF2B5EF4-FFF2-40B4-BE49-F238E27FC236}">
+                <a16:creationId xmlns:a16="http://schemas.microsoft.com/office/drawing/2014/main" id="{C6669101-CB46-67AE-C88C-76663AB4E9A9}"/>
+              </a:ext>
+            </a:extLst>
+          </p:cNvPr>
+          <p:cNvSpPr>
+            <a:spLocks noGrp="1"/>
+          </p:cNvSpPr>
+          <p:nvPr>
+            <p:ph type="dt" sz="half" idx="10"/>
+          </p:nvPr>
+        </p:nvSpPr>
+        <p:spPr>
+          <a:xfrm>
+            <a:off x="146304" y="6387463"/>
+            <a:ext cx="2743200" cy="365125"/>
+          </a:xfrm>
+        </p:spPr>
+        <p:txBody>
+          <a:bodyPr/>
+          <a:lstStyle/>
+          <a:p>
+            <a:fld id="{5E865842-71E2-4BC3-BAAB-AD09CA53D33D}" type="datetime1">
+              <a:rPr lang="fr-FR" smtClean="0">
+                <a:solidFill>
+                  <a:schemeClr val="tx2">
+                    <a:lumMod val="10000"/>
+                    <a:lumOff val="90000"/>
+                  </a:schemeClr>
+                </a:solidFill>
+              </a:rPr>
+              <a:t>05/05/2024</a:t>
+            </a:fld>
+            <a:endParaRPr lang="fr-FR" dirty="0">
+              <a:solidFill>
+                <a:schemeClr val="tx2">
+                  <a:lumMod val="10000"/>
+                  <a:lumOff val="90000"/>
+                </a:schemeClr>
+              </a:solidFill>
+            </a:endParaRPr>
+          </a:p>
+        </p:txBody>
+      </p:sp>
+      <p:sp>
+        <p:nvSpPr>
+          <p:cNvPr id="27" name="Espace réservé du pied de page 2">
+            <a:extLst>
+              <a:ext uri="{FF2B5EF4-FFF2-40B4-BE49-F238E27FC236}">
+                <a16:creationId xmlns:a16="http://schemas.microsoft.com/office/drawing/2014/main" id="{72B1AC60-8463-DF7C-FDED-196A2941AC22}"/>
+              </a:ext>
+            </a:extLst>
+          </p:cNvPr>
+          <p:cNvSpPr>
+            <a:spLocks noGrp="1"/>
+          </p:cNvSpPr>
+          <p:nvPr>
+            <p:ph type="ftr" sz="quarter" idx="11"/>
+          </p:nvPr>
+        </p:nvSpPr>
+        <p:spPr>
+          <a:xfrm>
+            <a:off x="4038600" y="6356350"/>
+            <a:ext cx="4114800" cy="365125"/>
+          </a:xfrm>
+        </p:spPr>
+        <p:txBody>
+          <a:bodyPr/>
+          <a:lstStyle/>
+          <a:p>
+            <a:r>
+              <a:rPr lang="fr-FR" dirty="0">
+                <a:solidFill>
+                  <a:schemeClr val="tx2">
+                    <a:lumMod val="10000"/>
+                    <a:lumOff val="90000"/>
+                  </a:schemeClr>
+                </a:solidFill>
+              </a:rPr>
+              <a:t>Mohamed</a:t>
+            </a:r>
+            <a:r>
+              <a:rPr lang="fr-FR" dirty="0"/>
+              <a:t> </a:t>
+            </a:r>
+            <a:r>
+              <a:rPr lang="fr-FR" dirty="0">
+                <a:solidFill>
+                  <a:schemeClr val="tx2">
+                    <a:lumMod val="10000"/>
+                    <a:lumOff val="90000"/>
+                  </a:schemeClr>
+                </a:solidFill>
+              </a:rPr>
+              <a:t>Hammouda</a:t>
+            </a:r>
+          </a:p>
+        </p:txBody>
+      </p:sp>
+      <p:sp>
+        <p:nvSpPr>
+          <p:cNvPr id="28" name="Espace réservé du numéro de diapositive 3">
+            <a:extLst>
+              <a:ext uri="{FF2B5EF4-FFF2-40B4-BE49-F238E27FC236}">
+                <a16:creationId xmlns:a16="http://schemas.microsoft.com/office/drawing/2014/main" id="{FA3BD6CA-14D1-39A7-480C-A5CE17E5DC40}"/>
+              </a:ext>
+            </a:extLst>
+          </p:cNvPr>
+          <p:cNvSpPr>
+            <a:spLocks noGrp="1"/>
+          </p:cNvSpPr>
+          <p:nvPr>
+            <p:ph type="sldNum" sz="quarter" idx="12"/>
+          </p:nvPr>
+        </p:nvSpPr>
+        <p:spPr>
+          <a:xfrm>
+            <a:off x="9195816" y="6326504"/>
+            <a:ext cx="2743200" cy="365125"/>
+          </a:xfrm>
+        </p:spPr>
+        <p:txBody>
+          <a:bodyPr/>
+          <a:lstStyle/>
+          <a:p>
+            <a:fld id="{B880C63E-E5E0-484B-A84B-0348264AB81D}" type="slidenum">
+              <a:rPr lang="fr-FR" b="1" smtClean="0">
+                <a:solidFill>
+                  <a:schemeClr val="tx2">
+                    <a:lumMod val="10000"/>
+                    <a:lumOff val="90000"/>
+                  </a:schemeClr>
+                </a:solidFill>
+              </a:rPr>
+              <a:t>14</a:t>
+            </a:fld>
+            <a:endParaRPr lang="fr-FR" b="1" dirty="0">
+              <a:solidFill>
+                <a:schemeClr val="tx2">
+                  <a:lumMod val="10000"/>
+                  <a:lumOff val="90000"/>
+                </a:schemeClr>
+              </a:solidFill>
+            </a:endParaRPr>
+          </a:p>
+        </p:txBody>
+      </p:sp>
+      <mc:AlternateContent xmlns:mc="http://schemas.openxmlformats.org/markup-compatibility/2006">
+        <mc:Choice xmlns:p14="http://schemas.microsoft.com/office/powerpoint/2010/main" Requires="p14">
+          <p:contentPart p14:bwMode="auto" r:id="rId6">
+            <p14:nvContentPartPr>
+              <p14:cNvPr id="32" name="Encre 31">
+                <a:extLst>
+                  <a:ext uri="{FF2B5EF4-FFF2-40B4-BE49-F238E27FC236}">
+                    <a16:creationId xmlns:a16="http://schemas.microsoft.com/office/drawing/2014/main" id="{0B3FB5B7-CA5D-9E93-566B-B018FF5AC323}"/>
+                  </a:ext>
+                </a:extLst>
+              </p14:cNvPr>
+              <p14:cNvContentPartPr/>
+              <p14:nvPr/>
+            </p14:nvContentPartPr>
+            <p14:xfrm>
+              <a:off x="13393501" y="4249694"/>
+              <a:ext cx="360" cy="360"/>
+            </p14:xfrm>
+          </p:contentPart>
+        </mc:Choice>
+        <mc:Fallback>
+          <p:pic>
+            <p:nvPicPr>
+              <p:cNvPr id="32" name="Encre 31">
+                <a:extLst>
+                  <a:ext uri="{FF2B5EF4-FFF2-40B4-BE49-F238E27FC236}">
+                    <a16:creationId xmlns:a16="http://schemas.microsoft.com/office/drawing/2014/main" id="{0B3FB5B7-CA5D-9E93-566B-B018FF5AC323}"/>
+                  </a:ext>
+                </a:extLst>
+              </p:cNvPr>
+              <p:cNvPicPr/>
+              <p:nvPr/>
+            </p:nvPicPr>
+            <p:blipFill>
+              <a:blip r:embed="rId7"/>
+              <a:stretch>
+                <a:fillRect/>
+              </a:stretch>
+            </p:blipFill>
+            <p:spPr>
+              <a:xfrm>
+                <a:off x="13384501" y="4240694"/>
+                <a:ext cx="18000" cy="18000"/>
+              </a:xfrm>
+              <a:prstGeom prst="rect">
+                <a:avLst/>
+              </a:prstGeom>
+            </p:spPr>
+          </p:pic>
+        </mc:Fallback>
+      </mc:AlternateContent>
+    </p:spTree>
+    <p:extLst>
+      <p:ext uri="{BB962C8B-B14F-4D97-AF65-F5344CB8AC3E}">
+        <p14:creationId xmlns:p14="http://schemas.microsoft.com/office/powerpoint/2010/main" val="3951446037"/>
       </p:ext>
     </p:extLst>
   </p:cSld>
@@ -17115,7 +19110,7 @@
                   </a:schemeClr>
                 </a:solidFill>
               </a:rPr>
-              <a:t>02/05/2024</a:t>
+              <a:t>04/05/2024</a:t>
             </a:fld>
             <a:endParaRPr lang="fr-FR" dirty="0">
               <a:solidFill>
@@ -17838,7 +19833,7 @@
                   </a:schemeClr>
                 </a:solidFill>
               </a:rPr>
-              <a:t>02/05/2024</a:t>
+              <a:t>04/05/2024</a:t>
             </a:fld>
             <a:endParaRPr lang="fr-FR" dirty="0">
               <a:solidFill>
@@ -18501,7 +20496,7 @@
                   </a:schemeClr>
                 </a:solidFill>
               </a:rPr>
-              <a:t>02/05/2024</a:t>
+              <a:t>04/05/2024</a:t>
             </a:fld>
             <a:endParaRPr lang="fr-FR" dirty="0">
               <a:solidFill>
@@ -23219,7 +25214,7 @@
                   </a:schemeClr>
                 </a:solidFill>
               </a:rPr>
-              <a:t>02/05/2024</a:t>
+              <a:t>04/05/2024</a:t>
             </a:fld>
             <a:endParaRPr lang="fr-FR" dirty="0">
               <a:solidFill>
@@ -23733,7 +25728,7 @@
                   </a:schemeClr>
                 </a:solidFill>
               </a:rPr>
-              <a:t>02/05/2024</a:t>
+              <a:t>04/05/2024</a:t>
             </a:fld>
             <a:endParaRPr lang="fr-FR" dirty="0">
               <a:solidFill>
@@ -25725,7 +27720,7 @@
                   </a:schemeClr>
                 </a:solidFill>
               </a:rPr>
-              <a:t>02/05/2024</a:t>
+              <a:t>04/05/2024</a:t>
             </a:fld>
             <a:endParaRPr lang="fr-FR" dirty="0">
               <a:solidFill>
@@ -28511,7 +30506,7 @@
                   </a:schemeClr>
                 </a:solidFill>
               </a:rPr>
-              <a:t>02/05/2024</a:t>
+              <a:t>04/05/2024</a:t>
             </a:fld>
             <a:endParaRPr lang="fr-FR" dirty="0">
               <a:solidFill>
@@ -29366,8 +31361,8 @@
           </a:p>
         </p:txBody>
       </p:sp>
-      <mc:AlternateContent xmlns:mc="http://schemas.openxmlformats.org/markup-compatibility/2006">
-        <mc:Choice xmlns:p14="http://schemas.microsoft.com/office/powerpoint/2010/main" Requires="p14">
+      <mc:AlternateContent xmlns:mc="http://schemas.openxmlformats.org/markup-compatibility/2006" xmlns:p14="http://schemas.microsoft.com/office/powerpoint/2010/main">
+        <mc:Choice Requires="p14">
           <p:contentPart p14:bwMode="auto" r:id="rId6">
             <p14:nvContentPartPr>
               <p14:cNvPr id="20" name="Encre 19">
@@ -29386,7 +31381,7 @@
             </p14:xfrm>
           </p:contentPart>
         </mc:Choice>
-        <mc:Fallback>
+        <mc:Fallback xmlns="">
           <p:pic>
             <p:nvPicPr>
               <p:cNvPr id="20" name="Encre 19">
@@ -29417,8 +31412,8 @@
           </p:pic>
         </mc:Fallback>
       </mc:AlternateContent>
-      <mc:AlternateContent xmlns:mc="http://schemas.openxmlformats.org/markup-compatibility/2006">
-        <mc:Choice xmlns:p14="http://schemas.microsoft.com/office/powerpoint/2010/main" Requires="p14">
+      <mc:AlternateContent xmlns:mc="http://schemas.openxmlformats.org/markup-compatibility/2006" xmlns:p14="http://schemas.microsoft.com/office/powerpoint/2010/main">
+        <mc:Choice Requires="p14">
           <p:contentPart p14:bwMode="auto" r:id="rId8">
             <p14:nvContentPartPr>
               <p14:cNvPr id="21" name="Encre 20">
@@ -29437,7 +31432,7 @@
             </p14:xfrm>
           </p:contentPart>
         </mc:Choice>
-        <mc:Fallback>
+        <mc:Fallback xmlns="">
           <p:pic>
             <p:nvPicPr>
               <p:cNvPr id="21" name="Encre 20">
@@ -29564,7 +31559,7 @@
                   </a:schemeClr>
                 </a:solidFill>
               </a:rPr>
-              <a:t>02/05/2024</a:t>
+              <a:t>04/05/2024</a:t>
             </a:fld>
             <a:endParaRPr lang="fr-FR" dirty="0">
               <a:solidFill>
@@ -29680,8 +31675,8 @@
           </a:p>
         </p:txBody>
       </p:sp>
-      <mc:AlternateContent xmlns:mc="http://schemas.openxmlformats.org/markup-compatibility/2006">
-        <mc:Choice xmlns:p14="http://schemas.microsoft.com/office/powerpoint/2010/main" Requires="p14">
+      <mc:AlternateContent xmlns:mc="http://schemas.openxmlformats.org/markup-compatibility/2006" xmlns:p14="http://schemas.microsoft.com/office/powerpoint/2010/main">
+        <mc:Choice Requires="p14">
           <p:contentPart p14:bwMode="auto" r:id="rId10">
             <p14:nvContentPartPr>
               <p14:cNvPr id="32" name="Encre 31">
@@ -29700,7 +31695,7 @@
             </p14:xfrm>
           </p:contentPart>
         </mc:Choice>
-        <mc:Fallback>
+        <mc:Fallback xmlns="">
           <p:pic>
             <p:nvPicPr>
               <p:cNvPr id="32" name="Encre 31">

--- a/formationAnsibleetJenkins.pptx
+++ b/formationAnsibleetJenkins.pptx
@@ -5,7 +5,7 @@
     <p:sldMasterId id="2147483648" r:id="rId1"/>
   </p:sldMasterIdLst>
   <p:notesMasterIdLst>
-    <p:notesMasterId r:id="rId16"/>
+    <p:notesMasterId r:id="rId18"/>
   </p:notesMasterIdLst>
   <p:sldIdLst>
     <p:sldId id="256" r:id="rId2"/>
@@ -22,6 +22,8 @@
     <p:sldId id="270" r:id="rId13"/>
     <p:sldId id="269" r:id="rId14"/>
     <p:sldId id="271" r:id="rId15"/>
+    <p:sldId id="272" r:id="rId16"/>
+    <p:sldId id="273" r:id="rId17"/>
   </p:sldIdLst>
   <p:sldSz cx="12192000" cy="6858000"/>
   <p:notesSz cx="6858000" cy="9144000"/>
@@ -2704,6 +2706,118 @@
 </inkml:ink>
 </file>
 
+<file path=ppt/ink/ink93.xml><?xml version="1.0" encoding="utf-8"?>
+<inkml:ink xmlns:inkml="http://www.w3.org/2003/InkML">
+  <inkml:definitions>
+    <inkml:context xml:id="ctx0">
+      <inkml:inkSource xml:id="inkSrc0">
+        <inkml:traceFormat>
+          <inkml:channel name="X" type="integer" min="-2.14748E9" max="2.14748E9" units="cm"/>
+          <inkml:channel name="Y" type="integer" min="-2.14748E9" max="2.14748E9" units="cm"/>
+          <inkml:channel name="F" type="integer" max="32767" units="dev"/>
+        </inkml:traceFormat>
+        <inkml:channelProperties>
+          <inkml:channelProperty channel="X" name="resolution" value="1000" units="1/cm"/>
+          <inkml:channelProperty channel="Y" name="resolution" value="1000" units="1/cm"/>
+          <inkml:channelProperty channel="F" name="resolution" value="0" units="1/dev"/>
+        </inkml:channelProperties>
+      </inkml:inkSource>
+      <inkml:timestamp xml:id="ts0" timeString="2024-05-02T20:36:45.741"/>
+    </inkml:context>
+    <inkml:brush xml:id="br0">
+      <inkml:brushProperty name="width" value="0.05" units="cm"/>
+      <inkml:brushProperty name="height" value="0.05" units="cm"/>
+      <inkml:brushProperty name="color" value="#FFFFFF"/>
+    </inkml:brush>
+  </inkml:definitions>
+  <inkml:trace contextRef="#ctx0" brushRef="#br0">1 1 24575,'0'0'-8191</inkml:trace>
+</inkml:ink>
+</file>
+
+<file path=ppt/ink/ink94.xml><?xml version="1.0" encoding="utf-8"?>
+<inkml:ink xmlns:inkml="http://www.w3.org/2003/InkML">
+  <inkml:definitions>
+    <inkml:context xml:id="ctx0">
+      <inkml:inkSource xml:id="inkSrc0">
+        <inkml:traceFormat>
+          <inkml:channel name="X" type="integer" min="-2.14748E9" max="2.14748E9" units="cm"/>
+          <inkml:channel name="Y" type="integer" min="-2.14748E9" max="2.14748E9" units="cm"/>
+          <inkml:channel name="F" type="integer" max="32767" units="dev"/>
+        </inkml:traceFormat>
+        <inkml:channelProperties>
+          <inkml:channelProperty channel="X" name="resolution" value="1000" units="1/cm"/>
+          <inkml:channelProperty channel="Y" name="resolution" value="1000" units="1/cm"/>
+          <inkml:channelProperty channel="F" name="resolution" value="0" units="1/dev"/>
+        </inkml:channelProperties>
+      </inkml:inkSource>
+      <inkml:timestamp xml:id="ts0" timeString="2024-05-02T21:01:42.381"/>
+    </inkml:context>
+    <inkml:brush xml:id="br0">
+      <inkml:brushProperty name="width" value="0.05" units="cm"/>
+      <inkml:brushProperty name="height" value="0.05" units="cm"/>
+      <inkml:brushProperty name="color" value="#E71224"/>
+    </inkml:brush>
+  </inkml:definitions>
+  <inkml:trace contextRef="#ctx0" brushRef="#br0">1 1 24575,'0'0'-8191</inkml:trace>
+</inkml:ink>
+</file>
+
+<file path=ppt/ink/ink95.xml><?xml version="1.0" encoding="utf-8"?>
+<inkml:ink xmlns:inkml="http://www.w3.org/2003/InkML">
+  <inkml:definitions>
+    <inkml:context xml:id="ctx0">
+      <inkml:inkSource xml:id="inkSrc0">
+        <inkml:traceFormat>
+          <inkml:channel name="X" type="integer" min="-2.14748E9" max="2.14748E9" units="cm"/>
+          <inkml:channel name="Y" type="integer" min="-2.14748E9" max="2.14748E9" units="cm"/>
+          <inkml:channel name="F" type="integer" max="32767" units="dev"/>
+        </inkml:traceFormat>
+        <inkml:channelProperties>
+          <inkml:channelProperty channel="X" name="resolution" value="1000" units="1/cm"/>
+          <inkml:channelProperty channel="Y" name="resolution" value="1000" units="1/cm"/>
+          <inkml:channelProperty channel="F" name="resolution" value="0" units="1/dev"/>
+        </inkml:channelProperties>
+      </inkml:inkSource>
+      <inkml:timestamp xml:id="ts0" timeString="2024-05-02T20:36:45.741"/>
+    </inkml:context>
+    <inkml:brush xml:id="br0">
+      <inkml:brushProperty name="width" value="0.05" units="cm"/>
+      <inkml:brushProperty name="height" value="0.05" units="cm"/>
+      <inkml:brushProperty name="color" value="#FFFFFF"/>
+    </inkml:brush>
+  </inkml:definitions>
+  <inkml:trace contextRef="#ctx0" brushRef="#br0">1 1 24575,'0'0'-8191</inkml:trace>
+</inkml:ink>
+</file>
+
+<file path=ppt/ink/ink96.xml><?xml version="1.0" encoding="utf-8"?>
+<inkml:ink xmlns:inkml="http://www.w3.org/2003/InkML">
+  <inkml:definitions>
+    <inkml:context xml:id="ctx0">
+      <inkml:inkSource xml:id="inkSrc0">
+        <inkml:traceFormat>
+          <inkml:channel name="X" type="integer" min="-2.14748E9" max="2.14748E9" units="cm"/>
+          <inkml:channel name="Y" type="integer" min="-2.14748E9" max="2.14748E9" units="cm"/>
+          <inkml:channel name="F" type="integer" max="32767" units="dev"/>
+        </inkml:traceFormat>
+        <inkml:channelProperties>
+          <inkml:channelProperty channel="X" name="resolution" value="1000" units="1/cm"/>
+          <inkml:channelProperty channel="Y" name="resolution" value="1000" units="1/cm"/>
+          <inkml:channelProperty channel="F" name="resolution" value="0" units="1/dev"/>
+        </inkml:channelProperties>
+      </inkml:inkSource>
+      <inkml:timestamp xml:id="ts0" timeString="2024-05-02T21:01:42.381"/>
+    </inkml:context>
+    <inkml:brush xml:id="br0">
+      <inkml:brushProperty name="width" value="0.05" units="cm"/>
+      <inkml:brushProperty name="height" value="0.05" units="cm"/>
+      <inkml:brushProperty name="color" value="#E71224"/>
+    </inkml:brush>
+  </inkml:definitions>
+  <inkml:trace contextRef="#ctx0" brushRef="#br0">1 1 24575,'0'0'-8191</inkml:trace>
+</inkml:ink>
+</file>
+
 <file path=ppt/notesMasters/notesMaster1.xml><?xml version="1.0" encoding="utf-8"?>
 <p:notesMaster xmlns:a="http://schemas.openxmlformats.org/drawingml/2006/main" xmlns:r="http://schemas.openxmlformats.org/officeDocument/2006/relationships" xmlns:p="http://schemas.openxmlformats.org/presentationml/2006/main">
   <p:cSld>
@@ -2786,7 +2900,7 @@
           <a:p>
             <a:fld id="{B465EC35-40D6-4C85-8FC9-F5FA24701962}" type="datetimeFigureOut">
               <a:rPr lang="fr-FR" smtClean="0"/>
-              <a:t>04/05/2024</a:t>
+              <a:t>05/05/2024</a:t>
             </a:fld>
             <a:endParaRPr lang="fr-FR"/>
           </a:p>
@@ -3556,6 +3670,7 @@
           <a:bodyPr/>
           <a:lstStyle/>
           <a:p>
+            <a:pPr algn="l"/>
             <a:r>
               <a:rPr lang="fr-FR" b="0" i="0" dirty="0">
                 <a:solidFill>
@@ -3567,12 +3682,10 @@
                 </a:highlight>
                 <a:latin typeface="Söhne"/>
               </a:rPr>
-              <a:t>SSH signifie Secure Shell. C'est un protocole réseau cryptographique qui permet la communication sécurisée entre deux ordinateurs via un réseau non sécurisé. SSH est couramment utilisé pour la connexion distante à des serveurs et d'autres systèmes sur un réseau, permettant aux utilisateurs d'accéder et de gérer des ressources de manière sécurisée. Il fournit des mécanismes de cryptage et d'authentification robustes, ce qui en fait un choix populaire pour l'administration distante sécurisée et le transfert de fichiers.</a:t>
-            </a:r>
-          </a:p>
-          <a:p>
-            <a:r>
-              <a:rPr lang="fr-FR" b="0" i="0" dirty="0">
+              <a:t>Ansible est un outil d'automatisation qui permet de décrire l'état désiré d'un système dans des </a:t>
+            </a:r>
+            <a:r>
+              <a:rPr lang="fr-FR" b="0" i="0" dirty="0" err="1">
                 <a:solidFill>
                   <a:srgbClr val="0D0D0D"/>
                 </a:solidFill>
@@ -3582,8 +3695,351 @@
                 </a:highlight>
                 <a:latin typeface="Söhne"/>
               </a:rPr>
-              <a:t>Ansible recourt à SSH pour réaliser une provision sécurisée de serveurs distants.</a:t>
-            </a:r>
+              <a:t>playbooks</a:t>
+            </a:r>
+            <a:r>
+              <a:rPr lang="fr-FR" b="0" i="0" dirty="0">
+                <a:solidFill>
+                  <a:srgbClr val="0D0D0D"/>
+                </a:solidFill>
+                <a:effectLst/>
+                <a:highlight>
+                  <a:srgbClr val="FFFFFF"/>
+                </a:highlight>
+                <a:latin typeface="Söhne"/>
+              </a:rPr>
+              <a:t> YAML, et de le mettre en œuvre de manière cohérente et reproductible sur un ensemble d'hôtes distants via des connexions SSH sécurisées.</a:t>
+            </a:r>
+          </a:p>
+          <a:p>
+            <a:pPr algn="l"/>
+            <a:r>
+              <a:rPr lang="fr-FR" b="0" i="0" dirty="0">
+                <a:solidFill>
+                  <a:srgbClr val="0D0D0D"/>
+                </a:solidFill>
+                <a:effectLst/>
+                <a:highlight>
+                  <a:srgbClr val="FFFFFF"/>
+                </a:highlight>
+                <a:latin typeface="Söhne"/>
+              </a:rPr>
+              <a:t>L'architecture d'Ansible est principalement basée sur un modèle </a:t>
+            </a:r>
+            <a:r>
+              <a:rPr lang="fr-FR" b="0" i="0" dirty="0" err="1">
+                <a:solidFill>
+                  <a:srgbClr val="0D0D0D"/>
+                </a:solidFill>
+                <a:effectLst/>
+                <a:highlight>
+                  <a:srgbClr val="FFFFFF"/>
+                </a:highlight>
+                <a:latin typeface="Söhne"/>
+              </a:rPr>
+              <a:t>agentless</a:t>
+            </a:r>
+            <a:r>
+              <a:rPr lang="fr-FR" b="0" i="0" dirty="0">
+                <a:solidFill>
+                  <a:srgbClr val="0D0D0D"/>
+                </a:solidFill>
+                <a:effectLst/>
+                <a:highlight>
+                  <a:srgbClr val="FFFFFF"/>
+                </a:highlight>
+                <a:latin typeface="Söhne"/>
+              </a:rPr>
+              <a:t> (sans agent), ce qui signifie qu'Ansible n'a pas besoin d'installer un agent sur les machines cibles pour les gérer. Voici les composants clés de l'architecture d'Ansible :</a:t>
+            </a:r>
+          </a:p>
+          <a:p>
+            <a:pPr algn="l">
+              <a:buFont typeface="+mj-lt"/>
+              <a:buAutoNum type="arabicPeriod"/>
+            </a:pPr>
+            <a:r>
+              <a:rPr lang="fr-FR" b="1" i="0" dirty="0">
+                <a:solidFill>
+                  <a:srgbClr val="0D0D0D"/>
+                </a:solidFill>
+                <a:effectLst/>
+                <a:highlight>
+                  <a:srgbClr val="FFFFFF"/>
+                </a:highlight>
+                <a:latin typeface="Söhne"/>
+              </a:rPr>
+              <a:t>Serveur Ansible</a:t>
+            </a:r>
+            <a:r>
+              <a:rPr lang="fr-FR" b="0" i="0" dirty="0">
+                <a:solidFill>
+                  <a:srgbClr val="0D0D0D"/>
+                </a:solidFill>
+                <a:effectLst/>
+                <a:highlight>
+                  <a:srgbClr val="FFFFFF"/>
+                </a:highlight>
+                <a:latin typeface="Söhne"/>
+              </a:rPr>
+              <a:t> : C'est la machine à partir de laquelle vous exécutez les commandes Ansible. Le serveur Ansible est généralement utilisé pour écrire et exécuter des </a:t>
+            </a:r>
+            <a:r>
+              <a:rPr lang="fr-FR" b="0" i="0" dirty="0" err="1">
+                <a:solidFill>
+                  <a:srgbClr val="0D0D0D"/>
+                </a:solidFill>
+                <a:effectLst/>
+                <a:highlight>
+                  <a:srgbClr val="FFFFFF"/>
+                </a:highlight>
+                <a:latin typeface="Söhne"/>
+              </a:rPr>
+              <a:t>playbooks</a:t>
+            </a:r>
+            <a:r>
+              <a:rPr lang="fr-FR" b="0" i="0" dirty="0">
+                <a:solidFill>
+                  <a:srgbClr val="0D0D0D"/>
+                </a:solidFill>
+                <a:effectLst/>
+                <a:highlight>
+                  <a:srgbClr val="FFFFFF"/>
+                </a:highlight>
+                <a:latin typeface="Söhne"/>
+              </a:rPr>
+              <a:t>, gérer les configurations, et contrôler les ressources sur les machines distantes.</a:t>
+            </a:r>
+          </a:p>
+          <a:p>
+            <a:pPr algn="l">
+              <a:buFont typeface="+mj-lt"/>
+              <a:buAutoNum type="arabicPeriod"/>
+            </a:pPr>
+            <a:r>
+              <a:rPr lang="fr-FR" b="1" i="0" dirty="0" err="1">
+                <a:solidFill>
+                  <a:srgbClr val="0D0D0D"/>
+                </a:solidFill>
+                <a:effectLst/>
+                <a:highlight>
+                  <a:srgbClr val="FFFFFF"/>
+                </a:highlight>
+                <a:latin typeface="Söhne"/>
+              </a:rPr>
+              <a:t>Playbooks</a:t>
+            </a:r>
+            <a:r>
+              <a:rPr lang="fr-FR" b="0" i="0" dirty="0">
+                <a:solidFill>
+                  <a:srgbClr val="0D0D0D"/>
+                </a:solidFill>
+                <a:effectLst/>
+                <a:highlight>
+                  <a:srgbClr val="FFFFFF"/>
+                </a:highlight>
+                <a:latin typeface="Söhne"/>
+              </a:rPr>
+              <a:t> : Les </a:t>
+            </a:r>
+            <a:r>
+              <a:rPr lang="fr-FR" b="0" i="0" dirty="0" err="1">
+                <a:solidFill>
+                  <a:srgbClr val="0D0D0D"/>
+                </a:solidFill>
+                <a:effectLst/>
+                <a:highlight>
+                  <a:srgbClr val="FFFFFF"/>
+                </a:highlight>
+                <a:latin typeface="Söhne"/>
+              </a:rPr>
+              <a:t>playbooks</a:t>
+            </a:r>
+            <a:r>
+              <a:rPr lang="fr-FR" b="0" i="0" dirty="0">
+                <a:solidFill>
+                  <a:srgbClr val="0D0D0D"/>
+                </a:solidFill>
+                <a:effectLst/>
+                <a:highlight>
+                  <a:srgbClr val="FFFFFF"/>
+                </a:highlight>
+                <a:latin typeface="Söhne"/>
+              </a:rPr>
+              <a:t> sont des fichiers YAML qui décrivent les tâches que Ansible doit exécuter sur les machines distantes. Ils contiennent des listes de tâches, de rôles et d'autres directives pour automatiser les déploiements, les configurations et la gestion des infrastructures.</a:t>
+            </a:r>
+          </a:p>
+          <a:p>
+            <a:pPr algn="l">
+              <a:buFont typeface="+mj-lt"/>
+              <a:buAutoNum type="arabicPeriod"/>
+            </a:pPr>
+            <a:r>
+              <a:rPr lang="fr-FR" b="1" i="0" dirty="0">
+                <a:solidFill>
+                  <a:srgbClr val="0D0D0D"/>
+                </a:solidFill>
+                <a:effectLst/>
+                <a:highlight>
+                  <a:srgbClr val="FFFFFF"/>
+                </a:highlight>
+                <a:latin typeface="Söhne"/>
+              </a:rPr>
+              <a:t>Inventaire</a:t>
+            </a:r>
+            <a:r>
+              <a:rPr lang="fr-FR" b="0" i="0" dirty="0">
+                <a:solidFill>
+                  <a:srgbClr val="0D0D0D"/>
+                </a:solidFill>
+                <a:effectLst/>
+                <a:highlight>
+                  <a:srgbClr val="FFFFFF"/>
+                </a:highlight>
+                <a:latin typeface="Söhne"/>
+              </a:rPr>
+              <a:t> : L'inventaire est un fichier ou une configuration qui répertorie les hôtes sur lesquels Ansible peut agir. Il peut s'agir de noms d'hôtes ou d'adresses IP et peut être organisé en groupes pour une gestion plus efficace des hôtes.</a:t>
+            </a:r>
+          </a:p>
+          <a:p>
+            <a:pPr algn="l">
+              <a:buFont typeface="+mj-lt"/>
+              <a:buAutoNum type="arabicPeriod"/>
+            </a:pPr>
+            <a:r>
+              <a:rPr lang="fr-FR" b="1" i="0" dirty="0">
+                <a:solidFill>
+                  <a:srgbClr val="0D0D0D"/>
+                </a:solidFill>
+                <a:effectLst/>
+                <a:highlight>
+                  <a:srgbClr val="FFFFFF"/>
+                </a:highlight>
+                <a:latin typeface="Söhne"/>
+              </a:rPr>
+              <a:t>Modules Ansible</a:t>
+            </a:r>
+            <a:r>
+              <a:rPr lang="fr-FR" b="0" i="0" dirty="0">
+                <a:solidFill>
+                  <a:srgbClr val="0D0D0D"/>
+                </a:solidFill>
+                <a:effectLst/>
+                <a:highlight>
+                  <a:srgbClr val="FFFFFF"/>
+                </a:highlight>
+                <a:latin typeface="Söhne"/>
+              </a:rPr>
+              <a:t> : Les modules Ansible sont des programmes écrits en Python qui effectuent des tâches spécifiques sur les machines distantes. Ils sont exécutés à distance et fournissent une interface simple et cohérente pour la gestion des ressources système, des configurations et des applications.</a:t>
+            </a:r>
+          </a:p>
+          <a:p>
+            <a:pPr algn="l">
+              <a:buFont typeface="+mj-lt"/>
+              <a:buAutoNum type="arabicPeriod"/>
+            </a:pPr>
+            <a:r>
+              <a:rPr lang="fr-FR" b="1" i="0" dirty="0">
+                <a:solidFill>
+                  <a:srgbClr val="0D0D0D"/>
+                </a:solidFill>
+                <a:effectLst/>
+                <a:highlight>
+                  <a:srgbClr val="FFFFFF"/>
+                </a:highlight>
+                <a:latin typeface="Söhne"/>
+              </a:rPr>
+              <a:t>Connexion SSH</a:t>
+            </a:r>
+            <a:r>
+              <a:rPr lang="fr-FR" b="0" i="0" dirty="0">
+                <a:solidFill>
+                  <a:srgbClr val="0D0D0D"/>
+                </a:solidFill>
+                <a:effectLst/>
+                <a:highlight>
+                  <a:srgbClr val="FFFFFF"/>
+                </a:highlight>
+                <a:latin typeface="Söhne"/>
+              </a:rPr>
+              <a:t> : Ansible utilise SSH pour se connecter aux machines distantes et exécuter des commandes. Il peut également utiliser d'autres protocoles, comme </a:t>
+            </a:r>
+            <a:r>
+              <a:rPr lang="fr-FR" b="0" i="0" dirty="0" err="1">
+                <a:solidFill>
+                  <a:srgbClr val="0D0D0D"/>
+                </a:solidFill>
+                <a:effectLst/>
+                <a:highlight>
+                  <a:srgbClr val="FFFFFF"/>
+                </a:highlight>
+                <a:latin typeface="Söhne"/>
+              </a:rPr>
+              <a:t>WinRM</a:t>
+            </a:r>
+            <a:r>
+              <a:rPr lang="fr-FR" b="0" i="0" dirty="0">
+                <a:solidFill>
+                  <a:srgbClr val="0D0D0D"/>
+                </a:solidFill>
+                <a:effectLst/>
+                <a:highlight>
+                  <a:srgbClr val="FFFFFF"/>
+                </a:highlight>
+                <a:latin typeface="Söhne"/>
+              </a:rPr>
+              <a:t> pour les systèmes Windows.</a:t>
+            </a:r>
+          </a:p>
+          <a:p>
+            <a:pPr algn="l">
+              <a:buFont typeface="+mj-lt"/>
+              <a:buAutoNum type="arabicPeriod"/>
+            </a:pPr>
+            <a:r>
+              <a:rPr lang="fr-FR" b="1" i="0" dirty="0">
+                <a:solidFill>
+                  <a:srgbClr val="0D0D0D"/>
+                </a:solidFill>
+                <a:effectLst/>
+                <a:highlight>
+                  <a:srgbClr val="FFFFFF"/>
+                </a:highlight>
+                <a:latin typeface="Söhne"/>
+              </a:rPr>
+              <a:t>Fichiers de configuration</a:t>
+            </a:r>
+            <a:r>
+              <a:rPr lang="fr-FR" b="0" i="0" dirty="0">
+                <a:solidFill>
+                  <a:srgbClr val="0D0D0D"/>
+                </a:solidFill>
+                <a:effectLst/>
+                <a:highlight>
+                  <a:srgbClr val="FFFFFF"/>
+                </a:highlight>
+                <a:latin typeface="Söhne"/>
+              </a:rPr>
+              <a:t> : Ansible utilise des fichiers de configuration pour définir des options et des paramètres de fonctionnement, tels que le chemin vers l'inventaire, les clés SSH à utiliser, et d'autres options de personnalisation.</a:t>
+            </a:r>
+          </a:p>
+          <a:p>
+            <a:pPr algn="l"/>
+            <a:r>
+              <a:rPr lang="fr-FR" b="0" i="0" dirty="0">
+                <a:solidFill>
+                  <a:srgbClr val="0D0D0D"/>
+                </a:solidFill>
+                <a:effectLst/>
+                <a:highlight>
+                  <a:srgbClr val="FFFFFF"/>
+                </a:highlight>
+                <a:latin typeface="Söhne"/>
+              </a:rPr>
+              <a:t>Dans l'ensemble, l'architecture d'Ansible est conçue pour être simple, légère et flexible, ce qui facilite l'automatisation des tâches de gestion des systèmes et des applications dans les environnements informatiques de toutes tailles.</a:t>
+            </a:r>
+          </a:p>
+          <a:p>
             <a:endParaRPr lang="fr-FR" dirty="0"/>
           </a:p>
         </p:txBody>
@@ -3615,6 +4071,174 @@
     <p:extLst>
       <p:ext uri="{BB962C8B-B14F-4D97-AF65-F5344CB8AC3E}">
         <p14:creationId xmlns:p14="http://schemas.microsoft.com/office/powerpoint/2010/main" val="1830107654"/>
+      </p:ext>
+    </p:extLst>
+  </p:cSld>
+  <p:clrMapOvr>
+    <a:masterClrMapping/>
+  </p:clrMapOvr>
+</p:notes>
+</file>
+
+<file path=ppt/notesSlides/notesSlide14.xml><?xml version="1.0" encoding="utf-8"?>
+<p:notes xmlns:a="http://schemas.openxmlformats.org/drawingml/2006/main" xmlns:r="http://schemas.openxmlformats.org/officeDocument/2006/relationships" xmlns:p="http://schemas.openxmlformats.org/presentationml/2006/main">
+  <p:cSld>
+    <p:spTree>
+      <p:nvGrpSpPr>
+        <p:cNvPr id="1" name=""/>
+        <p:cNvGrpSpPr/>
+        <p:nvPr/>
+      </p:nvGrpSpPr>
+      <p:grpSpPr>
+        <a:xfrm>
+          <a:off x="0" y="0"/>
+          <a:ext cx="0" cy="0"/>
+          <a:chOff x="0" y="0"/>
+          <a:chExt cx="0" cy="0"/>
+        </a:xfrm>
+      </p:grpSpPr>
+      <p:sp>
+        <p:nvSpPr>
+          <p:cNvPr id="2" name="Espace réservé de l'image des diapositives 1"/>
+          <p:cNvSpPr>
+            <a:spLocks noGrp="1" noRot="1" noChangeAspect="1"/>
+          </p:cNvSpPr>
+          <p:nvPr>
+            <p:ph type="sldImg"/>
+          </p:nvPr>
+        </p:nvSpPr>
+        <p:spPr/>
+      </p:sp>
+      <p:sp>
+        <p:nvSpPr>
+          <p:cNvPr id="3" name="Espace réservé des notes 2"/>
+          <p:cNvSpPr>
+            <a:spLocks noGrp="1"/>
+          </p:cNvSpPr>
+          <p:nvPr>
+            <p:ph type="body" idx="1"/>
+          </p:nvPr>
+        </p:nvSpPr>
+        <p:spPr/>
+        <p:txBody>
+          <a:bodyPr/>
+          <a:lstStyle/>
+          <a:p>
+            <a:endParaRPr lang="fr-FR" dirty="0"/>
+          </a:p>
+        </p:txBody>
+      </p:sp>
+      <p:sp>
+        <p:nvSpPr>
+          <p:cNvPr id="4" name="Espace réservé du numéro de diapositive 3"/>
+          <p:cNvSpPr>
+            <a:spLocks noGrp="1"/>
+          </p:cNvSpPr>
+          <p:nvPr>
+            <p:ph type="sldNum" sz="quarter" idx="5"/>
+          </p:nvPr>
+        </p:nvSpPr>
+        <p:spPr/>
+        <p:txBody>
+          <a:bodyPr/>
+          <a:lstStyle/>
+          <a:p>
+            <a:fld id="{4699F8F6-3164-46DA-A6CF-FC0368D075AB}" type="slidenum">
+              <a:rPr lang="fr-FR" smtClean="0"/>
+              <a:t>15</a:t>
+            </a:fld>
+            <a:endParaRPr lang="fr-FR"/>
+          </a:p>
+        </p:txBody>
+      </p:sp>
+    </p:spTree>
+    <p:extLst>
+      <p:ext uri="{BB962C8B-B14F-4D97-AF65-F5344CB8AC3E}">
+        <p14:creationId xmlns:p14="http://schemas.microsoft.com/office/powerpoint/2010/main" val="46575900"/>
+      </p:ext>
+    </p:extLst>
+  </p:cSld>
+  <p:clrMapOvr>
+    <a:masterClrMapping/>
+  </p:clrMapOvr>
+</p:notes>
+</file>
+
+<file path=ppt/notesSlides/notesSlide15.xml><?xml version="1.0" encoding="utf-8"?>
+<p:notes xmlns:a="http://schemas.openxmlformats.org/drawingml/2006/main" xmlns:r="http://schemas.openxmlformats.org/officeDocument/2006/relationships" xmlns:p="http://schemas.openxmlformats.org/presentationml/2006/main">
+  <p:cSld>
+    <p:spTree>
+      <p:nvGrpSpPr>
+        <p:cNvPr id="1" name=""/>
+        <p:cNvGrpSpPr/>
+        <p:nvPr/>
+      </p:nvGrpSpPr>
+      <p:grpSpPr>
+        <a:xfrm>
+          <a:off x="0" y="0"/>
+          <a:ext cx="0" cy="0"/>
+          <a:chOff x="0" y="0"/>
+          <a:chExt cx="0" cy="0"/>
+        </a:xfrm>
+      </p:grpSpPr>
+      <p:sp>
+        <p:nvSpPr>
+          <p:cNvPr id="2" name="Espace réservé de l'image des diapositives 1"/>
+          <p:cNvSpPr>
+            <a:spLocks noGrp="1" noRot="1" noChangeAspect="1"/>
+          </p:cNvSpPr>
+          <p:nvPr>
+            <p:ph type="sldImg"/>
+          </p:nvPr>
+        </p:nvSpPr>
+        <p:spPr/>
+      </p:sp>
+      <p:sp>
+        <p:nvSpPr>
+          <p:cNvPr id="3" name="Espace réservé des notes 2"/>
+          <p:cNvSpPr>
+            <a:spLocks noGrp="1"/>
+          </p:cNvSpPr>
+          <p:nvPr>
+            <p:ph type="body" idx="1"/>
+          </p:nvPr>
+        </p:nvSpPr>
+        <p:spPr/>
+        <p:txBody>
+          <a:bodyPr/>
+          <a:lstStyle/>
+          <a:p>
+            <a:endParaRPr lang="fr-FR" dirty="0"/>
+          </a:p>
+        </p:txBody>
+      </p:sp>
+      <p:sp>
+        <p:nvSpPr>
+          <p:cNvPr id="4" name="Espace réservé du numéro de diapositive 3"/>
+          <p:cNvSpPr>
+            <a:spLocks noGrp="1"/>
+          </p:cNvSpPr>
+          <p:nvPr>
+            <p:ph type="sldNum" sz="quarter" idx="5"/>
+          </p:nvPr>
+        </p:nvSpPr>
+        <p:spPr/>
+        <p:txBody>
+          <a:bodyPr/>
+          <a:lstStyle/>
+          <a:p>
+            <a:fld id="{4699F8F6-3164-46DA-A6CF-FC0368D075AB}" type="slidenum">
+              <a:rPr lang="fr-FR" smtClean="0"/>
+              <a:t>16</a:t>
+            </a:fld>
+            <a:endParaRPr lang="fr-FR"/>
+          </a:p>
+        </p:txBody>
+      </p:sp>
+    </p:spTree>
+    <p:extLst>
+      <p:ext uri="{BB962C8B-B14F-4D97-AF65-F5344CB8AC3E}">
+        <p14:creationId xmlns:p14="http://schemas.microsoft.com/office/powerpoint/2010/main" val="4231028733"/>
       </p:ext>
     </p:extLst>
   </p:cSld>
@@ -5189,7 +5813,7 @@
           <a:p>
             <a:fld id="{6673ECEF-1D77-43AE-9140-E2396EBC32DB}" type="datetime1">
               <a:rPr lang="fr-FR" smtClean="0"/>
-              <a:t>04/05/2024</a:t>
+              <a:t>05/05/2024</a:t>
             </a:fld>
             <a:endParaRPr lang="fr-FR"/>
           </a:p>
@@ -5390,7 +6014,7 @@
           <a:p>
             <a:fld id="{466B9F22-C239-43FE-B878-58835F365FC5}" type="datetime1">
               <a:rPr lang="fr-FR" smtClean="0"/>
-              <a:t>04/05/2024</a:t>
+              <a:t>05/05/2024</a:t>
             </a:fld>
             <a:endParaRPr lang="fr-FR"/>
           </a:p>
@@ -5601,7 +6225,7 @@
           <a:p>
             <a:fld id="{9C0F3576-F52B-4D10-9CFF-D87B2DEBE3E4}" type="datetime1">
               <a:rPr lang="fr-FR" smtClean="0"/>
-              <a:t>04/05/2024</a:t>
+              <a:t>05/05/2024</a:t>
             </a:fld>
             <a:endParaRPr lang="fr-FR"/>
           </a:p>
@@ -5802,7 +6426,7 @@
           <a:p>
             <a:fld id="{941C9732-2A01-4D08-B92E-42AC3CE0EE63}" type="datetime1">
               <a:rPr lang="fr-FR" smtClean="0"/>
-              <a:t>04/05/2024</a:t>
+              <a:t>05/05/2024</a:t>
             </a:fld>
             <a:endParaRPr lang="fr-FR"/>
           </a:p>
@@ -6080,7 +6704,7 @@
           <a:p>
             <a:fld id="{8C38BF5A-5A7B-4775-9304-9725F9836571}" type="datetime1">
               <a:rPr lang="fr-FR" smtClean="0"/>
-              <a:t>04/05/2024</a:t>
+              <a:t>05/05/2024</a:t>
             </a:fld>
             <a:endParaRPr lang="fr-FR"/>
           </a:p>
@@ -6348,7 +6972,7 @@
           <a:p>
             <a:fld id="{50A303E5-E01C-478A-982C-4FF999ADDC34}" type="datetime1">
               <a:rPr lang="fr-FR" smtClean="0"/>
-              <a:t>04/05/2024</a:t>
+              <a:t>05/05/2024</a:t>
             </a:fld>
             <a:endParaRPr lang="fr-FR"/>
           </a:p>
@@ -6763,7 +7387,7 @@
           <a:p>
             <a:fld id="{30965E43-F543-4F23-A9B5-E7537237DA3E}" type="datetime1">
               <a:rPr lang="fr-FR" smtClean="0"/>
-              <a:t>04/05/2024</a:t>
+              <a:t>05/05/2024</a:t>
             </a:fld>
             <a:endParaRPr lang="fr-FR"/>
           </a:p>
@@ -6907,7 +7531,7 @@
           <a:p>
             <a:fld id="{C58BDF5C-078D-479F-BA03-88A11C66015C}" type="datetime1">
               <a:rPr lang="fr-FR" smtClean="0"/>
-              <a:t>04/05/2024</a:t>
+              <a:t>05/05/2024</a:t>
             </a:fld>
             <a:endParaRPr lang="fr-FR"/>
           </a:p>
@@ -7023,7 +7647,7 @@
           <a:p>
             <a:fld id="{5E865842-71E2-4BC3-BAAB-AD09CA53D33D}" type="datetime1">
               <a:rPr lang="fr-FR" smtClean="0"/>
-              <a:t>04/05/2024</a:t>
+              <a:t>05/05/2024</a:t>
             </a:fld>
             <a:endParaRPr lang="fr-FR"/>
           </a:p>
@@ -7337,7 +7961,7 @@
           <a:p>
             <a:fld id="{3FA46A2A-EA15-4023-AF98-1C287279A5F3}" type="datetime1">
               <a:rPr lang="fr-FR" smtClean="0"/>
-              <a:t>04/05/2024</a:t>
+              <a:t>05/05/2024</a:t>
             </a:fld>
             <a:endParaRPr lang="fr-FR"/>
           </a:p>
@@ -7628,7 +8252,7 @@
           <a:p>
             <a:fld id="{9A50EFF0-CDF3-4BDD-A628-3D3A2CBC3A3B}" type="datetime1">
               <a:rPr lang="fr-FR" smtClean="0"/>
-              <a:t>04/05/2024</a:t>
+              <a:t>05/05/2024</a:t>
             </a:fld>
             <a:endParaRPr lang="fr-FR"/>
           </a:p>
@@ -7872,7 +8496,7 @@
           <a:p>
             <a:fld id="{4BC3AB77-036A-4F77-986B-D4A79F4B0D6E}" type="datetime1">
               <a:rPr lang="fr-FR" smtClean="0"/>
-              <a:t>04/05/2024</a:t>
+              <a:t>05/05/2024</a:t>
             </a:fld>
             <a:endParaRPr lang="fr-FR"/>
           </a:p>
@@ -9490,7 +10114,7 @@
                   </a:schemeClr>
                 </a:solidFill>
               </a:rPr>
-              <a:t>04/05/2024</a:t>
+              <a:t>05/05/2024</a:t>
             </a:fld>
             <a:endParaRPr lang="fr-FR" dirty="0">
               <a:solidFill>
@@ -11689,7 +12313,7 @@
                   </a:schemeClr>
                 </a:solidFill>
               </a:rPr>
-              <a:t>04/05/2024</a:t>
+              <a:t>05/05/2024</a:t>
             </a:fld>
             <a:endParaRPr lang="fr-FR" dirty="0">
               <a:solidFill>
@@ -13072,7 +13696,7 @@
                   </a:schemeClr>
                 </a:solidFill>
               </a:rPr>
-              <a:t>04/05/2024</a:t>
+              <a:t>05/05/2024</a:t>
             </a:fld>
             <a:endParaRPr lang="fr-FR" dirty="0">
               <a:solidFill>
@@ -16463,7 +17087,7 @@
           </p:blipFill>
           <p:spPr bwMode="auto">
             <a:xfrm>
-              <a:off x="9346332" y="2348643"/>
+              <a:off x="9483600" y="2235292"/>
               <a:ext cx="377087" cy="377087"/>
             </a:xfrm>
             <a:prstGeom prst="rect">
@@ -17933,7 +18557,7 @@
                 </a:solidFill>
                 <a:latin typeface="Abadi Extra Light" panose="020B0204020104020204" pitchFamily="34" charset="0"/>
               </a:rPr>
-              <a:t>:~$</a:t>
+              <a:t>:~\$</a:t>
             </a:r>
             <a:endParaRPr lang="fr-FR" sz="2400" dirty="0">
               <a:solidFill>
@@ -17958,7 +18582,7 @@
         </p:nvSpPr>
         <p:spPr>
           <a:xfrm>
-            <a:off x="2456262" y="1551814"/>
+            <a:off x="3313700" y="1551937"/>
             <a:ext cx="7421474" cy="461665"/>
           </a:xfrm>
           <a:prstGeom prst="rect">
@@ -18067,7 +18691,7 @@
         </p:blipFill>
         <p:spPr bwMode="auto">
           <a:xfrm>
-            <a:off x="491266" y="5191807"/>
+            <a:off x="1073185" y="5467541"/>
             <a:ext cx="354876" cy="283901"/>
           </a:xfrm>
           <a:prstGeom prst="rect">
@@ -18085,8 +18709,8 @@
           </a:extLst>
         </p:spPr>
       </p:pic>
-      <mc:AlternateContent xmlns:mc="http://schemas.openxmlformats.org/markup-compatibility/2006">
-        <mc:Choice xmlns:p14="http://schemas.microsoft.com/office/powerpoint/2010/main" Requires="p14">
+      <mc:AlternateContent xmlns:mc="http://schemas.openxmlformats.org/markup-compatibility/2006" xmlns:p14="http://schemas.microsoft.com/office/powerpoint/2010/main">
+        <mc:Choice Requires="p14">
           <p:contentPart p14:bwMode="auto" r:id="rId15">
             <p14:nvContentPartPr>
               <p14:cNvPr id="50" name="Encre 49">
@@ -18105,7 +18729,7 @@
             </p14:xfrm>
           </p:contentPart>
         </mc:Choice>
-        <mc:Fallback>
+        <mc:Fallback xmlns="">
           <p:pic>
             <p:nvPicPr>
               <p:cNvPr id="50" name="Encre 49">
@@ -18136,6 +18760,514 @@
           </p:pic>
         </mc:Fallback>
       </mc:AlternateContent>
+      <p:grpSp>
+        <p:nvGrpSpPr>
+          <p:cNvPr id="38" name="Groupe 37">
+            <a:extLst>
+              <a:ext uri="{FF2B5EF4-FFF2-40B4-BE49-F238E27FC236}">
+                <a16:creationId xmlns:a16="http://schemas.microsoft.com/office/drawing/2014/main" id="{CFBD7156-7247-6DD7-1C8A-5E2F8585C8AE}"/>
+              </a:ext>
+            </a:extLst>
+          </p:cNvPr>
+          <p:cNvGrpSpPr/>
+          <p:nvPr/>
+        </p:nvGrpSpPr>
+        <p:grpSpPr>
+          <a:xfrm>
+            <a:off x="395030" y="3895575"/>
+            <a:ext cx="973220" cy="576006"/>
+            <a:chOff x="7516494" y="2796995"/>
+            <a:chExt cx="1347805" cy="919746"/>
+          </a:xfrm>
+        </p:grpSpPr>
+        <p:pic>
+          <p:nvPicPr>
+            <p:cNvPr id="48" name="Picture 8" descr="Symbole clé (icône png) rouge">
+              <a:extLst>
+                <a:ext uri="{FF2B5EF4-FFF2-40B4-BE49-F238E27FC236}">
+                  <a16:creationId xmlns:a16="http://schemas.microsoft.com/office/drawing/2014/main" id="{10548451-B317-6EB9-2C50-933AA0C00938}"/>
+                </a:ext>
+              </a:extLst>
+            </p:cNvPr>
+            <p:cNvPicPr>
+              <a:picLocks noChangeAspect="1" noChangeArrowheads="1"/>
+            </p:cNvPicPr>
+            <p:nvPr/>
+          </p:nvPicPr>
+          <p:blipFill>
+            <a:blip r:embed="rId8">
+              <a:clrChange>
+                <a:clrFrom>
+                  <a:srgbClr val="FFFFFF"/>
+                </a:clrFrom>
+                <a:clrTo>
+                  <a:srgbClr val="FFFFFF">
+                    <a:alpha val="0"/>
+                  </a:srgbClr>
+                </a:clrTo>
+              </a:clrChange>
+              <a:duotone>
+                <a:schemeClr val="accent3">
+                  <a:shade val="45000"/>
+                  <a:satMod val="135000"/>
+                </a:schemeClr>
+                <a:prstClr val="white"/>
+              </a:duotone>
+              <a:extLst>
+                <a:ext uri="{28A0092B-C50C-407E-A947-70E740481C1C}">
+                  <a14:useLocalDpi xmlns:a14="http://schemas.microsoft.com/office/drawing/2010/main" val="0"/>
+                </a:ext>
+              </a:extLst>
+            </a:blip>
+            <a:srcRect/>
+            <a:stretch>
+              <a:fillRect/>
+            </a:stretch>
+          </p:blipFill>
+          <p:spPr bwMode="auto">
+            <a:xfrm>
+              <a:off x="7574701" y="2796995"/>
+              <a:ext cx="606978" cy="606978"/>
+            </a:xfrm>
+            <a:prstGeom prst="rect">
+              <a:avLst/>
+            </a:prstGeom>
+            <a:noFill/>
+            <a:extLst>
+              <a:ext uri="{909E8E84-426E-40DD-AFC4-6F175D3DCCD1}">
+                <a14:hiddenFill xmlns:a14="http://schemas.microsoft.com/office/drawing/2010/main">
+                  <a:solidFill>
+                    <a:srgbClr val="FFFFFF"/>
+                  </a:solidFill>
+                </a14:hiddenFill>
+              </a:ext>
+            </a:extLst>
+          </p:spPr>
+        </p:pic>
+        <p:sp>
+          <p:nvSpPr>
+            <p:cNvPr id="55" name="ZoneTexte 54">
+              <a:extLst>
+                <a:ext uri="{FF2B5EF4-FFF2-40B4-BE49-F238E27FC236}">
+                  <a16:creationId xmlns:a16="http://schemas.microsoft.com/office/drawing/2014/main" id="{65873026-1B4D-EF15-831A-18A1F72A4507}"/>
+                </a:ext>
+              </a:extLst>
+            </p:cNvPr>
+            <p:cNvSpPr txBox="1"/>
+            <p:nvPr/>
+          </p:nvSpPr>
+          <p:spPr>
+            <a:xfrm>
+              <a:off x="7516494" y="3176150"/>
+              <a:ext cx="1347805" cy="540591"/>
+            </a:xfrm>
+            <a:prstGeom prst="rect">
+              <a:avLst/>
+            </a:prstGeom>
+            <a:noFill/>
+          </p:spPr>
+          <p:txBody>
+            <a:bodyPr wrap="square" rtlCol="0">
+              <a:spAutoFit/>
+            </a:bodyPr>
+            <a:lstStyle/>
+            <a:p>
+              <a:r>
+                <a:rPr lang="fr-FR" sz="1600" dirty="0">
+                  <a:solidFill>
+                    <a:schemeClr val="accent6">
+                      <a:lumMod val="60000"/>
+                      <a:lumOff val="40000"/>
+                    </a:schemeClr>
+                  </a:solidFill>
+                </a:rPr>
+                <a:t>pub</a:t>
+              </a:r>
+            </a:p>
+          </p:txBody>
+        </p:sp>
+      </p:grpSp>
+      <p:grpSp>
+        <p:nvGrpSpPr>
+          <p:cNvPr id="59" name="Groupe 58">
+            <a:extLst>
+              <a:ext uri="{FF2B5EF4-FFF2-40B4-BE49-F238E27FC236}">
+                <a16:creationId xmlns:a16="http://schemas.microsoft.com/office/drawing/2014/main" id="{930C8DAC-A65E-66E7-1626-DBF82ED575B0}"/>
+              </a:ext>
+            </a:extLst>
+          </p:cNvPr>
+          <p:cNvGrpSpPr/>
+          <p:nvPr/>
+        </p:nvGrpSpPr>
+        <p:grpSpPr>
+          <a:xfrm>
+            <a:off x="430246" y="4326838"/>
+            <a:ext cx="973220" cy="576006"/>
+            <a:chOff x="7516494" y="2796995"/>
+            <a:chExt cx="1347805" cy="919746"/>
+          </a:xfrm>
+        </p:grpSpPr>
+        <p:pic>
+          <p:nvPicPr>
+            <p:cNvPr id="60" name="Picture 8" descr="Symbole clé (icône png) rouge">
+              <a:extLst>
+                <a:ext uri="{FF2B5EF4-FFF2-40B4-BE49-F238E27FC236}">
+                  <a16:creationId xmlns:a16="http://schemas.microsoft.com/office/drawing/2014/main" id="{3E3FAE9A-AD16-2434-AE9F-E7699DC82971}"/>
+                </a:ext>
+              </a:extLst>
+            </p:cNvPr>
+            <p:cNvPicPr>
+              <a:picLocks noChangeAspect="1" noChangeArrowheads="1"/>
+            </p:cNvPicPr>
+            <p:nvPr/>
+          </p:nvPicPr>
+          <p:blipFill>
+            <a:blip r:embed="rId8">
+              <a:clrChange>
+                <a:clrFrom>
+                  <a:srgbClr val="FFFFFF"/>
+                </a:clrFrom>
+                <a:clrTo>
+                  <a:srgbClr val="FFFFFF">
+                    <a:alpha val="0"/>
+                  </a:srgbClr>
+                </a:clrTo>
+              </a:clrChange>
+              <a:duotone>
+                <a:schemeClr val="accent3">
+                  <a:shade val="45000"/>
+                  <a:satMod val="135000"/>
+                </a:schemeClr>
+                <a:prstClr val="white"/>
+              </a:duotone>
+              <a:extLst>
+                <a:ext uri="{28A0092B-C50C-407E-A947-70E740481C1C}">
+                  <a14:useLocalDpi xmlns:a14="http://schemas.microsoft.com/office/drawing/2010/main" val="0"/>
+                </a:ext>
+              </a:extLst>
+            </a:blip>
+            <a:srcRect/>
+            <a:stretch>
+              <a:fillRect/>
+            </a:stretch>
+          </p:blipFill>
+          <p:spPr bwMode="auto">
+            <a:xfrm>
+              <a:off x="7574701" y="2796995"/>
+              <a:ext cx="606978" cy="606978"/>
+            </a:xfrm>
+            <a:prstGeom prst="rect">
+              <a:avLst/>
+            </a:prstGeom>
+            <a:noFill/>
+            <a:extLst>
+              <a:ext uri="{909E8E84-426E-40DD-AFC4-6F175D3DCCD1}">
+                <a14:hiddenFill xmlns:a14="http://schemas.microsoft.com/office/drawing/2010/main">
+                  <a:solidFill>
+                    <a:srgbClr val="FFFFFF"/>
+                  </a:solidFill>
+                </a14:hiddenFill>
+              </a:ext>
+            </a:extLst>
+          </p:spPr>
+        </p:pic>
+        <p:sp>
+          <p:nvSpPr>
+            <p:cNvPr id="61" name="ZoneTexte 60">
+              <a:extLst>
+                <a:ext uri="{FF2B5EF4-FFF2-40B4-BE49-F238E27FC236}">
+                  <a16:creationId xmlns:a16="http://schemas.microsoft.com/office/drawing/2014/main" id="{77ED001C-2C0F-72DC-0E79-8F38FA7F2342}"/>
+                </a:ext>
+              </a:extLst>
+            </p:cNvPr>
+            <p:cNvSpPr txBox="1"/>
+            <p:nvPr/>
+          </p:nvSpPr>
+          <p:spPr>
+            <a:xfrm>
+              <a:off x="7516494" y="3176150"/>
+              <a:ext cx="1347805" cy="540591"/>
+            </a:xfrm>
+            <a:prstGeom prst="rect">
+              <a:avLst/>
+            </a:prstGeom>
+            <a:noFill/>
+          </p:spPr>
+          <p:txBody>
+            <a:bodyPr wrap="square" rtlCol="0">
+              <a:spAutoFit/>
+            </a:bodyPr>
+            <a:lstStyle/>
+            <a:p>
+              <a:r>
+                <a:rPr lang="fr-FR" sz="1600" dirty="0">
+                  <a:solidFill>
+                    <a:schemeClr val="accent6">
+                      <a:lumMod val="60000"/>
+                      <a:lumOff val="40000"/>
+                    </a:schemeClr>
+                  </a:solidFill>
+                </a:rPr>
+                <a:t>pub</a:t>
+              </a:r>
+            </a:p>
+          </p:txBody>
+        </p:sp>
+      </p:grpSp>
+      <p:grpSp>
+        <p:nvGrpSpPr>
+          <p:cNvPr id="62" name="Groupe 61">
+            <a:extLst>
+              <a:ext uri="{FF2B5EF4-FFF2-40B4-BE49-F238E27FC236}">
+                <a16:creationId xmlns:a16="http://schemas.microsoft.com/office/drawing/2014/main" id="{3278CD52-6A5B-3FF2-13E6-AFE2065F7518}"/>
+              </a:ext>
+            </a:extLst>
+          </p:cNvPr>
+          <p:cNvGrpSpPr/>
+          <p:nvPr/>
+        </p:nvGrpSpPr>
+        <p:grpSpPr>
+          <a:xfrm>
+            <a:off x="1021762" y="3563151"/>
+            <a:ext cx="973220" cy="576006"/>
+            <a:chOff x="7516494" y="2796995"/>
+            <a:chExt cx="1347805" cy="919746"/>
+          </a:xfrm>
+        </p:grpSpPr>
+        <p:pic>
+          <p:nvPicPr>
+            <p:cNvPr id="63" name="Picture 8" descr="Symbole clé (icône png) rouge">
+              <a:extLst>
+                <a:ext uri="{FF2B5EF4-FFF2-40B4-BE49-F238E27FC236}">
+                  <a16:creationId xmlns:a16="http://schemas.microsoft.com/office/drawing/2014/main" id="{58E4534C-C09E-DDAC-DA6C-2FB7C9FDC4CF}"/>
+                </a:ext>
+              </a:extLst>
+            </p:cNvPr>
+            <p:cNvPicPr>
+              <a:picLocks noChangeAspect="1" noChangeArrowheads="1"/>
+            </p:cNvPicPr>
+            <p:nvPr/>
+          </p:nvPicPr>
+          <p:blipFill>
+            <a:blip r:embed="rId8">
+              <a:clrChange>
+                <a:clrFrom>
+                  <a:srgbClr val="FFFFFF"/>
+                </a:clrFrom>
+                <a:clrTo>
+                  <a:srgbClr val="FFFFFF">
+                    <a:alpha val="0"/>
+                  </a:srgbClr>
+                </a:clrTo>
+              </a:clrChange>
+              <a:duotone>
+                <a:schemeClr val="accent3">
+                  <a:shade val="45000"/>
+                  <a:satMod val="135000"/>
+                </a:schemeClr>
+                <a:prstClr val="white"/>
+              </a:duotone>
+              <a:extLst>
+                <a:ext uri="{28A0092B-C50C-407E-A947-70E740481C1C}">
+                  <a14:useLocalDpi xmlns:a14="http://schemas.microsoft.com/office/drawing/2010/main" val="0"/>
+                </a:ext>
+              </a:extLst>
+            </a:blip>
+            <a:srcRect/>
+            <a:stretch>
+              <a:fillRect/>
+            </a:stretch>
+          </p:blipFill>
+          <p:spPr bwMode="auto">
+            <a:xfrm>
+              <a:off x="7574701" y="2796995"/>
+              <a:ext cx="606978" cy="606978"/>
+            </a:xfrm>
+            <a:prstGeom prst="rect">
+              <a:avLst/>
+            </a:prstGeom>
+            <a:noFill/>
+            <a:extLst>
+              <a:ext uri="{909E8E84-426E-40DD-AFC4-6F175D3DCCD1}">
+                <a14:hiddenFill xmlns:a14="http://schemas.microsoft.com/office/drawing/2010/main">
+                  <a:solidFill>
+                    <a:srgbClr val="FFFFFF"/>
+                  </a:solidFill>
+                </a14:hiddenFill>
+              </a:ext>
+            </a:extLst>
+          </p:spPr>
+        </p:pic>
+        <p:sp>
+          <p:nvSpPr>
+            <p:cNvPr id="4097" name="ZoneTexte 4096">
+              <a:extLst>
+                <a:ext uri="{FF2B5EF4-FFF2-40B4-BE49-F238E27FC236}">
+                  <a16:creationId xmlns:a16="http://schemas.microsoft.com/office/drawing/2014/main" id="{C6DB2282-06E0-1697-5387-F3CB40B1284D}"/>
+                </a:ext>
+              </a:extLst>
+            </p:cNvPr>
+            <p:cNvSpPr txBox="1"/>
+            <p:nvPr/>
+          </p:nvSpPr>
+          <p:spPr>
+            <a:xfrm>
+              <a:off x="7516494" y="3176150"/>
+              <a:ext cx="1347805" cy="540591"/>
+            </a:xfrm>
+            <a:prstGeom prst="rect">
+              <a:avLst/>
+            </a:prstGeom>
+            <a:noFill/>
+          </p:spPr>
+          <p:txBody>
+            <a:bodyPr wrap="square" rtlCol="0">
+              <a:spAutoFit/>
+            </a:bodyPr>
+            <a:lstStyle/>
+            <a:p>
+              <a:r>
+                <a:rPr lang="fr-FR" sz="1600" dirty="0">
+                  <a:solidFill>
+                    <a:schemeClr val="accent6">
+                      <a:lumMod val="60000"/>
+                      <a:lumOff val="40000"/>
+                    </a:schemeClr>
+                  </a:solidFill>
+                </a:rPr>
+                <a:t>pub</a:t>
+              </a:r>
+            </a:p>
+          </p:txBody>
+        </p:sp>
+      </p:grpSp>
+      <p:grpSp>
+        <p:nvGrpSpPr>
+          <p:cNvPr id="4101" name="Groupe 4100">
+            <a:extLst>
+              <a:ext uri="{FF2B5EF4-FFF2-40B4-BE49-F238E27FC236}">
+                <a16:creationId xmlns:a16="http://schemas.microsoft.com/office/drawing/2014/main" id="{2948A2B2-BBD9-6798-5001-E4D95BC23F33}"/>
+              </a:ext>
+            </a:extLst>
+          </p:cNvPr>
+          <p:cNvGrpSpPr/>
+          <p:nvPr/>
+        </p:nvGrpSpPr>
+        <p:grpSpPr>
+          <a:xfrm>
+            <a:off x="1614669" y="4422234"/>
+            <a:ext cx="973220" cy="576006"/>
+            <a:chOff x="7516494" y="2796995"/>
+            <a:chExt cx="1347805" cy="919746"/>
+          </a:xfrm>
+        </p:grpSpPr>
+        <p:pic>
+          <p:nvPicPr>
+            <p:cNvPr id="4104" name="Picture 8" descr="Symbole clé (icône png) rouge">
+              <a:extLst>
+                <a:ext uri="{FF2B5EF4-FFF2-40B4-BE49-F238E27FC236}">
+                  <a16:creationId xmlns:a16="http://schemas.microsoft.com/office/drawing/2014/main" id="{052E46AF-59CB-33CF-6936-7DBDA523E5BB}"/>
+                </a:ext>
+              </a:extLst>
+            </p:cNvPr>
+            <p:cNvPicPr>
+              <a:picLocks noChangeAspect="1" noChangeArrowheads="1"/>
+            </p:cNvPicPr>
+            <p:nvPr/>
+          </p:nvPicPr>
+          <p:blipFill>
+            <a:blip r:embed="rId8">
+              <a:clrChange>
+                <a:clrFrom>
+                  <a:srgbClr val="FFFFFF"/>
+                </a:clrFrom>
+                <a:clrTo>
+                  <a:srgbClr val="FFFFFF">
+                    <a:alpha val="0"/>
+                  </a:srgbClr>
+                </a:clrTo>
+              </a:clrChange>
+              <a:duotone>
+                <a:schemeClr val="accent3">
+                  <a:shade val="45000"/>
+                  <a:satMod val="135000"/>
+                </a:schemeClr>
+                <a:prstClr val="white"/>
+              </a:duotone>
+              <a:extLst>
+                <a:ext uri="{28A0092B-C50C-407E-A947-70E740481C1C}">
+                  <a14:useLocalDpi xmlns:a14="http://schemas.microsoft.com/office/drawing/2010/main" val="0"/>
+                </a:ext>
+              </a:extLst>
+            </a:blip>
+            <a:srcRect/>
+            <a:stretch>
+              <a:fillRect/>
+            </a:stretch>
+          </p:blipFill>
+          <p:spPr bwMode="auto">
+            <a:xfrm>
+              <a:off x="7574701" y="2796995"/>
+              <a:ext cx="606978" cy="606978"/>
+            </a:xfrm>
+            <a:prstGeom prst="rect">
+              <a:avLst/>
+            </a:prstGeom>
+            <a:noFill/>
+            <a:extLst>
+              <a:ext uri="{909E8E84-426E-40DD-AFC4-6F175D3DCCD1}">
+                <a14:hiddenFill xmlns:a14="http://schemas.microsoft.com/office/drawing/2010/main">
+                  <a:solidFill>
+                    <a:srgbClr val="FFFFFF"/>
+                  </a:solidFill>
+                </a14:hiddenFill>
+              </a:ext>
+            </a:extLst>
+          </p:spPr>
+        </p:pic>
+        <p:sp>
+          <p:nvSpPr>
+            <p:cNvPr id="4105" name="ZoneTexte 4104">
+              <a:extLst>
+                <a:ext uri="{FF2B5EF4-FFF2-40B4-BE49-F238E27FC236}">
+                  <a16:creationId xmlns:a16="http://schemas.microsoft.com/office/drawing/2014/main" id="{439044FD-0FAE-2EF2-86C9-3769EF76C12F}"/>
+                </a:ext>
+              </a:extLst>
+            </p:cNvPr>
+            <p:cNvSpPr txBox="1"/>
+            <p:nvPr/>
+          </p:nvSpPr>
+          <p:spPr>
+            <a:xfrm>
+              <a:off x="7516494" y="3176150"/>
+              <a:ext cx="1347805" cy="540591"/>
+            </a:xfrm>
+            <a:prstGeom prst="rect">
+              <a:avLst/>
+            </a:prstGeom>
+            <a:noFill/>
+          </p:spPr>
+          <p:txBody>
+            <a:bodyPr wrap="square" rtlCol="0">
+              <a:spAutoFit/>
+            </a:bodyPr>
+            <a:lstStyle/>
+            <a:p>
+              <a:r>
+                <a:rPr lang="fr-FR" sz="1600" dirty="0">
+                  <a:solidFill>
+                    <a:schemeClr val="accent6">
+                      <a:lumMod val="60000"/>
+                      <a:lumOff val="40000"/>
+                    </a:schemeClr>
+                  </a:solidFill>
+                </a:rPr>
+                <a:t>pub</a:t>
+              </a:r>
+            </a:p>
+          </p:txBody>
+        </p:sp>
+      </p:grpSp>
     </p:spTree>
     <p:extLst>
       <p:ext uri="{BB962C8B-B14F-4D97-AF65-F5344CB8AC3E}">
@@ -18693,8 +19825,8 @@
         </p:nvSpPr>
         <p:spPr>
           <a:xfrm>
-            <a:off x="698500" y="386222"/>
-            <a:ext cx="6096000" cy="400110"/>
+            <a:off x="698499" y="386222"/>
+            <a:ext cx="7656269" cy="400110"/>
           </a:xfrm>
           <a:prstGeom prst="rect">
             <a:avLst/>
@@ -18733,7 +19865,1486 @@
                 <a:ea typeface="Calibri" panose="020F0502020204030204" pitchFamily="34" charset="0"/>
                 <a:cs typeface="Calibri" panose="020F0502020204030204" pitchFamily="34" charset="0"/>
               </a:rPr>
-              <a:t>Ansible concept</a:t>
+              <a:t>Architecture Ansible</a:t>
+            </a:r>
+            <a:endParaRPr lang="fr-FR" sz="2000" dirty="0">
+              <a:solidFill>
+                <a:schemeClr val="bg1"/>
+              </a:solidFill>
+            </a:endParaRPr>
+          </a:p>
+        </p:txBody>
+      </p:sp>
+      <p:pic>
+        <p:nvPicPr>
+          <p:cNvPr id="2" name="Image 1">
+            <a:extLst>
+              <a:ext uri="{FF2B5EF4-FFF2-40B4-BE49-F238E27FC236}">
+                <a16:creationId xmlns:a16="http://schemas.microsoft.com/office/drawing/2014/main" id="{C6977999-3267-359F-AB30-3F1D0235AA44}"/>
+              </a:ext>
+            </a:extLst>
+          </p:cNvPr>
+          <p:cNvPicPr>
+            <a:picLocks noChangeAspect="1"/>
+          </p:cNvPicPr>
+          <p:nvPr/>
+        </p:nvPicPr>
+        <p:blipFill>
+          <a:blip r:embed="rId3">
+            <a:clrChange>
+              <a:clrFrom>
+                <a:srgbClr val="000000"/>
+              </a:clrFrom>
+              <a:clrTo>
+                <a:srgbClr val="000000">
+                  <a:alpha val="0"/>
+                </a:srgbClr>
+              </a:clrTo>
+            </a:clrChange>
+          </a:blip>
+          <a:stretch>
+            <a:fillRect/>
+          </a:stretch>
+        </p:blipFill>
+        <p:spPr>
+          <a:xfrm>
+            <a:off x="10382828" y="154462"/>
+            <a:ext cx="1414521" cy="792132"/>
+          </a:xfrm>
+          <a:prstGeom prst="rect">
+            <a:avLst/>
+          </a:prstGeom>
+        </p:spPr>
+      </p:pic>
+      <mc:AlternateContent xmlns:mc="http://schemas.openxmlformats.org/markup-compatibility/2006" xmlns:p14="http://schemas.microsoft.com/office/powerpoint/2010/main">
+        <mc:Choice Requires="p14">
+          <p:contentPart p14:bwMode="auto" r:id="rId4">
+            <p14:nvContentPartPr>
+              <p14:cNvPr id="21" name="Encre 20">
+                <a:extLst>
+                  <a:ext uri="{FF2B5EF4-FFF2-40B4-BE49-F238E27FC236}">
+                    <a16:creationId xmlns:a16="http://schemas.microsoft.com/office/drawing/2014/main" id="{0FE0BAE8-1A30-4F38-6546-D1BE99A6B8A0}"/>
+                  </a:ext>
+                </a:extLst>
+              </p14:cNvPr>
+              <p14:cNvContentPartPr/>
+              <p14:nvPr/>
+            </p14:nvContentPartPr>
+            <p14:xfrm>
+              <a:off x="-1906499" y="875414"/>
+              <a:ext cx="360" cy="360"/>
+            </p14:xfrm>
+          </p:contentPart>
+        </mc:Choice>
+        <mc:Fallback xmlns="">
+          <p:pic>
+            <p:nvPicPr>
+              <p:cNvPr id="21" name="Encre 20">
+                <a:extLst>
+                  <a:ext uri="{FF2B5EF4-FFF2-40B4-BE49-F238E27FC236}">
+                    <a16:creationId xmlns:a16="http://schemas.microsoft.com/office/drawing/2014/main" id="{0FE0BAE8-1A30-4F38-6546-D1BE99A6B8A0}"/>
+                  </a:ext>
+                </a:extLst>
+              </p:cNvPr>
+              <p:cNvPicPr/>
+              <p:nvPr/>
+            </p:nvPicPr>
+            <p:blipFill>
+              <a:blip r:embed="rId5"/>
+              <a:stretch>
+                <a:fillRect/>
+              </a:stretch>
+            </p:blipFill>
+            <p:spPr>
+              <a:xfrm>
+                <a:off x="-1915499" y="866414"/>
+                <a:ext cx="18000" cy="18000"/>
+              </a:xfrm>
+              <a:prstGeom prst="rect">
+                <a:avLst/>
+              </a:prstGeom>
+            </p:spPr>
+          </p:pic>
+        </mc:Fallback>
+      </mc:AlternateContent>
+      <p:sp>
+        <p:nvSpPr>
+          <p:cNvPr id="26" name="Espace réservé de la date 1">
+            <a:extLst>
+              <a:ext uri="{FF2B5EF4-FFF2-40B4-BE49-F238E27FC236}">
+                <a16:creationId xmlns:a16="http://schemas.microsoft.com/office/drawing/2014/main" id="{C6669101-CB46-67AE-C88C-76663AB4E9A9}"/>
+              </a:ext>
+            </a:extLst>
+          </p:cNvPr>
+          <p:cNvSpPr>
+            <a:spLocks noGrp="1"/>
+          </p:cNvSpPr>
+          <p:nvPr>
+            <p:ph type="dt" sz="half" idx="10"/>
+          </p:nvPr>
+        </p:nvSpPr>
+        <p:spPr>
+          <a:xfrm>
+            <a:off x="146304" y="6387463"/>
+            <a:ext cx="2743200" cy="365125"/>
+          </a:xfrm>
+        </p:spPr>
+        <p:txBody>
+          <a:bodyPr/>
+          <a:lstStyle/>
+          <a:p>
+            <a:fld id="{5E865842-71E2-4BC3-BAAB-AD09CA53D33D}" type="datetime1">
+              <a:rPr lang="fr-FR" smtClean="0">
+                <a:solidFill>
+                  <a:schemeClr val="tx2">
+                    <a:lumMod val="10000"/>
+                    <a:lumOff val="90000"/>
+                  </a:schemeClr>
+                </a:solidFill>
+              </a:rPr>
+              <a:t>05/05/2024</a:t>
+            </a:fld>
+            <a:endParaRPr lang="fr-FR" dirty="0">
+              <a:solidFill>
+                <a:schemeClr val="tx2">
+                  <a:lumMod val="10000"/>
+                  <a:lumOff val="90000"/>
+                </a:schemeClr>
+              </a:solidFill>
+            </a:endParaRPr>
+          </a:p>
+        </p:txBody>
+      </p:sp>
+      <p:sp>
+        <p:nvSpPr>
+          <p:cNvPr id="27" name="Espace réservé du pied de page 2">
+            <a:extLst>
+              <a:ext uri="{FF2B5EF4-FFF2-40B4-BE49-F238E27FC236}">
+                <a16:creationId xmlns:a16="http://schemas.microsoft.com/office/drawing/2014/main" id="{72B1AC60-8463-DF7C-FDED-196A2941AC22}"/>
+              </a:ext>
+            </a:extLst>
+          </p:cNvPr>
+          <p:cNvSpPr>
+            <a:spLocks noGrp="1"/>
+          </p:cNvSpPr>
+          <p:nvPr>
+            <p:ph type="ftr" sz="quarter" idx="11"/>
+          </p:nvPr>
+        </p:nvSpPr>
+        <p:spPr>
+          <a:xfrm>
+            <a:off x="4038600" y="6356350"/>
+            <a:ext cx="4114800" cy="365125"/>
+          </a:xfrm>
+        </p:spPr>
+        <p:txBody>
+          <a:bodyPr/>
+          <a:lstStyle/>
+          <a:p>
+            <a:r>
+              <a:rPr lang="fr-FR" dirty="0">
+                <a:solidFill>
+                  <a:schemeClr val="tx2">
+                    <a:lumMod val="10000"/>
+                    <a:lumOff val="90000"/>
+                  </a:schemeClr>
+                </a:solidFill>
+              </a:rPr>
+              <a:t>Mohamed</a:t>
+            </a:r>
+            <a:r>
+              <a:rPr lang="fr-FR" dirty="0"/>
+              <a:t> </a:t>
+            </a:r>
+            <a:r>
+              <a:rPr lang="fr-FR" dirty="0">
+                <a:solidFill>
+                  <a:schemeClr val="tx2">
+                    <a:lumMod val="10000"/>
+                    <a:lumOff val="90000"/>
+                  </a:schemeClr>
+                </a:solidFill>
+              </a:rPr>
+              <a:t>Hammouda</a:t>
+            </a:r>
+          </a:p>
+        </p:txBody>
+      </p:sp>
+      <p:sp>
+        <p:nvSpPr>
+          <p:cNvPr id="28" name="Espace réservé du numéro de diapositive 3">
+            <a:extLst>
+              <a:ext uri="{FF2B5EF4-FFF2-40B4-BE49-F238E27FC236}">
+                <a16:creationId xmlns:a16="http://schemas.microsoft.com/office/drawing/2014/main" id="{FA3BD6CA-14D1-39A7-480C-A5CE17E5DC40}"/>
+              </a:ext>
+            </a:extLst>
+          </p:cNvPr>
+          <p:cNvSpPr>
+            <a:spLocks noGrp="1"/>
+          </p:cNvSpPr>
+          <p:nvPr>
+            <p:ph type="sldNum" sz="quarter" idx="12"/>
+          </p:nvPr>
+        </p:nvSpPr>
+        <p:spPr>
+          <a:xfrm>
+            <a:off x="9195816" y="6326504"/>
+            <a:ext cx="2743200" cy="365125"/>
+          </a:xfrm>
+        </p:spPr>
+        <p:txBody>
+          <a:bodyPr/>
+          <a:lstStyle/>
+          <a:p>
+            <a:fld id="{B880C63E-E5E0-484B-A84B-0348264AB81D}" type="slidenum">
+              <a:rPr lang="fr-FR" b="1" smtClean="0">
+                <a:solidFill>
+                  <a:schemeClr val="tx2">
+                    <a:lumMod val="10000"/>
+                    <a:lumOff val="90000"/>
+                  </a:schemeClr>
+                </a:solidFill>
+              </a:rPr>
+              <a:t>14</a:t>
+            </a:fld>
+            <a:endParaRPr lang="fr-FR" b="1" dirty="0">
+              <a:solidFill>
+                <a:schemeClr val="tx2">
+                  <a:lumMod val="10000"/>
+                  <a:lumOff val="90000"/>
+                </a:schemeClr>
+              </a:solidFill>
+            </a:endParaRPr>
+          </a:p>
+        </p:txBody>
+      </p:sp>
+      <mc:AlternateContent xmlns:mc="http://schemas.openxmlformats.org/markup-compatibility/2006" xmlns:p14="http://schemas.microsoft.com/office/powerpoint/2010/main">
+        <mc:Choice Requires="p14">
+          <p:contentPart p14:bwMode="auto" r:id="rId6">
+            <p14:nvContentPartPr>
+              <p14:cNvPr id="32" name="Encre 31">
+                <a:extLst>
+                  <a:ext uri="{FF2B5EF4-FFF2-40B4-BE49-F238E27FC236}">
+                    <a16:creationId xmlns:a16="http://schemas.microsoft.com/office/drawing/2014/main" id="{0B3FB5B7-CA5D-9E93-566B-B018FF5AC323}"/>
+                  </a:ext>
+                </a:extLst>
+              </p14:cNvPr>
+              <p14:cNvContentPartPr/>
+              <p14:nvPr/>
+            </p14:nvContentPartPr>
+            <p14:xfrm>
+              <a:off x="13393501" y="4249694"/>
+              <a:ext cx="360" cy="360"/>
+            </p14:xfrm>
+          </p:contentPart>
+        </mc:Choice>
+        <mc:Fallback xmlns="">
+          <p:pic>
+            <p:nvPicPr>
+              <p:cNvPr id="32" name="Encre 31">
+                <a:extLst>
+                  <a:ext uri="{FF2B5EF4-FFF2-40B4-BE49-F238E27FC236}">
+                    <a16:creationId xmlns:a16="http://schemas.microsoft.com/office/drawing/2014/main" id="{0B3FB5B7-CA5D-9E93-566B-B018FF5AC323}"/>
+                  </a:ext>
+                </a:extLst>
+              </p:cNvPr>
+              <p:cNvPicPr/>
+              <p:nvPr/>
+            </p:nvPicPr>
+            <p:blipFill>
+              <a:blip r:embed="rId7"/>
+              <a:stretch>
+                <a:fillRect/>
+              </a:stretch>
+            </p:blipFill>
+            <p:spPr>
+              <a:xfrm>
+                <a:off x="13384501" y="4240694"/>
+                <a:ext cx="18000" cy="18000"/>
+              </a:xfrm>
+              <a:prstGeom prst="rect">
+                <a:avLst/>
+              </a:prstGeom>
+            </p:spPr>
+          </p:pic>
+        </mc:Fallback>
+      </mc:AlternateContent>
+      <p:grpSp>
+        <p:nvGrpSpPr>
+          <p:cNvPr id="16" name="Groupe 15">
+            <a:extLst>
+              <a:ext uri="{FF2B5EF4-FFF2-40B4-BE49-F238E27FC236}">
+                <a16:creationId xmlns:a16="http://schemas.microsoft.com/office/drawing/2014/main" id="{08C73EBC-C07D-B5F4-5FC2-9A4AB9DD18C7}"/>
+              </a:ext>
+            </a:extLst>
+          </p:cNvPr>
+          <p:cNvGrpSpPr/>
+          <p:nvPr/>
+        </p:nvGrpSpPr>
+        <p:grpSpPr>
+          <a:xfrm>
+            <a:off x="5612035" y="1211268"/>
+            <a:ext cx="6185314" cy="5080718"/>
+            <a:chOff x="5612035" y="1211268"/>
+            <a:chExt cx="6185314" cy="5080718"/>
+          </a:xfrm>
+        </p:grpSpPr>
+        <p:pic>
+          <p:nvPicPr>
+            <p:cNvPr id="1026" name="Picture 2" descr="انسیبل (Ansible) چیست و چه کاربردی دارد؟">
+              <a:extLst>
+                <a:ext uri="{FF2B5EF4-FFF2-40B4-BE49-F238E27FC236}">
+                  <a16:creationId xmlns:a16="http://schemas.microsoft.com/office/drawing/2014/main" id="{D1904C10-FBDD-D9C0-8A00-1601A13D47B9}"/>
+                </a:ext>
+              </a:extLst>
+            </p:cNvPr>
+            <p:cNvPicPr>
+              <a:picLocks noChangeAspect="1" noChangeArrowheads="1"/>
+            </p:cNvPicPr>
+            <p:nvPr/>
+          </p:nvPicPr>
+          <p:blipFill>
+            <a:blip r:embed="rId8">
+              <a:extLst>
+                <a:ext uri="{28A0092B-C50C-407E-A947-70E740481C1C}">
+                  <a14:useLocalDpi xmlns:a14="http://schemas.microsoft.com/office/drawing/2010/main" val="0"/>
+                </a:ext>
+              </a:extLst>
+            </a:blip>
+            <a:srcRect/>
+            <a:stretch>
+              <a:fillRect/>
+            </a:stretch>
+          </p:blipFill>
+          <p:spPr bwMode="auto">
+            <a:xfrm>
+              <a:off x="7143553" y="1211268"/>
+              <a:ext cx="4653796" cy="5080718"/>
+            </a:xfrm>
+            <a:prstGeom prst="rect">
+              <a:avLst/>
+            </a:prstGeom>
+            <a:noFill/>
+            <a:extLst>
+              <a:ext uri="{909E8E84-426E-40DD-AFC4-6F175D3DCCD1}">
+                <a14:hiddenFill xmlns:a14="http://schemas.microsoft.com/office/drawing/2010/main">
+                  <a:solidFill>
+                    <a:srgbClr val="FFFFFF"/>
+                  </a:solidFill>
+                </a14:hiddenFill>
+              </a:ext>
+            </a:extLst>
+          </p:spPr>
+        </p:pic>
+        <p:sp>
+          <p:nvSpPr>
+            <p:cNvPr id="15" name="Rectangle 14">
+              <a:extLst>
+                <a:ext uri="{FF2B5EF4-FFF2-40B4-BE49-F238E27FC236}">
+                  <a16:creationId xmlns:a16="http://schemas.microsoft.com/office/drawing/2014/main" id="{0F8D815B-D8B8-540C-D1F1-7A1FAECF0676}"/>
+                </a:ext>
+              </a:extLst>
+            </p:cNvPr>
+            <p:cNvSpPr/>
+            <p:nvPr/>
+          </p:nvSpPr>
+          <p:spPr>
+            <a:xfrm>
+              <a:off x="5612035" y="1211268"/>
+              <a:ext cx="1531518" cy="5080718"/>
+            </a:xfrm>
+            <a:prstGeom prst="rect">
+              <a:avLst/>
+            </a:prstGeom>
+            <a:solidFill>
+              <a:schemeClr val="bg1"/>
+            </a:solidFill>
+            <a:ln>
+              <a:noFill/>
+            </a:ln>
+          </p:spPr>
+          <p:style>
+            <a:lnRef idx="2">
+              <a:schemeClr val="accent1">
+                <a:shade val="15000"/>
+              </a:schemeClr>
+            </a:lnRef>
+            <a:fillRef idx="1">
+              <a:schemeClr val="accent1"/>
+            </a:fillRef>
+            <a:effectRef idx="0">
+              <a:schemeClr val="accent1"/>
+            </a:effectRef>
+            <a:fontRef idx="minor">
+              <a:schemeClr val="lt1"/>
+            </a:fontRef>
+          </p:style>
+          <p:txBody>
+            <a:bodyPr rtlCol="0" anchor="ctr"/>
+            <a:lstStyle/>
+            <a:p>
+              <a:pPr algn="ctr"/>
+              <a:endParaRPr lang="fr-FR"/>
+            </a:p>
+          </p:txBody>
+        </p:sp>
+      </p:grpSp>
+      <p:sp>
+        <p:nvSpPr>
+          <p:cNvPr id="11" name="Rectangle 10">
+            <a:extLst>
+              <a:ext uri="{FF2B5EF4-FFF2-40B4-BE49-F238E27FC236}">
+                <a16:creationId xmlns:a16="http://schemas.microsoft.com/office/drawing/2014/main" id="{CAFACCA5-E010-A995-B050-ACFC00B8201C}"/>
+              </a:ext>
+            </a:extLst>
+          </p:cNvPr>
+          <p:cNvSpPr/>
+          <p:nvPr/>
+        </p:nvSpPr>
+        <p:spPr>
+          <a:xfrm>
+            <a:off x="7143552" y="3565003"/>
+            <a:ext cx="2509733" cy="1076445"/>
+          </a:xfrm>
+          <a:prstGeom prst="rect">
+            <a:avLst/>
+          </a:prstGeom>
+          <a:noFill/>
+          <a:ln>
+            <a:solidFill>
+              <a:srgbClr val="FF0000"/>
+            </a:solidFill>
+            <a:prstDash val="lgDash"/>
+          </a:ln>
+        </p:spPr>
+        <p:style>
+          <a:lnRef idx="2">
+            <a:schemeClr val="accent1">
+              <a:shade val="15000"/>
+            </a:schemeClr>
+          </a:lnRef>
+          <a:fillRef idx="1">
+            <a:schemeClr val="accent1"/>
+          </a:fillRef>
+          <a:effectRef idx="0">
+            <a:schemeClr val="accent1"/>
+          </a:effectRef>
+          <a:fontRef idx="minor">
+            <a:schemeClr val="lt1"/>
+          </a:fontRef>
+        </p:style>
+        <p:txBody>
+          <a:bodyPr rtlCol="0" anchor="ctr"/>
+          <a:lstStyle/>
+          <a:p>
+            <a:pPr algn="ctr"/>
+            <a:endParaRPr lang="fr-FR"/>
+          </a:p>
+        </p:txBody>
+      </p:sp>
+      <p:pic>
+        <p:nvPicPr>
+          <p:cNvPr id="1028" name="Picture 4" descr="GitHub Logo: valor, história, PNG">
+            <a:extLst>
+              <a:ext uri="{FF2B5EF4-FFF2-40B4-BE49-F238E27FC236}">
+                <a16:creationId xmlns:a16="http://schemas.microsoft.com/office/drawing/2014/main" id="{43B5F23B-1838-DDDB-97D6-25511A1DDB97}"/>
+              </a:ext>
+            </a:extLst>
+          </p:cNvPr>
+          <p:cNvPicPr>
+            <a:picLocks noChangeAspect="1" noChangeArrowheads="1"/>
+          </p:cNvPicPr>
+          <p:nvPr/>
+        </p:nvPicPr>
+        <p:blipFill rotWithShape="1">
+          <a:blip r:embed="rId9">
+            <a:extLst>
+              <a:ext uri="{28A0092B-C50C-407E-A947-70E740481C1C}">
+                <a14:useLocalDpi xmlns:a14="http://schemas.microsoft.com/office/drawing/2010/main" val="0"/>
+              </a:ext>
+            </a:extLst>
+          </a:blip>
+          <a:srcRect t="23592" b="23413"/>
+          <a:stretch/>
+        </p:blipFill>
+        <p:spPr bwMode="auto">
+          <a:xfrm>
+            <a:off x="5656899" y="1446836"/>
+            <a:ext cx="1565703" cy="466738"/>
+          </a:xfrm>
+          <a:prstGeom prst="rect">
+            <a:avLst/>
+          </a:prstGeom>
+          <a:noFill/>
+          <a:extLst>
+            <a:ext uri="{909E8E84-426E-40DD-AFC4-6F175D3DCCD1}">
+              <a14:hiddenFill xmlns:a14="http://schemas.microsoft.com/office/drawing/2010/main">
+                <a:solidFill>
+                  <a:srgbClr val="FFFFFF"/>
+                </a:solidFill>
+              </a14:hiddenFill>
+            </a:ext>
+          </a:extLst>
+        </p:spPr>
+      </p:pic>
+      <p:cxnSp>
+        <p:nvCxnSpPr>
+          <p:cNvPr id="18" name="Connecteur : en angle 17">
+            <a:extLst>
+              <a:ext uri="{FF2B5EF4-FFF2-40B4-BE49-F238E27FC236}">
+                <a16:creationId xmlns:a16="http://schemas.microsoft.com/office/drawing/2014/main" id="{2C6DE8ED-AF6B-3CD6-332D-EF6D3B28785B}"/>
+              </a:ext>
+            </a:extLst>
+          </p:cNvPr>
+          <p:cNvCxnSpPr/>
+          <p:nvPr/>
+        </p:nvCxnSpPr>
+        <p:spPr>
+          <a:xfrm rot="16200000" flipV="1">
+            <a:off x="5543224" y="2574380"/>
+            <a:ext cx="2261136" cy="939523"/>
+          </a:xfrm>
+          <a:prstGeom prst="bentConnector3">
+            <a:avLst>
+              <a:gd name="adj1" fmla="val -166"/>
+            </a:avLst>
+          </a:prstGeom>
+          <a:ln w="38100">
+            <a:solidFill>
+              <a:schemeClr val="accent3">
+                <a:lumMod val="40000"/>
+                <a:lumOff val="60000"/>
+              </a:schemeClr>
+            </a:solidFill>
+            <a:headEnd type="triangle"/>
+            <a:tailEnd type="triangle"/>
+          </a:ln>
+        </p:spPr>
+        <p:style>
+          <a:lnRef idx="2">
+            <a:schemeClr val="accent1"/>
+          </a:lnRef>
+          <a:fillRef idx="0">
+            <a:schemeClr val="accent1"/>
+          </a:fillRef>
+          <a:effectRef idx="1">
+            <a:schemeClr val="accent1"/>
+          </a:effectRef>
+          <a:fontRef idx="minor">
+            <a:schemeClr val="tx1"/>
+          </a:fontRef>
+        </p:style>
+      </p:cxnSp>
+      <p:sp>
+        <p:nvSpPr>
+          <p:cNvPr id="24" name="ZoneTexte 23">
+            <a:extLst>
+              <a:ext uri="{FF2B5EF4-FFF2-40B4-BE49-F238E27FC236}">
+                <a16:creationId xmlns:a16="http://schemas.microsoft.com/office/drawing/2014/main" id="{7754B256-AF6A-6022-3550-21D501FCB518}"/>
+              </a:ext>
+            </a:extLst>
+          </p:cNvPr>
+          <p:cNvSpPr txBox="1"/>
+          <p:nvPr/>
+        </p:nvSpPr>
+        <p:spPr>
+          <a:xfrm>
+            <a:off x="196111" y="2094136"/>
+            <a:ext cx="5277354" cy="861774"/>
+          </a:xfrm>
+          <a:prstGeom prst="rect">
+            <a:avLst/>
+          </a:prstGeom>
+          <a:noFill/>
+        </p:spPr>
+        <p:txBody>
+          <a:bodyPr wrap="square">
+            <a:spAutoFit/>
+          </a:bodyPr>
+          <a:lstStyle/>
+          <a:p>
+            <a:pPr marL="285750" indent="-285750" algn="just">
+              <a:buClr>
+                <a:srgbClr val="FF0000"/>
+              </a:buClr>
+              <a:buFont typeface="Wingdings" panose="05000000000000000000" pitchFamily="2" charset="2"/>
+              <a:buChar char="§"/>
+            </a:pPr>
+            <a:r>
+              <a:rPr lang="fr-FR" b="1" dirty="0">
+                <a:solidFill>
+                  <a:schemeClr val="bg1"/>
+                </a:solidFill>
+              </a:rPr>
+              <a:t>Ansible management Node </a:t>
+            </a:r>
+            <a:r>
+              <a:rPr lang="fr-FR" dirty="0">
+                <a:solidFill>
+                  <a:schemeClr val="bg1"/>
+                </a:solidFill>
+              </a:rPr>
+              <a:t>: </a:t>
+            </a:r>
+            <a:r>
+              <a:rPr lang="fr-FR" sz="1600" dirty="0">
+                <a:solidFill>
+                  <a:schemeClr val="bg1"/>
+                </a:solidFill>
+              </a:rPr>
+              <a:t>C'est la machine à partir de laquelle vous exécutez les commandes Ansible. </a:t>
+            </a:r>
+          </a:p>
+        </p:txBody>
+      </p:sp>
+      <p:sp>
+        <p:nvSpPr>
+          <p:cNvPr id="31" name="ZoneTexte 30">
+            <a:extLst>
+              <a:ext uri="{FF2B5EF4-FFF2-40B4-BE49-F238E27FC236}">
+                <a16:creationId xmlns:a16="http://schemas.microsoft.com/office/drawing/2014/main" id="{50ED634B-EB0C-E022-6778-53FE75FCB142}"/>
+              </a:ext>
+            </a:extLst>
+          </p:cNvPr>
+          <p:cNvSpPr txBox="1"/>
+          <p:nvPr/>
+        </p:nvSpPr>
+        <p:spPr>
+          <a:xfrm>
+            <a:off x="191547" y="3793533"/>
+            <a:ext cx="5281918" cy="615553"/>
+          </a:xfrm>
+          <a:prstGeom prst="rect">
+            <a:avLst/>
+          </a:prstGeom>
+          <a:noFill/>
+        </p:spPr>
+        <p:txBody>
+          <a:bodyPr wrap="square">
+            <a:spAutoFit/>
+          </a:bodyPr>
+          <a:lstStyle/>
+          <a:p>
+            <a:pPr marL="285750" indent="-285750" algn="just">
+              <a:buClr>
+                <a:srgbClr val="FF0000"/>
+              </a:buClr>
+              <a:buFont typeface="Wingdings" panose="05000000000000000000" pitchFamily="2" charset="2"/>
+              <a:buChar char="§"/>
+            </a:pPr>
+            <a:r>
+              <a:rPr lang="fr-FR" b="1" dirty="0">
+                <a:solidFill>
+                  <a:schemeClr val="bg1"/>
+                </a:solidFill>
+              </a:rPr>
+              <a:t>Inventaire : </a:t>
+            </a:r>
+            <a:r>
+              <a:rPr lang="fr-FR" sz="1600" dirty="0">
+                <a:solidFill>
+                  <a:schemeClr val="bg1"/>
+                </a:solidFill>
+              </a:rPr>
+              <a:t>est un fichier ou une configuration qui répertorie les hôtes sur lesquels Ansible peut agir. </a:t>
+            </a:r>
+          </a:p>
+        </p:txBody>
+      </p:sp>
+      <p:sp>
+        <p:nvSpPr>
+          <p:cNvPr id="34" name="ZoneTexte 33">
+            <a:extLst>
+              <a:ext uri="{FF2B5EF4-FFF2-40B4-BE49-F238E27FC236}">
+                <a16:creationId xmlns:a16="http://schemas.microsoft.com/office/drawing/2014/main" id="{96B87C46-5B64-3B6C-42EB-3685F7E93C4C}"/>
+              </a:ext>
+            </a:extLst>
+          </p:cNvPr>
+          <p:cNvSpPr txBox="1"/>
+          <p:nvPr/>
+        </p:nvSpPr>
+        <p:spPr>
+          <a:xfrm>
+            <a:off x="191547" y="2916272"/>
+            <a:ext cx="5281918" cy="861774"/>
+          </a:xfrm>
+          <a:prstGeom prst="rect">
+            <a:avLst/>
+          </a:prstGeom>
+          <a:noFill/>
+        </p:spPr>
+        <p:txBody>
+          <a:bodyPr wrap="square">
+            <a:spAutoFit/>
+          </a:bodyPr>
+          <a:lstStyle/>
+          <a:p>
+            <a:pPr marL="342900" indent="-342900" algn="just">
+              <a:buClr>
+                <a:srgbClr val="FF0000"/>
+              </a:buClr>
+              <a:buFont typeface="Wingdings" panose="05000000000000000000" pitchFamily="2" charset="2"/>
+              <a:buChar char="§"/>
+            </a:pPr>
+            <a:r>
+              <a:rPr lang="fr-FR" b="1" dirty="0" err="1">
+                <a:solidFill>
+                  <a:schemeClr val="bg1"/>
+                </a:solidFill>
+              </a:rPr>
+              <a:t>Playbooks</a:t>
+            </a:r>
+            <a:r>
+              <a:rPr lang="fr-FR" dirty="0">
+                <a:solidFill>
+                  <a:schemeClr val="bg1"/>
+                </a:solidFill>
+              </a:rPr>
+              <a:t> : </a:t>
+            </a:r>
+            <a:r>
+              <a:rPr lang="fr-FR" sz="1600" dirty="0">
+                <a:solidFill>
+                  <a:schemeClr val="bg1"/>
+                </a:solidFill>
+              </a:rPr>
+              <a:t>sont des fichiers YAML qui décrivent les tâches que Ansible doit exécuter sur les machines distantes. </a:t>
+            </a:r>
+          </a:p>
+        </p:txBody>
+      </p:sp>
+      <p:sp>
+        <p:nvSpPr>
+          <p:cNvPr id="36" name="ZoneTexte 35">
+            <a:extLst>
+              <a:ext uri="{FF2B5EF4-FFF2-40B4-BE49-F238E27FC236}">
+                <a16:creationId xmlns:a16="http://schemas.microsoft.com/office/drawing/2014/main" id="{2522563A-72E0-D6AC-A5CB-790FE3761FDF}"/>
+              </a:ext>
+            </a:extLst>
+          </p:cNvPr>
+          <p:cNvSpPr txBox="1"/>
+          <p:nvPr/>
+        </p:nvSpPr>
+        <p:spPr>
+          <a:xfrm>
+            <a:off x="227411" y="4473450"/>
+            <a:ext cx="5219701" cy="861774"/>
+          </a:xfrm>
+          <a:prstGeom prst="rect">
+            <a:avLst/>
+          </a:prstGeom>
+          <a:noFill/>
+        </p:spPr>
+        <p:txBody>
+          <a:bodyPr wrap="square">
+            <a:spAutoFit/>
+          </a:bodyPr>
+          <a:lstStyle/>
+          <a:p>
+            <a:pPr marL="285750" indent="-285750" algn="just">
+              <a:buClr>
+                <a:srgbClr val="FF0000"/>
+              </a:buClr>
+              <a:buFont typeface="Wingdings" panose="05000000000000000000" pitchFamily="2" charset="2"/>
+              <a:buChar char="§"/>
+            </a:pPr>
+            <a:r>
+              <a:rPr lang="fr-FR" b="1" dirty="0">
+                <a:solidFill>
+                  <a:schemeClr val="bg1"/>
+                </a:solidFill>
+              </a:rPr>
+              <a:t>Modules Ansible </a:t>
+            </a:r>
+            <a:r>
+              <a:rPr lang="fr-FR" dirty="0">
+                <a:solidFill>
+                  <a:schemeClr val="bg1"/>
+                </a:solidFill>
+              </a:rPr>
+              <a:t>: </a:t>
+            </a:r>
+            <a:r>
+              <a:rPr lang="fr-FR" sz="1600" dirty="0">
+                <a:solidFill>
+                  <a:schemeClr val="bg1"/>
+                </a:solidFill>
+              </a:rPr>
+              <a:t>sont des programmes écrits en Python qui effectuent des tâches spécifiques sur les machines distantes.</a:t>
+            </a:r>
+          </a:p>
+        </p:txBody>
+      </p:sp>
+      <p:sp>
+        <p:nvSpPr>
+          <p:cNvPr id="38" name="ZoneTexte 37">
+            <a:extLst>
+              <a:ext uri="{FF2B5EF4-FFF2-40B4-BE49-F238E27FC236}">
+                <a16:creationId xmlns:a16="http://schemas.microsoft.com/office/drawing/2014/main" id="{FAA6A0B2-78F1-B2AC-87B8-5653155F80E7}"/>
+              </a:ext>
+            </a:extLst>
+          </p:cNvPr>
+          <p:cNvSpPr txBox="1"/>
+          <p:nvPr/>
+        </p:nvSpPr>
+        <p:spPr>
+          <a:xfrm>
+            <a:off x="191547" y="5397018"/>
+            <a:ext cx="5200073" cy="1107996"/>
+          </a:xfrm>
+          <a:prstGeom prst="rect">
+            <a:avLst/>
+          </a:prstGeom>
+          <a:noFill/>
+        </p:spPr>
+        <p:txBody>
+          <a:bodyPr wrap="square">
+            <a:spAutoFit/>
+          </a:bodyPr>
+          <a:lstStyle/>
+          <a:p>
+            <a:pPr marL="285750" indent="-285750" algn="just">
+              <a:buClr>
+                <a:srgbClr val="FF0000"/>
+              </a:buClr>
+              <a:buFont typeface="Wingdings" panose="05000000000000000000" pitchFamily="2" charset="2"/>
+              <a:buChar char="§"/>
+            </a:pPr>
+            <a:r>
+              <a:rPr lang="fr-FR" b="1" dirty="0">
+                <a:solidFill>
+                  <a:schemeClr val="bg1"/>
+                </a:solidFill>
+              </a:rPr>
+              <a:t>Fichiers de configuration : </a:t>
+            </a:r>
+            <a:r>
+              <a:rPr lang="fr-FR" sz="1600" dirty="0">
+                <a:solidFill>
+                  <a:schemeClr val="bg1"/>
+                </a:solidFill>
+              </a:rPr>
+              <a:t>Ansible utilise des fichiers de configuration pour définir des options et des paramètres de fonctionnement, tels que le chemin vers l'inventaire, les clés SSH à utiliser.</a:t>
+            </a:r>
+          </a:p>
+        </p:txBody>
+      </p:sp>
+      <p:cxnSp>
+        <p:nvCxnSpPr>
+          <p:cNvPr id="40" name="Connecteur droit 39">
+            <a:extLst>
+              <a:ext uri="{FF2B5EF4-FFF2-40B4-BE49-F238E27FC236}">
+                <a16:creationId xmlns:a16="http://schemas.microsoft.com/office/drawing/2014/main" id="{F3C83C4A-71FB-E9D3-D25E-D11BB743A720}"/>
+              </a:ext>
+            </a:extLst>
+          </p:cNvPr>
+          <p:cNvCxnSpPr>
+            <a:cxnSpLocks/>
+            <a:endCxn id="38" idx="1"/>
+          </p:cNvCxnSpPr>
+          <p:nvPr/>
+        </p:nvCxnSpPr>
+        <p:spPr>
+          <a:xfrm>
+            <a:off x="191547" y="2301650"/>
+            <a:ext cx="0" cy="3649366"/>
+          </a:xfrm>
+          <a:prstGeom prst="line">
+            <a:avLst/>
+          </a:prstGeom>
+        </p:spPr>
+        <p:style>
+          <a:lnRef idx="2">
+            <a:schemeClr val="accent1"/>
+          </a:lnRef>
+          <a:fillRef idx="0">
+            <a:schemeClr val="accent1"/>
+          </a:fillRef>
+          <a:effectRef idx="1">
+            <a:schemeClr val="accent1"/>
+          </a:effectRef>
+          <a:fontRef idx="minor">
+            <a:schemeClr val="tx1"/>
+          </a:fontRef>
+        </p:style>
+      </p:cxnSp>
+      <p:sp>
+        <p:nvSpPr>
+          <p:cNvPr id="42" name="ZoneTexte 41">
+            <a:extLst>
+              <a:ext uri="{FF2B5EF4-FFF2-40B4-BE49-F238E27FC236}">
+                <a16:creationId xmlns:a16="http://schemas.microsoft.com/office/drawing/2014/main" id="{F9CA1480-3AB9-0898-A4A5-51D498587758}"/>
+              </a:ext>
+            </a:extLst>
+          </p:cNvPr>
+          <p:cNvSpPr txBox="1"/>
+          <p:nvPr/>
+        </p:nvSpPr>
+        <p:spPr>
+          <a:xfrm>
+            <a:off x="272006" y="1234754"/>
+            <a:ext cx="5340028" cy="707886"/>
+          </a:xfrm>
+          <a:prstGeom prst="rect">
+            <a:avLst/>
+          </a:prstGeom>
+          <a:solidFill>
+            <a:schemeClr val="tx1">
+              <a:lumMod val="75000"/>
+              <a:lumOff val="25000"/>
+            </a:schemeClr>
+          </a:solidFill>
+        </p:spPr>
+        <p:txBody>
+          <a:bodyPr wrap="square">
+            <a:spAutoFit/>
+          </a:bodyPr>
+          <a:lstStyle/>
+          <a:p>
+            <a:r>
+              <a:rPr lang="fr-FR" sz="2000" dirty="0">
+                <a:solidFill>
+                  <a:schemeClr val="bg1"/>
+                </a:solidFill>
+              </a:rPr>
+              <a:t>L'architecture d'Ansible est principalement basée sur un modèle </a:t>
+            </a:r>
+            <a:r>
+              <a:rPr lang="fr-FR" sz="2000" b="1" dirty="0">
+                <a:solidFill>
+                  <a:schemeClr val="bg1"/>
+                </a:solidFill>
+              </a:rPr>
+              <a:t>contrôleur-agent</a:t>
+            </a:r>
+            <a:r>
+              <a:rPr lang="fr-FR" sz="2000" dirty="0">
+                <a:solidFill>
+                  <a:schemeClr val="bg1"/>
+                </a:solidFill>
+              </a:rPr>
+              <a:t>, </a:t>
+            </a:r>
+          </a:p>
+        </p:txBody>
+      </p:sp>
+    </p:spTree>
+    <p:extLst>
+      <p:ext uri="{BB962C8B-B14F-4D97-AF65-F5344CB8AC3E}">
+        <p14:creationId xmlns:p14="http://schemas.microsoft.com/office/powerpoint/2010/main" val="3951446037"/>
+      </p:ext>
+    </p:extLst>
+  </p:cSld>
+  <p:clrMapOvr>
+    <a:masterClrMapping/>
+  </p:clrMapOvr>
+  <p:timing>
+    <p:tnLst>
+      <p:par>
+        <p:cTn id="1" dur="indefinite" restart="never" nodeType="tmRoot">
+          <p:childTnLst>
+            <p:seq concurrent="1" nextAc="seek">
+              <p:cTn id="2" dur="indefinite" nodeType="mainSeq">
+                <p:childTnLst>
+                  <p:par>
+                    <p:cTn id="3" fill="hold">
+                      <p:stCondLst>
+                        <p:cond delay="indefinite"/>
+                      </p:stCondLst>
+                      <p:childTnLst>
+                        <p:par>
+                          <p:cTn id="4" fill="hold">
+                            <p:stCondLst>
+                              <p:cond delay="0"/>
+                            </p:stCondLst>
+                            <p:childTnLst>
+                              <p:par>
+                                <p:cTn id="5" presetID="22" presetClass="entr" presetSubtype="8" fill="hold" grpId="0" nodeType="clickEffect">
+                                  <p:stCondLst>
+                                    <p:cond delay="0"/>
+                                  </p:stCondLst>
+                                  <p:childTnLst>
+                                    <p:set>
+                                      <p:cBhvr>
+                                        <p:cTn id="6" dur="1" fill="hold">
+                                          <p:stCondLst>
+                                            <p:cond delay="0"/>
+                                          </p:stCondLst>
+                                        </p:cTn>
+                                        <p:tgtEl>
+                                          <p:spTgt spid="24"/>
+                                        </p:tgtEl>
+                                        <p:attrNameLst>
+                                          <p:attrName>style.visibility</p:attrName>
+                                        </p:attrNameLst>
+                                      </p:cBhvr>
+                                      <p:to>
+                                        <p:strVal val="visible"/>
+                                      </p:to>
+                                    </p:set>
+                                    <p:animEffect transition="in" filter="wipe(left)">
+                                      <p:cBhvr>
+                                        <p:cTn id="7" dur="500"/>
+                                        <p:tgtEl>
+                                          <p:spTgt spid="24"/>
+                                        </p:tgtEl>
+                                      </p:cBhvr>
+                                    </p:animEffect>
+                                  </p:childTnLst>
+                                </p:cTn>
+                              </p:par>
+                            </p:childTnLst>
+                          </p:cTn>
+                        </p:par>
+                      </p:childTnLst>
+                    </p:cTn>
+                  </p:par>
+                  <p:par>
+                    <p:cTn id="8" fill="hold">
+                      <p:stCondLst>
+                        <p:cond delay="indefinite"/>
+                      </p:stCondLst>
+                      <p:childTnLst>
+                        <p:par>
+                          <p:cTn id="9" fill="hold">
+                            <p:stCondLst>
+                              <p:cond delay="0"/>
+                            </p:stCondLst>
+                            <p:childTnLst>
+                              <p:par>
+                                <p:cTn id="10" presetID="22" presetClass="entr" presetSubtype="8" fill="hold" grpId="0" nodeType="clickEffect">
+                                  <p:stCondLst>
+                                    <p:cond delay="0"/>
+                                  </p:stCondLst>
+                                  <p:childTnLst>
+                                    <p:set>
+                                      <p:cBhvr>
+                                        <p:cTn id="11" dur="1" fill="hold">
+                                          <p:stCondLst>
+                                            <p:cond delay="0"/>
+                                          </p:stCondLst>
+                                        </p:cTn>
+                                        <p:tgtEl>
+                                          <p:spTgt spid="34"/>
+                                        </p:tgtEl>
+                                        <p:attrNameLst>
+                                          <p:attrName>style.visibility</p:attrName>
+                                        </p:attrNameLst>
+                                      </p:cBhvr>
+                                      <p:to>
+                                        <p:strVal val="visible"/>
+                                      </p:to>
+                                    </p:set>
+                                    <p:animEffect transition="in" filter="wipe(left)">
+                                      <p:cBhvr>
+                                        <p:cTn id="12" dur="500"/>
+                                        <p:tgtEl>
+                                          <p:spTgt spid="34"/>
+                                        </p:tgtEl>
+                                      </p:cBhvr>
+                                    </p:animEffect>
+                                  </p:childTnLst>
+                                </p:cTn>
+                              </p:par>
+                            </p:childTnLst>
+                          </p:cTn>
+                        </p:par>
+                      </p:childTnLst>
+                    </p:cTn>
+                  </p:par>
+                  <p:par>
+                    <p:cTn id="13" fill="hold">
+                      <p:stCondLst>
+                        <p:cond delay="indefinite"/>
+                      </p:stCondLst>
+                      <p:childTnLst>
+                        <p:par>
+                          <p:cTn id="14" fill="hold">
+                            <p:stCondLst>
+                              <p:cond delay="0"/>
+                            </p:stCondLst>
+                            <p:childTnLst>
+                              <p:par>
+                                <p:cTn id="15" presetID="22" presetClass="entr" presetSubtype="8" fill="hold" grpId="0" nodeType="clickEffect">
+                                  <p:stCondLst>
+                                    <p:cond delay="0"/>
+                                  </p:stCondLst>
+                                  <p:childTnLst>
+                                    <p:set>
+                                      <p:cBhvr>
+                                        <p:cTn id="16" dur="1" fill="hold">
+                                          <p:stCondLst>
+                                            <p:cond delay="0"/>
+                                          </p:stCondLst>
+                                        </p:cTn>
+                                        <p:tgtEl>
+                                          <p:spTgt spid="31"/>
+                                        </p:tgtEl>
+                                        <p:attrNameLst>
+                                          <p:attrName>style.visibility</p:attrName>
+                                        </p:attrNameLst>
+                                      </p:cBhvr>
+                                      <p:to>
+                                        <p:strVal val="visible"/>
+                                      </p:to>
+                                    </p:set>
+                                    <p:animEffect transition="in" filter="wipe(left)">
+                                      <p:cBhvr>
+                                        <p:cTn id="17" dur="500"/>
+                                        <p:tgtEl>
+                                          <p:spTgt spid="31"/>
+                                        </p:tgtEl>
+                                      </p:cBhvr>
+                                    </p:animEffect>
+                                  </p:childTnLst>
+                                </p:cTn>
+                              </p:par>
+                            </p:childTnLst>
+                          </p:cTn>
+                        </p:par>
+                      </p:childTnLst>
+                    </p:cTn>
+                  </p:par>
+                  <p:par>
+                    <p:cTn id="18" fill="hold">
+                      <p:stCondLst>
+                        <p:cond delay="indefinite"/>
+                      </p:stCondLst>
+                      <p:childTnLst>
+                        <p:par>
+                          <p:cTn id="19" fill="hold">
+                            <p:stCondLst>
+                              <p:cond delay="0"/>
+                            </p:stCondLst>
+                            <p:childTnLst>
+                              <p:par>
+                                <p:cTn id="20" presetID="22" presetClass="entr" presetSubtype="8" fill="hold" grpId="0" nodeType="clickEffect">
+                                  <p:stCondLst>
+                                    <p:cond delay="0"/>
+                                  </p:stCondLst>
+                                  <p:childTnLst>
+                                    <p:set>
+                                      <p:cBhvr>
+                                        <p:cTn id="21" dur="1" fill="hold">
+                                          <p:stCondLst>
+                                            <p:cond delay="0"/>
+                                          </p:stCondLst>
+                                        </p:cTn>
+                                        <p:tgtEl>
+                                          <p:spTgt spid="36"/>
+                                        </p:tgtEl>
+                                        <p:attrNameLst>
+                                          <p:attrName>style.visibility</p:attrName>
+                                        </p:attrNameLst>
+                                      </p:cBhvr>
+                                      <p:to>
+                                        <p:strVal val="visible"/>
+                                      </p:to>
+                                    </p:set>
+                                    <p:animEffect transition="in" filter="wipe(left)">
+                                      <p:cBhvr>
+                                        <p:cTn id="22" dur="500"/>
+                                        <p:tgtEl>
+                                          <p:spTgt spid="36"/>
+                                        </p:tgtEl>
+                                      </p:cBhvr>
+                                    </p:animEffect>
+                                  </p:childTnLst>
+                                </p:cTn>
+                              </p:par>
+                            </p:childTnLst>
+                          </p:cTn>
+                        </p:par>
+                      </p:childTnLst>
+                    </p:cTn>
+                  </p:par>
+                  <p:par>
+                    <p:cTn id="23" fill="hold">
+                      <p:stCondLst>
+                        <p:cond delay="indefinite"/>
+                      </p:stCondLst>
+                      <p:childTnLst>
+                        <p:par>
+                          <p:cTn id="24" fill="hold">
+                            <p:stCondLst>
+                              <p:cond delay="0"/>
+                            </p:stCondLst>
+                            <p:childTnLst>
+                              <p:par>
+                                <p:cTn id="25" presetID="22" presetClass="entr" presetSubtype="8" fill="hold" grpId="0" nodeType="clickEffect">
+                                  <p:stCondLst>
+                                    <p:cond delay="0"/>
+                                  </p:stCondLst>
+                                  <p:childTnLst>
+                                    <p:set>
+                                      <p:cBhvr>
+                                        <p:cTn id="26" dur="1" fill="hold">
+                                          <p:stCondLst>
+                                            <p:cond delay="0"/>
+                                          </p:stCondLst>
+                                        </p:cTn>
+                                        <p:tgtEl>
+                                          <p:spTgt spid="38"/>
+                                        </p:tgtEl>
+                                        <p:attrNameLst>
+                                          <p:attrName>style.visibility</p:attrName>
+                                        </p:attrNameLst>
+                                      </p:cBhvr>
+                                      <p:to>
+                                        <p:strVal val="visible"/>
+                                      </p:to>
+                                    </p:set>
+                                    <p:animEffect transition="in" filter="wipe(left)">
+                                      <p:cBhvr>
+                                        <p:cTn id="27" dur="500"/>
+                                        <p:tgtEl>
+                                          <p:spTgt spid="38"/>
+                                        </p:tgtEl>
+                                      </p:cBhvr>
+                                    </p:animEffect>
+                                  </p:childTnLst>
+                                </p:cTn>
+                              </p:par>
+                            </p:childTnLst>
+                          </p:cTn>
+                        </p:par>
+                      </p:childTnLst>
+                    </p:cTn>
+                  </p:par>
+                </p:childTnLst>
+              </p:cTn>
+              <p:prevCondLst>
+                <p:cond evt="onPrev" delay="0">
+                  <p:tgtEl>
+                    <p:sldTgt/>
+                  </p:tgtEl>
+                </p:cond>
+              </p:prevCondLst>
+              <p:nextCondLst>
+                <p:cond evt="onNext" delay="0">
+                  <p:tgtEl>
+                    <p:sldTgt/>
+                  </p:tgtEl>
+                </p:cond>
+              </p:nextCondLst>
+            </p:seq>
+          </p:childTnLst>
+        </p:cTn>
+      </p:par>
+    </p:tnLst>
+    <p:bldLst>
+      <p:bldP spid="24" grpId="0"/>
+      <p:bldP spid="31" grpId="0"/>
+      <p:bldP spid="34" grpId="0"/>
+      <p:bldP spid="36" grpId="0"/>
+      <p:bldP spid="38" grpId="0"/>
+    </p:bldLst>
+  </p:timing>
+</p:sld>
+</file>
+
+<file path=ppt/slides/slide15.xml><?xml version="1.0" encoding="utf-8"?>
+<p:sld xmlns:a="http://schemas.openxmlformats.org/drawingml/2006/main" xmlns:r="http://schemas.openxmlformats.org/officeDocument/2006/relationships" xmlns:p="http://schemas.openxmlformats.org/presentationml/2006/main">
+  <p:cSld>
+    <p:bg>
+      <p:bgPr>
+        <a:solidFill>
+          <a:schemeClr val="tx1"/>
+        </a:solidFill>
+        <a:effectLst/>
+      </p:bgPr>
+    </p:bg>
+    <p:spTree>
+      <p:nvGrpSpPr>
+        <p:cNvPr id="1" name=""/>
+        <p:cNvGrpSpPr/>
+        <p:nvPr/>
+      </p:nvGrpSpPr>
+      <p:grpSpPr>
+        <a:xfrm>
+          <a:off x="0" y="0"/>
+          <a:ext cx="0" cy="0"/>
+          <a:chOff x="0" y="0"/>
+          <a:chExt cx="0" cy="0"/>
+        </a:xfrm>
+      </p:grpSpPr>
+      <p:sp>
+        <p:nvSpPr>
+          <p:cNvPr id="5" name="Rectangle 4">
+            <a:extLst>
+              <a:ext uri="{FF2B5EF4-FFF2-40B4-BE49-F238E27FC236}">
+                <a16:creationId xmlns:a16="http://schemas.microsoft.com/office/drawing/2014/main" id="{A3C93801-4E41-FAA0-D55A-0FDDE0FCB4F4}"/>
+              </a:ext>
+            </a:extLst>
+          </p:cNvPr>
+          <p:cNvSpPr/>
+          <p:nvPr/>
+        </p:nvSpPr>
+        <p:spPr>
+          <a:xfrm>
+            <a:off x="121920" y="158497"/>
+            <a:ext cx="11923776" cy="794004"/>
+          </a:xfrm>
+          <a:prstGeom prst="rect">
+            <a:avLst/>
+          </a:prstGeom>
+          <a:noFill/>
+          <a:ln>
+            <a:solidFill>
+              <a:schemeClr val="tx2">
+                <a:lumMod val="25000"/>
+                <a:lumOff val="75000"/>
+              </a:schemeClr>
+            </a:solidFill>
+          </a:ln>
+        </p:spPr>
+        <p:style>
+          <a:lnRef idx="2">
+            <a:schemeClr val="accent1">
+              <a:shade val="15000"/>
+            </a:schemeClr>
+          </a:lnRef>
+          <a:fillRef idx="1">
+            <a:schemeClr val="accent1"/>
+          </a:fillRef>
+          <a:effectRef idx="0">
+            <a:schemeClr val="accent1"/>
+          </a:effectRef>
+          <a:fontRef idx="minor">
+            <a:schemeClr val="lt1"/>
+          </a:fontRef>
+        </p:style>
+        <p:txBody>
+          <a:bodyPr rtlCol="0" anchor="ctr"/>
+          <a:lstStyle/>
+          <a:p>
+            <a:pPr algn="ctr"/>
+            <a:endParaRPr lang="fr-FR"/>
+          </a:p>
+        </p:txBody>
+      </p:sp>
+      <p:sp>
+        <p:nvSpPr>
+          <p:cNvPr id="6" name="Rectangle 5">
+            <a:extLst>
+              <a:ext uri="{FF2B5EF4-FFF2-40B4-BE49-F238E27FC236}">
+                <a16:creationId xmlns:a16="http://schemas.microsoft.com/office/drawing/2014/main" id="{F7F463C6-9F15-D3A0-27D6-89A3698B4C72}"/>
+              </a:ext>
+            </a:extLst>
+          </p:cNvPr>
+          <p:cNvSpPr/>
+          <p:nvPr/>
+        </p:nvSpPr>
+        <p:spPr>
+          <a:xfrm>
+            <a:off x="121920" y="1081230"/>
+            <a:ext cx="11923776" cy="5656373"/>
+          </a:xfrm>
+          <a:prstGeom prst="rect">
+            <a:avLst/>
+          </a:prstGeom>
+          <a:noFill/>
+          <a:ln>
+            <a:solidFill>
+              <a:schemeClr val="tx2">
+                <a:lumMod val="25000"/>
+                <a:lumOff val="75000"/>
+              </a:schemeClr>
+            </a:solidFill>
+          </a:ln>
+        </p:spPr>
+        <p:style>
+          <a:lnRef idx="2">
+            <a:schemeClr val="accent1">
+              <a:shade val="15000"/>
+            </a:schemeClr>
+          </a:lnRef>
+          <a:fillRef idx="1">
+            <a:schemeClr val="accent1"/>
+          </a:fillRef>
+          <a:effectRef idx="0">
+            <a:schemeClr val="accent1"/>
+          </a:effectRef>
+          <a:fontRef idx="minor">
+            <a:schemeClr val="lt1"/>
+          </a:fontRef>
+        </p:style>
+        <p:txBody>
+          <a:bodyPr rtlCol="0" anchor="ctr"/>
+          <a:lstStyle/>
+          <a:p>
+            <a:pPr algn="ctr"/>
+            <a:endParaRPr lang="fr-FR"/>
+          </a:p>
+        </p:txBody>
+      </p:sp>
+      <p:sp>
+        <p:nvSpPr>
+          <p:cNvPr id="9" name="ZoneTexte 8">
+            <a:extLst>
+              <a:ext uri="{FF2B5EF4-FFF2-40B4-BE49-F238E27FC236}">
+                <a16:creationId xmlns:a16="http://schemas.microsoft.com/office/drawing/2014/main" id="{08638F46-9CDF-0831-70AB-2C5D03CF520D}"/>
+              </a:ext>
+            </a:extLst>
+          </p:cNvPr>
+          <p:cNvSpPr txBox="1"/>
+          <p:nvPr/>
+        </p:nvSpPr>
+        <p:spPr>
+          <a:xfrm>
+            <a:off x="698499" y="386222"/>
+            <a:ext cx="7656269" cy="400110"/>
+          </a:xfrm>
+          <a:prstGeom prst="rect">
+            <a:avLst/>
+          </a:prstGeom>
+          <a:noFill/>
+        </p:spPr>
+        <p:txBody>
+          <a:bodyPr wrap="square">
+            <a:spAutoFit/>
+          </a:bodyPr>
+          <a:lstStyle/>
+          <a:p>
+            <a:pPr>
+              <a:buClr>
+                <a:srgbClr val="FF0000"/>
+              </a:buClr>
+            </a:pPr>
+            <a:r>
+              <a:rPr lang="fr-FR" sz="2000" dirty="0">
+                <a:solidFill>
+                  <a:schemeClr val="bg1"/>
+                </a:solidFill>
+                <a:effectLst/>
+                <a:latin typeface="Arial Black" panose="020B0A04020102020204" pitchFamily="34" charset="0"/>
+                <a:ea typeface="Calibri" panose="020F0502020204030204" pitchFamily="34" charset="0"/>
+                <a:cs typeface="Calibri" panose="020F0502020204030204" pitchFamily="34" charset="0"/>
+              </a:rPr>
+              <a:t>Infrastructures Ansible : </a:t>
+            </a:r>
+            <a:r>
+              <a:rPr lang="fr-FR" sz="2000" dirty="0">
+                <a:solidFill>
+                  <a:srgbClr val="FFFF00"/>
+                </a:solidFill>
+                <a:effectLst/>
+                <a:latin typeface="Arial Black" panose="020B0A04020102020204" pitchFamily="34" charset="0"/>
+                <a:ea typeface="Calibri" panose="020F0502020204030204" pitchFamily="34" charset="0"/>
+                <a:cs typeface="Calibri" panose="020F0502020204030204" pitchFamily="34" charset="0"/>
+              </a:rPr>
+              <a:t>C</a:t>
+            </a:r>
+            <a:r>
+              <a:rPr lang="fr-FR" sz="2000" dirty="0">
+                <a:solidFill>
+                  <a:srgbClr val="FFFF00"/>
+                </a:solidFill>
+                <a:latin typeface="Arial Black" panose="020B0A04020102020204" pitchFamily="34" charset="0"/>
+                <a:ea typeface="Calibri" panose="020F0502020204030204" pitchFamily="34" charset="0"/>
+                <a:cs typeface="Calibri" panose="020F0502020204030204" pitchFamily="34" charset="0"/>
+              </a:rPr>
+              <a:t>aractéristiques</a:t>
             </a:r>
             <a:endParaRPr lang="fr-FR" sz="2000" dirty="0">
               <a:solidFill>
@@ -18973,7 +21584,7 @@
                   </a:schemeClr>
                 </a:solidFill>
               </a:rPr>
-              <a:t>14</a:t>
+              <a:t>15</a:t>
             </a:fld>
             <a:endParaRPr lang="fr-FR" b="1" dirty="0">
               <a:solidFill>
@@ -19037,10 +21648,2022 @@
           </p:pic>
         </mc:Fallback>
       </mc:AlternateContent>
+      <p:grpSp>
+        <p:nvGrpSpPr>
+          <p:cNvPr id="16" name="Groupe 15">
+            <a:extLst>
+              <a:ext uri="{FF2B5EF4-FFF2-40B4-BE49-F238E27FC236}">
+                <a16:creationId xmlns:a16="http://schemas.microsoft.com/office/drawing/2014/main" id="{08C73EBC-C07D-B5F4-5FC2-9A4AB9DD18C7}"/>
+              </a:ext>
+            </a:extLst>
+          </p:cNvPr>
+          <p:cNvGrpSpPr/>
+          <p:nvPr/>
+        </p:nvGrpSpPr>
+        <p:grpSpPr>
+          <a:xfrm>
+            <a:off x="5612035" y="1211268"/>
+            <a:ext cx="6185314" cy="5080718"/>
+            <a:chOff x="5612035" y="1211268"/>
+            <a:chExt cx="6185314" cy="5080718"/>
+          </a:xfrm>
+        </p:grpSpPr>
+        <p:pic>
+          <p:nvPicPr>
+            <p:cNvPr id="1026" name="Picture 2" descr="انسیبل (Ansible) چیست و چه کاربردی دارد؟">
+              <a:extLst>
+                <a:ext uri="{FF2B5EF4-FFF2-40B4-BE49-F238E27FC236}">
+                  <a16:creationId xmlns:a16="http://schemas.microsoft.com/office/drawing/2014/main" id="{D1904C10-FBDD-D9C0-8A00-1601A13D47B9}"/>
+                </a:ext>
+              </a:extLst>
+            </p:cNvPr>
+            <p:cNvPicPr>
+              <a:picLocks noChangeAspect="1" noChangeArrowheads="1"/>
+            </p:cNvPicPr>
+            <p:nvPr/>
+          </p:nvPicPr>
+          <p:blipFill>
+            <a:blip r:embed="rId8">
+              <a:extLst>
+                <a:ext uri="{28A0092B-C50C-407E-A947-70E740481C1C}">
+                  <a14:useLocalDpi xmlns:a14="http://schemas.microsoft.com/office/drawing/2010/main" val="0"/>
+                </a:ext>
+              </a:extLst>
+            </a:blip>
+            <a:srcRect/>
+            <a:stretch>
+              <a:fillRect/>
+            </a:stretch>
+          </p:blipFill>
+          <p:spPr bwMode="auto">
+            <a:xfrm>
+              <a:off x="7143553" y="1211268"/>
+              <a:ext cx="4653796" cy="5080718"/>
+            </a:xfrm>
+            <a:prstGeom prst="rect">
+              <a:avLst/>
+            </a:prstGeom>
+            <a:noFill/>
+            <a:extLst>
+              <a:ext uri="{909E8E84-426E-40DD-AFC4-6F175D3DCCD1}">
+                <a14:hiddenFill xmlns:a14="http://schemas.microsoft.com/office/drawing/2010/main">
+                  <a:solidFill>
+                    <a:srgbClr val="FFFFFF"/>
+                  </a:solidFill>
+                </a14:hiddenFill>
+              </a:ext>
+            </a:extLst>
+          </p:spPr>
+        </p:pic>
+        <p:sp>
+          <p:nvSpPr>
+            <p:cNvPr id="15" name="Rectangle 14">
+              <a:extLst>
+                <a:ext uri="{FF2B5EF4-FFF2-40B4-BE49-F238E27FC236}">
+                  <a16:creationId xmlns:a16="http://schemas.microsoft.com/office/drawing/2014/main" id="{0F8D815B-D8B8-540C-D1F1-7A1FAECF0676}"/>
+                </a:ext>
+              </a:extLst>
+            </p:cNvPr>
+            <p:cNvSpPr/>
+            <p:nvPr/>
+          </p:nvSpPr>
+          <p:spPr>
+            <a:xfrm>
+              <a:off x="5612035" y="1211268"/>
+              <a:ext cx="1531518" cy="5080718"/>
+            </a:xfrm>
+            <a:prstGeom prst="rect">
+              <a:avLst/>
+            </a:prstGeom>
+            <a:solidFill>
+              <a:schemeClr val="bg1"/>
+            </a:solidFill>
+            <a:ln>
+              <a:noFill/>
+            </a:ln>
+          </p:spPr>
+          <p:style>
+            <a:lnRef idx="2">
+              <a:schemeClr val="accent1">
+                <a:shade val="15000"/>
+              </a:schemeClr>
+            </a:lnRef>
+            <a:fillRef idx="1">
+              <a:schemeClr val="accent1"/>
+            </a:fillRef>
+            <a:effectRef idx="0">
+              <a:schemeClr val="accent1"/>
+            </a:effectRef>
+            <a:fontRef idx="minor">
+              <a:schemeClr val="lt1"/>
+            </a:fontRef>
+          </p:style>
+          <p:txBody>
+            <a:bodyPr rtlCol="0" anchor="ctr"/>
+            <a:lstStyle/>
+            <a:p>
+              <a:pPr algn="ctr"/>
+              <a:endParaRPr lang="fr-FR"/>
+            </a:p>
+          </p:txBody>
+        </p:sp>
+      </p:grpSp>
+      <p:sp>
+        <p:nvSpPr>
+          <p:cNvPr id="11" name="Rectangle 10">
+            <a:extLst>
+              <a:ext uri="{FF2B5EF4-FFF2-40B4-BE49-F238E27FC236}">
+                <a16:creationId xmlns:a16="http://schemas.microsoft.com/office/drawing/2014/main" id="{CAFACCA5-E010-A995-B050-ACFC00B8201C}"/>
+              </a:ext>
+            </a:extLst>
+          </p:cNvPr>
+          <p:cNvSpPr/>
+          <p:nvPr/>
+        </p:nvSpPr>
+        <p:spPr>
+          <a:xfrm>
+            <a:off x="7143552" y="3565003"/>
+            <a:ext cx="2509733" cy="1076445"/>
+          </a:xfrm>
+          <a:prstGeom prst="rect">
+            <a:avLst/>
+          </a:prstGeom>
+          <a:noFill/>
+          <a:ln>
+            <a:solidFill>
+              <a:srgbClr val="FF0000"/>
+            </a:solidFill>
+            <a:prstDash val="lgDash"/>
+          </a:ln>
+        </p:spPr>
+        <p:style>
+          <a:lnRef idx="2">
+            <a:schemeClr val="accent1">
+              <a:shade val="15000"/>
+            </a:schemeClr>
+          </a:lnRef>
+          <a:fillRef idx="1">
+            <a:schemeClr val="accent1"/>
+          </a:fillRef>
+          <a:effectRef idx="0">
+            <a:schemeClr val="accent1"/>
+          </a:effectRef>
+          <a:fontRef idx="minor">
+            <a:schemeClr val="lt1"/>
+          </a:fontRef>
+        </p:style>
+        <p:txBody>
+          <a:bodyPr rtlCol="0" anchor="ctr"/>
+          <a:lstStyle/>
+          <a:p>
+            <a:pPr algn="ctr"/>
+            <a:endParaRPr lang="fr-FR"/>
+          </a:p>
+        </p:txBody>
+      </p:sp>
+      <p:pic>
+        <p:nvPicPr>
+          <p:cNvPr id="1028" name="Picture 4" descr="GitHub Logo: valor, história, PNG">
+            <a:extLst>
+              <a:ext uri="{FF2B5EF4-FFF2-40B4-BE49-F238E27FC236}">
+                <a16:creationId xmlns:a16="http://schemas.microsoft.com/office/drawing/2014/main" id="{43B5F23B-1838-DDDB-97D6-25511A1DDB97}"/>
+              </a:ext>
+            </a:extLst>
+          </p:cNvPr>
+          <p:cNvPicPr>
+            <a:picLocks noChangeAspect="1" noChangeArrowheads="1"/>
+          </p:cNvPicPr>
+          <p:nvPr/>
+        </p:nvPicPr>
+        <p:blipFill rotWithShape="1">
+          <a:blip r:embed="rId9">
+            <a:extLst>
+              <a:ext uri="{28A0092B-C50C-407E-A947-70E740481C1C}">
+                <a14:useLocalDpi xmlns:a14="http://schemas.microsoft.com/office/drawing/2010/main" val="0"/>
+              </a:ext>
+            </a:extLst>
+          </a:blip>
+          <a:srcRect t="23592" b="23413"/>
+          <a:stretch/>
+        </p:blipFill>
+        <p:spPr bwMode="auto">
+          <a:xfrm>
+            <a:off x="5656899" y="1446836"/>
+            <a:ext cx="1565703" cy="466738"/>
+          </a:xfrm>
+          <a:prstGeom prst="rect">
+            <a:avLst/>
+          </a:prstGeom>
+          <a:noFill/>
+          <a:extLst>
+            <a:ext uri="{909E8E84-426E-40DD-AFC4-6F175D3DCCD1}">
+              <a14:hiddenFill xmlns:a14="http://schemas.microsoft.com/office/drawing/2010/main">
+                <a:solidFill>
+                  <a:srgbClr val="FFFFFF"/>
+                </a:solidFill>
+              </a14:hiddenFill>
+            </a:ext>
+          </a:extLst>
+        </p:spPr>
+      </p:pic>
+      <p:cxnSp>
+        <p:nvCxnSpPr>
+          <p:cNvPr id="18" name="Connecteur : en angle 17">
+            <a:extLst>
+              <a:ext uri="{FF2B5EF4-FFF2-40B4-BE49-F238E27FC236}">
+                <a16:creationId xmlns:a16="http://schemas.microsoft.com/office/drawing/2014/main" id="{2C6DE8ED-AF6B-3CD6-332D-EF6D3B28785B}"/>
+              </a:ext>
+            </a:extLst>
+          </p:cNvPr>
+          <p:cNvCxnSpPr/>
+          <p:nvPr/>
+        </p:nvCxnSpPr>
+        <p:spPr>
+          <a:xfrm rot="16200000" flipV="1">
+            <a:off x="5543224" y="2574380"/>
+            <a:ext cx="2261136" cy="939523"/>
+          </a:xfrm>
+          <a:prstGeom prst="bentConnector3">
+            <a:avLst>
+              <a:gd name="adj1" fmla="val -166"/>
+            </a:avLst>
+          </a:prstGeom>
+          <a:ln w="38100">
+            <a:solidFill>
+              <a:schemeClr val="accent3">
+                <a:lumMod val="40000"/>
+                <a:lumOff val="60000"/>
+              </a:schemeClr>
+            </a:solidFill>
+            <a:headEnd type="triangle"/>
+            <a:tailEnd type="triangle"/>
+          </a:ln>
+        </p:spPr>
+        <p:style>
+          <a:lnRef idx="2">
+            <a:schemeClr val="accent1"/>
+          </a:lnRef>
+          <a:fillRef idx="0">
+            <a:schemeClr val="accent1"/>
+          </a:fillRef>
+          <a:effectRef idx="1">
+            <a:schemeClr val="accent1"/>
+          </a:effectRef>
+          <a:fontRef idx="minor">
+            <a:schemeClr val="tx1"/>
+          </a:fontRef>
+        </p:style>
+      </p:cxnSp>
+      <p:sp>
+        <p:nvSpPr>
+          <p:cNvPr id="22" name="ZoneTexte 21">
+            <a:extLst>
+              <a:ext uri="{FF2B5EF4-FFF2-40B4-BE49-F238E27FC236}">
+                <a16:creationId xmlns:a16="http://schemas.microsoft.com/office/drawing/2014/main" id="{990CB09C-F9EB-D44A-F5CE-3AD450E2780D}"/>
+              </a:ext>
+            </a:extLst>
+          </p:cNvPr>
+          <p:cNvSpPr txBox="1"/>
+          <p:nvPr/>
+        </p:nvSpPr>
+        <p:spPr>
+          <a:xfrm>
+            <a:off x="254187" y="1262618"/>
+            <a:ext cx="5323664" cy="646331"/>
+          </a:xfrm>
+          <a:prstGeom prst="rect">
+            <a:avLst/>
+          </a:prstGeom>
+          <a:solidFill>
+            <a:schemeClr val="tx1">
+              <a:lumMod val="85000"/>
+              <a:lumOff val="15000"/>
+            </a:schemeClr>
+          </a:solidFill>
+        </p:spPr>
+        <p:txBody>
+          <a:bodyPr wrap="square">
+            <a:spAutoFit/>
+          </a:bodyPr>
+          <a:lstStyle/>
+          <a:p>
+            <a:pPr marL="285750" indent="-285750" algn="just">
+              <a:buClr>
+                <a:srgbClr val="FF0000"/>
+              </a:buClr>
+              <a:buFont typeface="Wingdings" panose="05000000000000000000" pitchFamily="2" charset="2"/>
+              <a:buChar char="§"/>
+            </a:pPr>
+            <a:r>
+              <a:rPr lang="fr-FR" b="1" dirty="0" err="1">
+                <a:solidFill>
+                  <a:schemeClr val="bg1"/>
+                </a:solidFill>
+              </a:rPr>
+              <a:t>Agentless</a:t>
+            </a:r>
+            <a:r>
+              <a:rPr lang="fr-FR" b="1" dirty="0">
+                <a:solidFill>
+                  <a:schemeClr val="bg1"/>
+                </a:solidFill>
+              </a:rPr>
+              <a:t>  : </a:t>
+            </a:r>
+            <a:r>
+              <a:rPr lang="fr-FR" dirty="0">
+                <a:solidFill>
+                  <a:schemeClr val="bg1"/>
+                </a:solidFill>
+              </a:rPr>
+              <a:t>L'architecture d'Ansible est principalement basée sur un modèle .</a:t>
+            </a:r>
+          </a:p>
+        </p:txBody>
+      </p:sp>
+      <p:cxnSp>
+        <p:nvCxnSpPr>
+          <p:cNvPr id="40" name="Connecteur droit 39">
+            <a:extLst>
+              <a:ext uri="{FF2B5EF4-FFF2-40B4-BE49-F238E27FC236}">
+                <a16:creationId xmlns:a16="http://schemas.microsoft.com/office/drawing/2014/main" id="{F3C83C4A-71FB-E9D3-D25E-D11BB743A720}"/>
+              </a:ext>
+            </a:extLst>
+          </p:cNvPr>
+          <p:cNvCxnSpPr>
+            <a:cxnSpLocks/>
+          </p:cNvCxnSpPr>
+          <p:nvPr/>
+        </p:nvCxnSpPr>
+        <p:spPr>
+          <a:xfrm>
+            <a:off x="191547" y="2301650"/>
+            <a:ext cx="0" cy="3649366"/>
+          </a:xfrm>
+          <a:prstGeom prst="line">
+            <a:avLst/>
+          </a:prstGeom>
+        </p:spPr>
+        <p:style>
+          <a:lnRef idx="2">
+            <a:schemeClr val="accent1"/>
+          </a:lnRef>
+          <a:fillRef idx="0">
+            <a:schemeClr val="accent1"/>
+          </a:fillRef>
+          <a:effectRef idx="1">
+            <a:schemeClr val="accent1"/>
+          </a:effectRef>
+          <a:fontRef idx="minor">
+            <a:schemeClr val="tx1"/>
+          </a:fontRef>
+        </p:style>
+      </p:cxnSp>
+      <p:sp>
+        <p:nvSpPr>
+          <p:cNvPr id="4" name="ZoneTexte 3">
+            <a:extLst>
+              <a:ext uri="{FF2B5EF4-FFF2-40B4-BE49-F238E27FC236}">
+                <a16:creationId xmlns:a16="http://schemas.microsoft.com/office/drawing/2014/main" id="{28EE6610-9316-7C1D-B23F-4248CA10F5E1}"/>
+              </a:ext>
+            </a:extLst>
+          </p:cNvPr>
+          <p:cNvSpPr txBox="1"/>
+          <p:nvPr/>
+        </p:nvSpPr>
+        <p:spPr>
+          <a:xfrm>
+            <a:off x="227411" y="1954179"/>
+            <a:ext cx="5287792" cy="1477328"/>
+          </a:xfrm>
+          <a:prstGeom prst="rect">
+            <a:avLst/>
+          </a:prstGeom>
+          <a:noFill/>
+        </p:spPr>
+        <p:txBody>
+          <a:bodyPr wrap="square">
+            <a:spAutoFit/>
+          </a:bodyPr>
+          <a:lstStyle/>
+          <a:p>
+            <a:pPr marL="285750" indent="-285750" algn="just">
+              <a:buClr>
+                <a:srgbClr val="FF0000"/>
+              </a:buClr>
+              <a:buFont typeface="Wingdings" panose="05000000000000000000" pitchFamily="2" charset="2"/>
+              <a:buChar char="§"/>
+            </a:pPr>
+            <a:r>
+              <a:rPr lang="fr-FR" b="1" dirty="0">
+                <a:solidFill>
+                  <a:schemeClr val="bg1"/>
+                </a:solidFill>
+              </a:rPr>
+              <a:t>Infrastructure as Code : </a:t>
+            </a:r>
+            <a:r>
+              <a:rPr lang="fr-FR" dirty="0">
+                <a:solidFill>
+                  <a:schemeClr val="bg1"/>
+                </a:solidFill>
+              </a:rPr>
+              <a:t>Ansible adopte le paradigme d'Infrastructure as Code (</a:t>
+            </a:r>
+            <a:r>
+              <a:rPr lang="fr-FR" dirty="0" err="1">
+                <a:solidFill>
+                  <a:schemeClr val="bg1"/>
+                </a:solidFill>
+              </a:rPr>
+              <a:t>IaC</a:t>
+            </a:r>
+            <a:r>
+              <a:rPr lang="fr-FR" dirty="0">
+                <a:solidFill>
+                  <a:schemeClr val="bg1"/>
+                </a:solidFill>
+              </a:rPr>
+              <a:t>), ce qui permet de décrire toute l'infrastructure d'un environnement informatique dans des fichiers texte, appelés </a:t>
+            </a:r>
+            <a:r>
+              <a:rPr lang="fr-FR" dirty="0" err="1">
+                <a:solidFill>
+                  <a:schemeClr val="bg1"/>
+                </a:solidFill>
+              </a:rPr>
+              <a:t>playbooks</a:t>
+            </a:r>
+            <a:r>
+              <a:rPr lang="fr-FR" dirty="0">
+                <a:solidFill>
+                  <a:schemeClr val="bg1"/>
+                </a:solidFill>
+              </a:rPr>
+              <a:t>, </a:t>
+            </a:r>
+          </a:p>
+        </p:txBody>
+      </p:sp>
+      <p:sp>
+        <p:nvSpPr>
+          <p:cNvPr id="8" name="ZoneTexte 7">
+            <a:extLst>
+              <a:ext uri="{FF2B5EF4-FFF2-40B4-BE49-F238E27FC236}">
+                <a16:creationId xmlns:a16="http://schemas.microsoft.com/office/drawing/2014/main" id="{B395B13E-8DBF-0556-1E2A-093788D91926}"/>
+              </a:ext>
+            </a:extLst>
+          </p:cNvPr>
+          <p:cNvSpPr txBox="1"/>
+          <p:nvPr/>
+        </p:nvSpPr>
+        <p:spPr>
+          <a:xfrm>
+            <a:off x="206466" y="3444056"/>
+            <a:ext cx="5323661" cy="1200329"/>
+          </a:xfrm>
+          <a:prstGeom prst="rect">
+            <a:avLst/>
+          </a:prstGeom>
+          <a:noFill/>
+        </p:spPr>
+        <p:txBody>
+          <a:bodyPr wrap="square">
+            <a:spAutoFit/>
+          </a:bodyPr>
+          <a:lstStyle/>
+          <a:p>
+            <a:pPr marL="285750" indent="-285750" algn="just">
+              <a:buClr>
+                <a:srgbClr val="FF0000"/>
+              </a:buClr>
+              <a:buFont typeface="Wingdings" panose="05000000000000000000" pitchFamily="2" charset="2"/>
+              <a:buChar char="§"/>
+            </a:pPr>
+            <a:r>
+              <a:rPr lang="fr-FR" b="1" dirty="0">
+                <a:solidFill>
+                  <a:schemeClr val="bg1"/>
+                </a:solidFill>
+              </a:rPr>
+              <a:t>Déclaratif :</a:t>
+            </a:r>
+            <a:r>
+              <a:rPr lang="fr-FR" dirty="0">
+                <a:solidFill>
+                  <a:schemeClr val="bg1"/>
+                </a:solidFill>
+              </a:rPr>
+              <a:t> Ansible utilise une approche déclarative pour décrire l'état souhaité du système plutôt que d'écrire des scripts impératifs. </a:t>
+            </a:r>
+          </a:p>
+        </p:txBody>
+      </p:sp>
+      <p:sp>
+        <p:nvSpPr>
+          <p:cNvPr id="12" name="ZoneTexte 11">
+            <a:extLst>
+              <a:ext uri="{FF2B5EF4-FFF2-40B4-BE49-F238E27FC236}">
+                <a16:creationId xmlns:a16="http://schemas.microsoft.com/office/drawing/2014/main" id="{DFFB7109-4A8E-5CCC-F243-4DF24480999A}"/>
+              </a:ext>
+            </a:extLst>
+          </p:cNvPr>
+          <p:cNvSpPr txBox="1"/>
+          <p:nvPr/>
+        </p:nvSpPr>
+        <p:spPr>
+          <a:xfrm>
+            <a:off x="126990" y="4682319"/>
+            <a:ext cx="5388213" cy="1200329"/>
+          </a:xfrm>
+          <a:prstGeom prst="rect">
+            <a:avLst/>
+          </a:prstGeom>
+          <a:noFill/>
+        </p:spPr>
+        <p:txBody>
+          <a:bodyPr wrap="square">
+            <a:spAutoFit/>
+          </a:bodyPr>
+          <a:lstStyle/>
+          <a:p>
+            <a:pPr marL="285750" indent="-285750" algn="just">
+              <a:buClr>
+                <a:srgbClr val="FF0000"/>
+              </a:buClr>
+              <a:buFont typeface="Wingdings" panose="05000000000000000000" pitchFamily="2" charset="2"/>
+              <a:buChar char="§"/>
+            </a:pPr>
+            <a:r>
+              <a:rPr lang="fr-FR" b="1" dirty="0">
+                <a:solidFill>
+                  <a:schemeClr val="bg1"/>
+                </a:solidFill>
+              </a:rPr>
+              <a:t>Extensibilité :</a:t>
+            </a:r>
+            <a:r>
+              <a:rPr lang="fr-FR" dirty="0">
+                <a:solidFill>
+                  <a:schemeClr val="bg1"/>
+                </a:solidFill>
+              </a:rPr>
+              <a:t>  Ansible est hautement extensible et dispose d'une large gamme de modules intégrés pour gérer divers aspects des systèmes d'exploitation, des applications et des services. </a:t>
+            </a:r>
+          </a:p>
+        </p:txBody>
+      </p:sp>
+      <p:sp>
+        <p:nvSpPr>
+          <p:cNvPr id="13" name="ZoneTexte 12">
+            <a:extLst>
+              <a:ext uri="{FF2B5EF4-FFF2-40B4-BE49-F238E27FC236}">
+                <a16:creationId xmlns:a16="http://schemas.microsoft.com/office/drawing/2014/main" id="{93CFF43D-3759-B0AB-4AF0-0A09171C4CB8}"/>
+              </a:ext>
+            </a:extLst>
+          </p:cNvPr>
+          <p:cNvSpPr txBox="1"/>
+          <p:nvPr/>
+        </p:nvSpPr>
+        <p:spPr>
+          <a:xfrm>
+            <a:off x="117142" y="5852911"/>
+            <a:ext cx="5388213" cy="369332"/>
+          </a:xfrm>
+          <a:prstGeom prst="rect">
+            <a:avLst/>
+          </a:prstGeom>
+          <a:noFill/>
+        </p:spPr>
+        <p:txBody>
+          <a:bodyPr wrap="square">
+            <a:spAutoFit/>
+          </a:bodyPr>
+          <a:lstStyle/>
+          <a:p>
+            <a:pPr marL="285750" indent="-285750" algn="just">
+              <a:buClr>
+                <a:srgbClr val="FF0000"/>
+              </a:buClr>
+              <a:buFont typeface="Wingdings" panose="05000000000000000000" pitchFamily="2" charset="2"/>
+              <a:buChar char="§"/>
+            </a:pPr>
+            <a:r>
+              <a:rPr lang="fr-FR" b="1" dirty="0">
+                <a:solidFill>
+                  <a:schemeClr val="bg1"/>
+                </a:solidFill>
+              </a:rPr>
+              <a:t>Large communauté et écosystème</a:t>
+            </a:r>
+            <a:r>
+              <a:rPr lang="fr-FR" sz="1800" dirty="0">
+                <a:solidFill>
+                  <a:srgbClr val="0D0D0D"/>
+                </a:solidFill>
+                <a:effectLst/>
+                <a:highlight>
+                  <a:srgbClr val="FFFFFF"/>
+                </a:highlight>
+                <a:latin typeface="Segoe UI" panose="020B0502040204020203" pitchFamily="34" charset="0"/>
+                <a:ea typeface="Aptos" panose="020B0004020202020204" pitchFamily="34" charset="0"/>
+              </a:rPr>
+              <a:t> </a:t>
+            </a:r>
+            <a:endParaRPr lang="fr-FR" dirty="0">
+              <a:solidFill>
+                <a:schemeClr val="bg1"/>
+              </a:solidFill>
+            </a:endParaRPr>
+          </a:p>
+        </p:txBody>
+      </p:sp>
     </p:spTree>
     <p:extLst>
       <p:ext uri="{BB962C8B-B14F-4D97-AF65-F5344CB8AC3E}">
-        <p14:creationId xmlns:p14="http://schemas.microsoft.com/office/powerpoint/2010/main" val="3951446037"/>
+        <p14:creationId xmlns:p14="http://schemas.microsoft.com/office/powerpoint/2010/main" val="1488314258"/>
+      </p:ext>
+    </p:extLst>
+  </p:cSld>
+  <p:clrMapOvr>
+    <a:masterClrMapping/>
+  </p:clrMapOvr>
+  <p:timing>
+    <p:tnLst>
+      <p:par>
+        <p:cTn id="1" dur="indefinite" restart="never" nodeType="tmRoot">
+          <p:childTnLst>
+            <p:seq concurrent="1" nextAc="seek">
+              <p:cTn id="2" dur="indefinite" nodeType="mainSeq">
+                <p:childTnLst>
+                  <p:par>
+                    <p:cTn id="3" fill="hold">
+                      <p:stCondLst>
+                        <p:cond delay="indefinite"/>
+                      </p:stCondLst>
+                      <p:childTnLst>
+                        <p:par>
+                          <p:cTn id="4" fill="hold">
+                            <p:stCondLst>
+                              <p:cond delay="0"/>
+                            </p:stCondLst>
+                            <p:childTnLst>
+                              <p:par>
+                                <p:cTn id="5" presetID="22" presetClass="entr" presetSubtype="8" fill="hold" grpId="0" nodeType="clickEffect">
+                                  <p:stCondLst>
+                                    <p:cond delay="0"/>
+                                  </p:stCondLst>
+                                  <p:childTnLst>
+                                    <p:set>
+                                      <p:cBhvr>
+                                        <p:cTn id="6" dur="1" fill="hold">
+                                          <p:stCondLst>
+                                            <p:cond delay="0"/>
+                                          </p:stCondLst>
+                                        </p:cTn>
+                                        <p:tgtEl>
+                                          <p:spTgt spid="22"/>
+                                        </p:tgtEl>
+                                        <p:attrNameLst>
+                                          <p:attrName>style.visibility</p:attrName>
+                                        </p:attrNameLst>
+                                      </p:cBhvr>
+                                      <p:to>
+                                        <p:strVal val="visible"/>
+                                      </p:to>
+                                    </p:set>
+                                    <p:animEffect transition="in" filter="wipe(left)">
+                                      <p:cBhvr>
+                                        <p:cTn id="7" dur="500"/>
+                                        <p:tgtEl>
+                                          <p:spTgt spid="22"/>
+                                        </p:tgtEl>
+                                      </p:cBhvr>
+                                    </p:animEffect>
+                                  </p:childTnLst>
+                                </p:cTn>
+                              </p:par>
+                            </p:childTnLst>
+                          </p:cTn>
+                        </p:par>
+                      </p:childTnLst>
+                    </p:cTn>
+                  </p:par>
+                  <p:par>
+                    <p:cTn id="8" fill="hold">
+                      <p:stCondLst>
+                        <p:cond delay="indefinite"/>
+                      </p:stCondLst>
+                      <p:childTnLst>
+                        <p:par>
+                          <p:cTn id="9" fill="hold">
+                            <p:stCondLst>
+                              <p:cond delay="0"/>
+                            </p:stCondLst>
+                            <p:childTnLst>
+                              <p:par>
+                                <p:cTn id="10" presetID="22" presetClass="entr" presetSubtype="8" fill="hold" grpId="0" nodeType="clickEffect">
+                                  <p:stCondLst>
+                                    <p:cond delay="0"/>
+                                  </p:stCondLst>
+                                  <p:childTnLst>
+                                    <p:set>
+                                      <p:cBhvr>
+                                        <p:cTn id="11" dur="1" fill="hold">
+                                          <p:stCondLst>
+                                            <p:cond delay="0"/>
+                                          </p:stCondLst>
+                                        </p:cTn>
+                                        <p:tgtEl>
+                                          <p:spTgt spid="4"/>
+                                        </p:tgtEl>
+                                        <p:attrNameLst>
+                                          <p:attrName>style.visibility</p:attrName>
+                                        </p:attrNameLst>
+                                      </p:cBhvr>
+                                      <p:to>
+                                        <p:strVal val="visible"/>
+                                      </p:to>
+                                    </p:set>
+                                    <p:animEffect transition="in" filter="wipe(left)">
+                                      <p:cBhvr>
+                                        <p:cTn id="12" dur="500"/>
+                                        <p:tgtEl>
+                                          <p:spTgt spid="4"/>
+                                        </p:tgtEl>
+                                      </p:cBhvr>
+                                    </p:animEffect>
+                                  </p:childTnLst>
+                                </p:cTn>
+                              </p:par>
+                            </p:childTnLst>
+                          </p:cTn>
+                        </p:par>
+                      </p:childTnLst>
+                    </p:cTn>
+                  </p:par>
+                  <p:par>
+                    <p:cTn id="13" fill="hold">
+                      <p:stCondLst>
+                        <p:cond delay="indefinite"/>
+                      </p:stCondLst>
+                      <p:childTnLst>
+                        <p:par>
+                          <p:cTn id="14" fill="hold">
+                            <p:stCondLst>
+                              <p:cond delay="0"/>
+                            </p:stCondLst>
+                            <p:childTnLst>
+                              <p:par>
+                                <p:cTn id="15" presetID="22" presetClass="entr" presetSubtype="8" fill="hold" grpId="0" nodeType="clickEffect">
+                                  <p:stCondLst>
+                                    <p:cond delay="0"/>
+                                  </p:stCondLst>
+                                  <p:childTnLst>
+                                    <p:set>
+                                      <p:cBhvr>
+                                        <p:cTn id="16" dur="1" fill="hold">
+                                          <p:stCondLst>
+                                            <p:cond delay="0"/>
+                                          </p:stCondLst>
+                                        </p:cTn>
+                                        <p:tgtEl>
+                                          <p:spTgt spid="8"/>
+                                        </p:tgtEl>
+                                        <p:attrNameLst>
+                                          <p:attrName>style.visibility</p:attrName>
+                                        </p:attrNameLst>
+                                      </p:cBhvr>
+                                      <p:to>
+                                        <p:strVal val="visible"/>
+                                      </p:to>
+                                    </p:set>
+                                    <p:animEffect transition="in" filter="wipe(left)">
+                                      <p:cBhvr>
+                                        <p:cTn id="17" dur="500"/>
+                                        <p:tgtEl>
+                                          <p:spTgt spid="8"/>
+                                        </p:tgtEl>
+                                      </p:cBhvr>
+                                    </p:animEffect>
+                                  </p:childTnLst>
+                                </p:cTn>
+                              </p:par>
+                            </p:childTnLst>
+                          </p:cTn>
+                        </p:par>
+                      </p:childTnLst>
+                    </p:cTn>
+                  </p:par>
+                  <p:par>
+                    <p:cTn id="18" fill="hold">
+                      <p:stCondLst>
+                        <p:cond delay="indefinite"/>
+                      </p:stCondLst>
+                      <p:childTnLst>
+                        <p:par>
+                          <p:cTn id="19" fill="hold">
+                            <p:stCondLst>
+                              <p:cond delay="0"/>
+                            </p:stCondLst>
+                            <p:childTnLst>
+                              <p:par>
+                                <p:cTn id="20" presetID="22" presetClass="entr" presetSubtype="8" fill="hold" grpId="0" nodeType="clickEffect">
+                                  <p:stCondLst>
+                                    <p:cond delay="0"/>
+                                  </p:stCondLst>
+                                  <p:childTnLst>
+                                    <p:set>
+                                      <p:cBhvr>
+                                        <p:cTn id="21" dur="1" fill="hold">
+                                          <p:stCondLst>
+                                            <p:cond delay="0"/>
+                                          </p:stCondLst>
+                                        </p:cTn>
+                                        <p:tgtEl>
+                                          <p:spTgt spid="12"/>
+                                        </p:tgtEl>
+                                        <p:attrNameLst>
+                                          <p:attrName>style.visibility</p:attrName>
+                                        </p:attrNameLst>
+                                      </p:cBhvr>
+                                      <p:to>
+                                        <p:strVal val="visible"/>
+                                      </p:to>
+                                    </p:set>
+                                    <p:animEffect transition="in" filter="wipe(left)">
+                                      <p:cBhvr>
+                                        <p:cTn id="22" dur="500"/>
+                                        <p:tgtEl>
+                                          <p:spTgt spid="12"/>
+                                        </p:tgtEl>
+                                      </p:cBhvr>
+                                    </p:animEffect>
+                                  </p:childTnLst>
+                                </p:cTn>
+                              </p:par>
+                            </p:childTnLst>
+                          </p:cTn>
+                        </p:par>
+                      </p:childTnLst>
+                    </p:cTn>
+                  </p:par>
+                  <p:par>
+                    <p:cTn id="23" fill="hold">
+                      <p:stCondLst>
+                        <p:cond delay="indefinite"/>
+                      </p:stCondLst>
+                      <p:childTnLst>
+                        <p:par>
+                          <p:cTn id="24" fill="hold">
+                            <p:stCondLst>
+                              <p:cond delay="0"/>
+                            </p:stCondLst>
+                            <p:childTnLst>
+                              <p:par>
+                                <p:cTn id="25" presetID="22" presetClass="entr" presetSubtype="8" fill="hold" grpId="0" nodeType="clickEffect">
+                                  <p:stCondLst>
+                                    <p:cond delay="0"/>
+                                  </p:stCondLst>
+                                  <p:childTnLst>
+                                    <p:set>
+                                      <p:cBhvr>
+                                        <p:cTn id="26" dur="1" fill="hold">
+                                          <p:stCondLst>
+                                            <p:cond delay="0"/>
+                                          </p:stCondLst>
+                                        </p:cTn>
+                                        <p:tgtEl>
+                                          <p:spTgt spid="13"/>
+                                        </p:tgtEl>
+                                        <p:attrNameLst>
+                                          <p:attrName>style.visibility</p:attrName>
+                                        </p:attrNameLst>
+                                      </p:cBhvr>
+                                      <p:to>
+                                        <p:strVal val="visible"/>
+                                      </p:to>
+                                    </p:set>
+                                    <p:animEffect transition="in" filter="wipe(left)">
+                                      <p:cBhvr>
+                                        <p:cTn id="27" dur="500"/>
+                                        <p:tgtEl>
+                                          <p:spTgt spid="13"/>
+                                        </p:tgtEl>
+                                      </p:cBhvr>
+                                    </p:animEffect>
+                                  </p:childTnLst>
+                                </p:cTn>
+                              </p:par>
+                            </p:childTnLst>
+                          </p:cTn>
+                        </p:par>
+                      </p:childTnLst>
+                    </p:cTn>
+                  </p:par>
+                </p:childTnLst>
+              </p:cTn>
+              <p:prevCondLst>
+                <p:cond evt="onPrev" delay="0">
+                  <p:tgtEl>
+                    <p:sldTgt/>
+                  </p:tgtEl>
+                </p:cond>
+              </p:prevCondLst>
+              <p:nextCondLst>
+                <p:cond evt="onNext" delay="0">
+                  <p:tgtEl>
+                    <p:sldTgt/>
+                  </p:tgtEl>
+                </p:cond>
+              </p:nextCondLst>
+            </p:seq>
+          </p:childTnLst>
+        </p:cTn>
+      </p:par>
+    </p:tnLst>
+    <p:bldLst>
+      <p:bldP spid="22" grpId="0" animBg="1"/>
+      <p:bldP spid="4" grpId="0"/>
+      <p:bldP spid="8" grpId="0"/>
+      <p:bldP spid="12" grpId="0"/>
+      <p:bldP spid="13" grpId="0"/>
+    </p:bldLst>
+  </p:timing>
+</p:sld>
+</file>
+
+<file path=ppt/slides/slide16.xml><?xml version="1.0" encoding="utf-8"?>
+<p:sld xmlns:a="http://schemas.openxmlformats.org/drawingml/2006/main" xmlns:r="http://schemas.openxmlformats.org/officeDocument/2006/relationships" xmlns:p="http://schemas.openxmlformats.org/presentationml/2006/main">
+  <p:cSld>
+    <p:bg>
+      <p:bgPr>
+        <a:solidFill>
+          <a:schemeClr val="tx1"/>
+        </a:solidFill>
+        <a:effectLst/>
+      </p:bgPr>
+    </p:bg>
+    <p:spTree>
+      <p:nvGrpSpPr>
+        <p:cNvPr id="1" name=""/>
+        <p:cNvGrpSpPr/>
+        <p:nvPr/>
+      </p:nvGrpSpPr>
+      <p:grpSpPr>
+        <a:xfrm>
+          <a:off x="0" y="0"/>
+          <a:ext cx="0" cy="0"/>
+          <a:chOff x="0" y="0"/>
+          <a:chExt cx="0" cy="0"/>
+        </a:xfrm>
+      </p:grpSpPr>
+      <p:sp>
+        <p:nvSpPr>
+          <p:cNvPr id="5" name="Rectangle 4">
+            <a:extLst>
+              <a:ext uri="{FF2B5EF4-FFF2-40B4-BE49-F238E27FC236}">
+                <a16:creationId xmlns:a16="http://schemas.microsoft.com/office/drawing/2014/main" id="{A3C93801-4E41-FAA0-D55A-0FDDE0FCB4F4}"/>
+              </a:ext>
+            </a:extLst>
+          </p:cNvPr>
+          <p:cNvSpPr/>
+          <p:nvPr/>
+        </p:nvSpPr>
+        <p:spPr>
+          <a:xfrm>
+            <a:off x="121920" y="158497"/>
+            <a:ext cx="11923776" cy="794004"/>
+          </a:xfrm>
+          <a:prstGeom prst="rect">
+            <a:avLst/>
+          </a:prstGeom>
+          <a:noFill/>
+          <a:ln>
+            <a:solidFill>
+              <a:schemeClr val="tx2">
+                <a:lumMod val="25000"/>
+                <a:lumOff val="75000"/>
+              </a:schemeClr>
+            </a:solidFill>
+          </a:ln>
+        </p:spPr>
+        <p:style>
+          <a:lnRef idx="2">
+            <a:schemeClr val="accent1">
+              <a:shade val="15000"/>
+            </a:schemeClr>
+          </a:lnRef>
+          <a:fillRef idx="1">
+            <a:schemeClr val="accent1"/>
+          </a:fillRef>
+          <a:effectRef idx="0">
+            <a:schemeClr val="accent1"/>
+          </a:effectRef>
+          <a:fontRef idx="minor">
+            <a:schemeClr val="lt1"/>
+          </a:fontRef>
+        </p:style>
+        <p:txBody>
+          <a:bodyPr rtlCol="0" anchor="ctr"/>
+          <a:lstStyle/>
+          <a:p>
+            <a:pPr algn="ctr"/>
+            <a:endParaRPr lang="fr-FR"/>
+          </a:p>
+        </p:txBody>
+      </p:sp>
+      <p:sp>
+        <p:nvSpPr>
+          <p:cNvPr id="6" name="Rectangle 5">
+            <a:extLst>
+              <a:ext uri="{FF2B5EF4-FFF2-40B4-BE49-F238E27FC236}">
+                <a16:creationId xmlns:a16="http://schemas.microsoft.com/office/drawing/2014/main" id="{F7F463C6-9F15-D3A0-27D6-89A3698B4C72}"/>
+              </a:ext>
+            </a:extLst>
+          </p:cNvPr>
+          <p:cNvSpPr/>
+          <p:nvPr/>
+        </p:nvSpPr>
+        <p:spPr>
+          <a:xfrm>
+            <a:off x="121920" y="1081230"/>
+            <a:ext cx="11923776" cy="5656373"/>
+          </a:xfrm>
+          <a:prstGeom prst="rect">
+            <a:avLst/>
+          </a:prstGeom>
+          <a:noFill/>
+          <a:ln>
+            <a:solidFill>
+              <a:schemeClr val="tx2">
+                <a:lumMod val="25000"/>
+                <a:lumOff val="75000"/>
+              </a:schemeClr>
+            </a:solidFill>
+          </a:ln>
+        </p:spPr>
+        <p:style>
+          <a:lnRef idx="2">
+            <a:schemeClr val="accent1">
+              <a:shade val="15000"/>
+            </a:schemeClr>
+          </a:lnRef>
+          <a:fillRef idx="1">
+            <a:schemeClr val="accent1"/>
+          </a:fillRef>
+          <a:effectRef idx="0">
+            <a:schemeClr val="accent1"/>
+          </a:effectRef>
+          <a:fontRef idx="minor">
+            <a:schemeClr val="lt1"/>
+          </a:fontRef>
+        </p:style>
+        <p:txBody>
+          <a:bodyPr rtlCol="0" anchor="ctr"/>
+          <a:lstStyle/>
+          <a:p>
+            <a:pPr algn="ctr"/>
+            <a:endParaRPr lang="fr-FR"/>
+          </a:p>
+        </p:txBody>
+      </p:sp>
+      <p:sp>
+        <p:nvSpPr>
+          <p:cNvPr id="9" name="ZoneTexte 8">
+            <a:extLst>
+              <a:ext uri="{FF2B5EF4-FFF2-40B4-BE49-F238E27FC236}">
+                <a16:creationId xmlns:a16="http://schemas.microsoft.com/office/drawing/2014/main" id="{08638F46-9CDF-0831-70AB-2C5D03CF520D}"/>
+              </a:ext>
+            </a:extLst>
+          </p:cNvPr>
+          <p:cNvSpPr txBox="1"/>
+          <p:nvPr/>
+        </p:nvSpPr>
+        <p:spPr>
+          <a:xfrm>
+            <a:off x="698499" y="386222"/>
+            <a:ext cx="7656269" cy="707886"/>
+          </a:xfrm>
+          <a:prstGeom prst="rect">
+            <a:avLst/>
+          </a:prstGeom>
+          <a:noFill/>
+        </p:spPr>
+        <p:txBody>
+          <a:bodyPr wrap="square">
+            <a:spAutoFit/>
+          </a:bodyPr>
+          <a:lstStyle/>
+          <a:p>
+            <a:pPr>
+              <a:buClr>
+                <a:srgbClr val="FF0000"/>
+              </a:buClr>
+            </a:pPr>
+            <a:r>
+              <a:rPr lang="fr-FR" sz="2000" dirty="0">
+                <a:solidFill>
+                  <a:schemeClr val="bg1"/>
+                </a:solidFill>
+                <a:effectLst/>
+                <a:latin typeface="Arial Black" panose="020B0A04020102020204" pitchFamily="34" charset="0"/>
+                <a:ea typeface="Calibri" panose="020F0502020204030204" pitchFamily="34" charset="0"/>
+                <a:cs typeface="Calibri" panose="020F0502020204030204" pitchFamily="34" charset="0"/>
+              </a:rPr>
+              <a:t>Infrastructures Ansible : </a:t>
+            </a:r>
+            <a:r>
+              <a:rPr lang="fr-FR" sz="2000" dirty="0">
+                <a:solidFill>
+                  <a:srgbClr val="FFFF00"/>
+                </a:solidFill>
+                <a:latin typeface="Arial Black" panose="020B0A04020102020204" pitchFamily="34" charset="0"/>
+                <a:cs typeface="Calibri" panose="020F0502020204030204" pitchFamily="34" charset="0"/>
+              </a:rPr>
+              <a:t>Déploiement d’Ansible</a:t>
+            </a:r>
+          </a:p>
+          <a:p>
+            <a:pPr>
+              <a:buClr>
+                <a:srgbClr val="FF0000"/>
+              </a:buClr>
+            </a:pPr>
+            <a:endParaRPr lang="fr-FR" sz="2000" dirty="0">
+              <a:solidFill>
+                <a:schemeClr val="bg1"/>
+              </a:solidFill>
+            </a:endParaRPr>
+          </a:p>
+        </p:txBody>
+      </p:sp>
+      <p:pic>
+        <p:nvPicPr>
+          <p:cNvPr id="2" name="Image 1">
+            <a:extLst>
+              <a:ext uri="{FF2B5EF4-FFF2-40B4-BE49-F238E27FC236}">
+                <a16:creationId xmlns:a16="http://schemas.microsoft.com/office/drawing/2014/main" id="{C6977999-3267-359F-AB30-3F1D0235AA44}"/>
+              </a:ext>
+            </a:extLst>
+          </p:cNvPr>
+          <p:cNvPicPr>
+            <a:picLocks noChangeAspect="1"/>
+          </p:cNvPicPr>
+          <p:nvPr/>
+        </p:nvPicPr>
+        <p:blipFill>
+          <a:blip r:embed="rId3">
+            <a:clrChange>
+              <a:clrFrom>
+                <a:srgbClr val="000000"/>
+              </a:clrFrom>
+              <a:clrTo>
+                <a:srgbClr val="000000">
+                  <a:alpha val="0"/>
+                </a:srgbClr>
+              </a:clrTo>
+            </a:clrChange>
+          </a:blip>
+          <a:stretch>
+            <a:fillRect/>
+          </a:stretch>
+        </p:blipFill>
+        <p:spPr>
+          <a:xfrm>
+            <a:off x="10382828" y="154462"/>
+            <a:ext cx="1414521" cy="792132"/>
+          </a:xfrm>
+          <a:prstGeom prst="rect">
+            <a:avLst/>
+          </a:prstGeom>
+        </p:spPr>
+      </p:pic>
+      <mc:AlternateContent xmlns:mc="http://schemas.openxmlformats.org/markup-compatibility/2006">
+        <mc:Choice xmlns:p14="http://schemas.microsoft.com/office/powerpoint/2010/main" Requires="p14">
+          <p:contentPart p14:bwMode="auto" r:id="rId4">
+            <p14:nvContentPartPr>
+              <p14:cNvPr id="21" name="Encre 20">
+                <a:extLst>
+                  <a:ext uri="{FF2B5EF4-FFF2-40B4-BE49-F238E27FC236}">
+                    <a16:creationId xmlns:a16="http://schemas.microsoft.com/office/drawing/2014/main" id="{0FE0BAE8-1A30-4F38-6546-D1BE99A6B8A0}"/>
+                  </a:ext>
+                </a:extLst>
+              </p14:cNvPr>
+              <p14:cNvContentPartPr/>
+              <p14:nvPr/>
+            </p14:nvContentPartPr>
+            <p14:xfrm>
+              <a:off x="-1906499" y="875414"/>
+              <a:ext cx="360" cy="360"/>
+            </p14:xfrm>
+          </p:contentPart>
+        </mc:Choice>
+        <mc:Fallback>
+          <p:pic>
+            <p:nvPicPr>
+              <p:cNvPr id="21" name="Encre 20">
+                <a:extLst>
+                  <a:ext uri="{FF2B5EF4-FFF2-40B4-BE49-F238E27FC236}">
+                    <a16:creationId xmlns:a16="http://schemas.microsoft.com/office/drawing/2014/main" id="{0FE0BAE8-1A30-4F38-6546-D1BE99A6B8A0}"/>
+                  </a:ext>
+                </a:extLst>
+              </p:cNvPr>
+              <p:cNvPicPr/>
+              <p:nvPr/>
+            </p:nvPicPr>
+            <p:blipFill>
+              <a:blip r:embed="rId5"/>
+              <a:stretch>
+                <a:fillRect/>
+              </a:stretch>
+            </p:blipFill>
+            <p:spPr>
+              <a:xfrm>
+                <a:off x="-1915499" y="866414"/>
+                <a:ext cx="18000" cy="18000"/>
+              </a:xfrm>
+              <a:prstGeom prst="rect">
+                <a:avLst/>
+              </a:prstGeom>
+            </p:spPr>
+          </p:pic>
+        </mc:Fallback>
+      </mc:AlternateContent>
+      <p:sp>
+        <p:nvSpPr>
+          <p:cNvPr id="26" name="Espace réservé de la date 1">
+            <a:extLst>
+              <a:ext uri="{FF2B5EF4-FFF2-40B4-BE49-F238E27FC236}">
+                <a16:creationId xmlns:a16="http://schemas.microsoft.com/office/drawing/2014/main" id="{C6669101-CB46-67AE-C88C-76663AB4E9A9}"/>
+              </a:ext>
+            </a:extLst>
+          </p:cNvPr>
+          <p:cNvSpPr>
+            <a:spLocks noGrp="1"/>
+          </p:cNvSpPr>
+          <p:nvPr>
+            <p:ph type="dt" sz="half" idx="10"/>
+          </p:nvPr>
+        </p:nvSpPr>
+        <p:spPr>
+          <a:xfrm>
+            <a:off x="146304" y="6387463"/>
+            <a:ext cx="2743200" cy="365125"/>
+          </a:xfrm>
+        </p:spPr>
+        <p:txBody>
+          <a:bodyPr/>
+          <a:lstStyle/>
+          <a:p>
+            <a:fld id="{5E865842-71E2-4BC3-BAAB-AD09CA53D33D}" type="datetime1">
+              <a:rPr lang="fr-FR" smtClean="0">
+                <a:solidFill>
+                  <a:schemeClr val="tx2">
+                    <a:lumMod val="10000"/>
+                    <a:lumOff val="90000"/>
+                  </a:schemeClr>
+                </a:solidFill>
+              </a:rPr>
+              <a:t>05/05/2024</a:t>
+            </a:fld>
+            <a:endParaRPr lang="fr-FR" dirty="0">
+              <a:solidFill>
+                <a:schemeClr val="tx2">
+                  <a:lumMod val="10000"/>
+                  <a:lumOff val="90000"/>
+                </a:schemeClr>
+              </a:solidFill>
+            </a:endParaRPr>
+          </a:p>
+        </p:txBody>
+      </p:sp>
+      <p:sp>
+        <p:nvSpPr>
+          <p:cNvPr id="27" name="Espace réservé du pied de page 2">
+            <a:extLst>
+              <a:ext uri="{FF2B5EF4-FFF2-40B4-BE49-F238E27FC236}">
+                <a16:creationId xmlns:a16="http://schemas.microsoft.com/office/drawing/2014/main" id="{72B1AC60-8463-DF7C-FDED-196A2941AC22}"/>
+              </a:ext>
+            </a:extLst>
+          </p:cNvPr>
+          <p:cNvSpPr>
+            <a:spLocks noGrp="1"/>
+          </p:cNvSpPr>
+          <p:nvPr>
+            <p:ph type="ftr" sz="quarter" idx="11"/>
+          </p:nvPr>
+        </p:nvSpPr>
+        <p:spPr>
+          <a:xfrm>
+            <a:off x="4038600" y="6356350"/>
+            <a:ext cx="4114800" cy="365125"/>
+          </a:xfrm>
+        </p:spPr>
+        <p:txBody>
+          <a:bodyPr/>
+          <a:lstStyle/>
+          <a:p>
+            <a:r>
+              <a:rPr lang="fr-FR" dirty="0">
+                <a:solidFill>
+                  <a:schemeClr val="tx2">
+                    <a:lumMod val="10000"/>
+                    <a:lumOff val="90000"/>
+                  </a:schemeClr>
+                </a:solidFill>
+              </a:rPr>
+              <a:t>Mohamed</a:t>
+            </a:r>
+            <a:r>
+              <a:rPr lang="fr-FR" dirty="0"/>
+              <a:t> </a:t>
+            </a:r>
+            <a:r>
+              <a:rPr lang="fr-FR" dirty="0">
+                <a:solidFill>
+                  <a:schemeClr val="tx2">
+                    <a:lumMod val="10000"/>
+                    <a:lumOff val="90000"/>
+                  </a:schemeClr>
+                </a:solidFill>
+              </a:rPr>
+              <a:t>Hammouda</a:t>
+            </a:r>
+          </a:p>
+        </p:txBody>
+      </p:sp>
+      <p:sp>
+        <p:nvSpPr>
+          <p:cNvPr id="28" name="Espace réservé du numéro de diapositive 3">
+            <a:extLst>
+              <a:ext uri="{FF2B5EF4-FFF2-40B4-BE49-F238E27FC236}">
+                <a16:creationId xmlns:a16="http://schemas.microsoft.com/office/drawing/2014/main" id="{FA3BD6CA-14D1-39A7-480C-A5CE17E5DC40}"/>
+              </a:ext>
+            </a:extLst>
+          </p:cNvPr>
+          <p:cNvSpPr>
+            <a:spLocks noGrp="1"/>
+          </p:cNvSpPr>
+          <p:nvPr>
+            <p:ph type="sldNum" sz="quarter" idx="12"/>
+          </p:nvPr>
+        </p:nvSpPr>
+        <p:spPr>
+          <a:xfrm>
+            <a:off x="9195816" y="6326504"/>
+            <a:ext cx="2743200" cy="365125"/>
+          </a:xfrm>
+        </p:spPr>
+        <p:txBody>
+          <a:bodyPr/>
+          <a:lstStyle/>
+          <a:p>
+            <a:fld id="{B880C63E-E5E0-484B-A84B-0348264AB81D}" type="slidenum">
+              <a:rPr lang="fr-FR" b="1" smtClean="0">
+                <a:solidFill>
+                  <a:schemeClr val="tx2">
+                    <a:lumMod val="10000"/>
+                    <a:lumOff val="90000"/>
+                  </a:schemeClr>
+                </a:solidFill>
+              </a:rPr>
+              <a:t>16</a:t>
+            </a:fld>
+            <a:endParaRPr lang="fr-FR" b="1" dirty="0">
+              <a:solidFill>
+                <a:schemeClr val="tx2">
+                  <a:lumMod val="10000"/>
+                  <a:lumOff val="90000"/>
+                </a:schemeClr>
+              </a:solidFill>
+            </a:endParaRPr>
+          </a:p>
+        </p:txBody>
+      </p:sp>
+      <mc:AlternateContent xmlns:mc="http://schemas.openxmlformats.org/markup-compatibility/2006">
+        <mc:Choice xmlns:p14="http://schemas.microsoft.com/office/powerpoint/2010/main" Requires="p14">
+          <p:contentPart p14:bwMode="auto" r:id="rId6">
+            <p14:nvContentPartPr>
+              <p14:cNvPr id="32" name="Encre 31">
+                <a:extLst>
+                  <a:ext uri="{FF2B5EF4-FFF2-40B4-BE49-F238E27FC236}">
+                    <a16:creationId xmlns:a16="http://schemas.microsoft.com/office/drawing/2014/main" id="{0B3FB5B7-CA5D-9E93-566B-B018FF5AC323}"/>
+                  </a:ext>
+                </a:extLst>
+              </p14:cNvPr>
+              <p14:cNvContentPartPr/>
+              <p14:nvPr/>
+            </p14:nvContentPartPr>
+            <p14:xfrm>
+              <a:off x="13393501" y="4249694"/>
+              <a:ext cx="360" cy="360"/>
+            </p14:xfrm>
+          </p:contentPart>
+        </mc:Choice>
+        <mc:Fallback>
+          <p:pic>
+            <p:nvPicPr>
+              <p:cNvPr id="32" name="Encre 31">
+                <a:extLst>
+                  <a:ext uri="{FF2B5EF4-FFF2-40B4-BE49-F238E27FC236}">
+                    <a16:creationId xmlns:a16="http://schemas.microsoft.com/office/drawing/2014/main" id="{0B3FB5B7-CA5D-9E93-566B-B018FF5AC323}"/>
+                  </a:ext>
+                </a:extLst>
+              </p:cNvPr>
+              <p:cNvPicPr/>
+              <p:nvPr/>
+            </p:nvPicPr>
+            <p:blipFill>
+              <a:blip r:embed="rId7"/>
+              <a:stretch>
+                <a:fillRect/>
+              </a:stretch>
+            </p:blipFill>
+            <p:spPr>
+              <a:xfrm>
+                <a:off x="13384501" y="4240694"/>
+                <a:ext cx="18000" cy="18000"/>
+              </a:xfrm>
+              <a:prstGeom prst="rect">
+                <a:avLst/>
+              </a:prstGeom>
+            </p:spPr>
+          </p:pic>
+        </mc:Fallback>
+      </mc:AlternateContent>
+      <p:cxnSp>
+        <p:nvCxnSpPr>
+          <p:cNvPr id="40" name="Connecteur droit 39">
+            <a:extLst>
+              <a:ext uri="{FF2B5EF4-FFF2-40B4-BE49-F238E27FC236}">
+                <a16:creationId xmlns:a16="http://schemas.microsoft.com/office/drawing/2014/main" id="{F3C83C4A-71FB-E9D3-D25E-D11BB743A720}"/>
+              </a:ext>
+            </a:extLst>
+          </p:cNvPr>
+          <p:cNvCxnSpPr>
+            <a:cxnSpLocks/>
+          </p:cNvCxnSpPr>
+          <p:nvPr/>
+        </p:nvCxnSpPr>
+        <p:spPr>
+          <a:xfrm>
+            <a:off x="191547" y="2301650"/>
+            <a:ext cx="0" cy="3649366"/>
+          </a:xfrm>
+          <a:prstGeom prst="line">
+            <a:avLst/>
+          </a:prstGeom>
+        </p:spPr>
+        <p:style>
+          <a:lnRef idx="2">
+            <a:schemeClr val="accent1"/>
+          </a:lnRef>
+          <a:fillRef idx="0">
+            <a:schemeClr val="accent1"/>
+          </a:fillRef>
+          <a:effectRef idx="1">
+            <a:schemeClr val="accent1"/>
+          </a:effectRef>
+          <a:fontRef idx="minor">
+            <a:schemeClr val="tx1"/>
+          </a:fontRef>
+        </p:style>
+      </p:cxnSp>
+      <p:sp>
+        <p:nvSpPr>
+          <p:cNvPr id="7" name="ZoneTexte 6">
+            <a:extLst>
+              <a:ext uri="{FF2B5EF4-FFF2-40B4-BE49-F238E27FC236}">
+                <a16:creationId xmlns:a16="http://schemas.microsoft.com/office/drawing/2014/main" id="{68F8EC09-9636-439B-35D4-E443F2475054}"/>
+              </a:ext>
+            </a:extLst>
+          </p:cNvPr>
+          <p:cNvSpPr txBox="1"/>
+          <p:nvPr/>
+        </p:nvSpPr>
+        <p:spPr>
+          <a:xfrm>
+            <a:off x="491612" y="1260135"/>
+            <a:ext cx="11133805" cy="646331"/>
+          </a:xfrm>
+          <a:prstGeom prst="rect">
+            <a:avLst/>
+          </a:prstGeom>
+          <a:noFill/>
+        </p:spPr>
+        <p:txBody>
+          <a:bodyPr wrap="square">
+            <a:spAutoFit/>
+          </a:bodyPr>
+          <a:lstStyle/>
+          <a:p>
+            <a:r>
+              <a:rPr lang="fr-FR" dirty="0">
+                <a:solidFill>
+                  <a:schemeClr val="bg1"/>
+                </a:solidFill>
+              </a:rPr>
+              <a:t>Pour installer Ansible sur une machine Ubuntu 20.04, vous avez plusieurs options. Voici les méthodes les plus courantes :</a:t>
+            </a:r>
+          </a:p>
+        </p:txBody>
+      </p:sp>
+      <p:sp>
+        <p:nvSpPr>
+          <p:cNvPr id="14" name="ZoneTexte 13">
+            <a:extLst>
+              <a:ext uri="{FF2B5EF4-FFF2-40B4-BE49-F238E27FC236}">
+                <a16:creationId xmlns:a16="http://schemas.microsoft.com/office/drawing/2014/main" id="{B76C5A91-790D-29A8-9A95-3941784F31AC}"/>
+              </a:ext>
+            </a:extLst>
+          </p:cNvPr>
+          <p:cNvSpPr txBox="1"/>
+          <p:nvPr/>
+        </p:nvSpPr>
+        <p:spPr>
+          <a:xfrm>
+            <a:off x="261175" y="2024758"/>
+            <a:ext cx="5269467" cy="1200329"/>
+          </a:xfrm>
+          <a:prstGeom prst="rect">
+            <a:avLst/>
+          </a:prstGeom>
+          <a:noFill/>
+        </p:spPr>
+        <p:txBody>
+          <a:bodyPr wrap="square">
+            <a:spAutoFit/>
+          </a:bodyPr>
+          <a:lstStyle/>
+          <a:p>
+            <a:pPr algn="just"/>
+            <a:r>
+              <a:rPr lang="fr-FR" b="1" dirty="0">
+                <a:solidFill>
+                  <a:schemeClr val="bg1"/>
+                </a:solidFill>
+              </a:rPr>
+              <a:t>Installation à partir de la source :</a:t>
+            </a:r>
+          </a:p>
+          <a:p>
+            <a:pPr algn="just"/>
+            <a:r>
+              <a:rPr lang="fr-FR" dirty="0">
+                <a:solidFill>
+                  <a:schemeClr val="bg1"/>
+                </a:solidFill>
+              </a:rPr>
+              <a:t>Si vous avez besoin d'une version spécifique d'Ansible ou si vous préférez installer à partir de la source.</a:t>
+            </a:r>
+          </a:p>
+        </p:txBody>
+      </p:sp>
+      <p:sp>
+        <p:nvSpPr>
+          <p:cNvPr id="19" name="ZoneTexte 18">
+            <a:extLst>
+              <a:ext uri="{FF2B5EF4-FFF2-40B4-BE49-F238E27FC236}">
+                <a16:creationId xmlns:a16="http://schemas.microsoft.com/office/drawing/2014/main" id="{862963F5-FE8D-D6E6-C9DD-22B87B699694}"/>
+              </a:ext>
+            </a:extLst>
+          </p:cNvPr>
+          <p:cNvSpPr txBox="1"/>
+          <p:nvPr/>
+        </p:nvSpPr>
+        <p:spPr>
+          <a:xfrm>
+            <a:off x="361451" y="3244334"/>
+            <a:ext cx="5269466" cy="2787751"/>
+          </a:xfrm>
+          <a:prstGeom prst="rect">
+            <a:avLst/>
+          </a:prstGeom>
+          <a:solidFill>
+            <a:schemeClr val="bg2">
+              <a:lumMod val="10000"/>
+            </a:schemeClr>
+          </a:solidFill>
+        </p:spPr>
+        <p:txBody>
+          <a:bodyPr wrap="square">
+            <a:spAutoFit/>
+          </a:bodyPr>
+          <a:lstStyle/>
+          <a:p>
+            <a:pPr>
+              <a:lnSpc>
+                <a:spcPct val="200000"/>
+              </a:lnSpc>
+            </a:pPr>
+            <a:r>
+              <a:rPr lang="en-US" dirty="0" err="1">
+                <a:solidFill>
+                  <a:schemeClr val="bg1"/>
+                </a:solidFill>
+              </a:rPr>
+              <a:t>sudo</a:t>
+            </a:r>
+            <a:r>
+              <a:rPr lang="en-US" dirty="0">
+                <a:solidFill>
+                  <a:schemeClr val="bg1"/>
+                </a:solidFill>
+              </a:rPr>
+              <a:t> apt update</a:t>
+            </a:r>
+          </a:p>
+          <a:p>
+            <a:pPr>
+              <a:lnSpc>
+                <a:spcPct val="200000"/>
+              </a:lnSpc>
+            </a:pPr>
+            <a:r>
+              <a:rPr lang="en-US" dirty="0" err="1">
+                <a:solidFill>
+                  <a:schemeClr val="bg1"/>
+                </a:solidFill>
+              </a:rPr>
+              <a:t>sudo</a:t>
+            </a:r>
+            <a:r>
+              <a:rPr lang="en-US" dirty="0">
+                <a:solidFill>
+                  <a:schemeClr val="bg1"/>
+                </a:solidFill>
+              </a:rPr>
+              <a:t> apt install software-properties-common</a:t>
+            </a:r>
+          </a:p>
+          <a:p>
+            <a:pPr>
+              <a:lnSpc>
+                <a:spcPct val="200000"/>
+              </a:lnSpc>
+            </a:pPr>
+            <a:r>
+              <a:rPr lang="en-US" dirty="0" err="1">
+                <a:solidFill>
+                  <a:schemeClr val="bg1"/>
+                </a:solidFill>
+              </a:rPr>
+              <a:t>sudo</a:t>
+            </a:r>
+            <a:r>
+              <a:rPr lang="en-US" dirty="0">
+                <a:solidFill>
+                  <a:schemeClr val="bg1"/>
+                </a:solidFill>
+              </a:rPr>
+              <a:t> add-apt-repository --yes --update </a:t>
+            </a:r>
+            <a:r>
+              <a:rPr lang="en-US" dirty="0" err="1">
+                <a:solidFill>
+                  <a:schemeClr val="bg1"/>
+                </a:solidFill>
+              </a:rPr>
+              <a:t>ppa:ansible</a:t>
+            </a:r>
+            <a:r>
+              <a:rPr lang="en-US" dirty="0">
+                <a:solidFill>
+                  <a:schemeClr val="bg1"/>
+                </a:solidFill>
+              </a:rPr>
+              <a:t>/ansible</a:t>
+            </a:r>
+          </a:p>
+          <a:p>
+            <a:pPr>
+              <a:lnSpc>
+                <a:spcPct val="200000"/>
+              </a:lnSpc>
+            </a:pPr>
+            <a:r>
+              <a:rPr lang="en-US" dirty="0" err="1">
+                <a:solidFill>
+                  <a:schemeClr val="bg1"/>
+                </a:solidFill>
+              </a:rPr>
+              <a:t>sudo</a:t>
+            </a:r>
+            <a:r>
+              <a:rPr lang="en-US" dirty="0">
+                <a:solidFill>
+                  <a:schemeClr val="bg1"/>
+                </a:solidFill>
+              </a:rPr>
+              <a:t> apt install ansible</a:t>
+            </a:r>
+          </a:p>
+        </p:txBody>
+      </p:sp>
+      <p:sp>
+        <p:nvSpPr>
+          <p:cNvPr id="25" name="ZoneTexte 24">
+            <a:extLst>
+              <a:ext uri="{FF2B5EF4-FFF2-40B4-BE49-F238E27FC236}">
+                <a16:creationId xmlns:a16="http://schemas.microsoft.com/office/drawing/2014/main" id="{E0CF8D66-A4A9-4AA2-567B-48B447CF35D7}"/>
+              </a:ext>
+            </a:extLst>
+          </p:cNvPr>
+          <p:cNvSpPr txBox="1"/>
+          <p:nvPr/>
+        </p:nvSpPr>
+        <p:spPr>
+          <a:xfrm>
+            <a:off x="6039924" y="1939623"/>
+            <a:ext cx="5496490" cy="1200329"/>
+          </a:xfrm>
+          <a:prstGeom prst="rect">
+            <a:avLst/>
+          </a:prstGeom>
+          <a:noFill/>
+        </p:spPr>
+        <p:txBody>
+          <a:bodyPr wrap="square">
+            <a:spAutoFit/>
+          </a:bodyPr>
+          <a:lstStyle/>
+          <a:p>
+            <a:pPr marL="285750" indent="-285750" algn="just">
+              <a:buClr>
+                <a:srgbClr val="FF0000"/>
+              </a:buClr>
+              <a:buFont typeface="Wingdings" panose="05000000000000000000" pitchFamily="2" charset="2"/>
+              <a:buChar char="§"/>
+            </a:pPr>
+            <a:r>
+              <a:rPr lang="fr-FR" b="1" dirty="0">
+                <a:solidFill>
+                  <a:schemeClr val="bg1"/>
+                </a:solidFill>
+              </a:rPr>
+              <a:t>Installation via </a:t>
+            </a:r>
+            <a:r>
+              <a:rPr lang="fr-FR" b="1" dirty="0" err="1">
+                <a:solidFill>
+                  <a:schemeClr val="bg1"/>
+                </a:solidFill>
+              </a:rPr>
+              <a:t>pip</a:t>
+            </a:r>
+            <a:r>
+              <a:rPr lang="fr-FR" dirty="0">
+                <a:solidFill>
+                  <a:schemeClr val="bg1"/>
+                </a:solidFill>
+              </a:rPr>
+              <a:t> (pour les versions les plus récentes) : Vous pouvez également installer Ansible via </a:t>
+            </a:r>
+            <a:r>
+              <a:rPr lang="fr-FR" dirty="0" err="1">
+                <a:solidFill>
+                  <a:schemeClr val="bg1"/>
+                </a:solidFill>
+              </a:rPr>
+              <a:t>pip</a:t>
+            </a:r>
+            <a:r>
+              <a:rPr lang="fr-FR" dirty="0">
+                <a:solidFill>
+                  <a:schemeClr val="bg1"/>
+                </a:solidFill>
+              </a:rPr>
+              <a:t> (Python Package Index) si vous avez besoin de la dernière version disponible </a:t>
+            </a:r>
+          </a:p>
+        </p:txBody>
+      </p:sp>
+      <p:sp>
+        <p:nvSpPr>
+          <p:cNvPr id="30" name="ZoneTexte 29">
+            <a:extLst>
+              <a:ext uri="{FF2B5EF4-FFF2-40B4-BE49-F238E27FC236}">
+                <a16:creationId xmlns:a16="http://schemas.microsoft.com/office/drawing/2014/main" id="{A8291E25-1722-1FD0-F2A9-8C3DE2B1364C}"/>
+              </a:ext>
+            </a:extLst>
+          </p:cNvPr>
+          <p:cNvSpPr txBox="1"/>
+          <p:nvPr/>
+        </p:nvSpPr>
+        <p:spPr>
+          <a:xfrm>
+            <a:off x="6423026" y="3241235"/>
+            <a:ext cx="5202391" cy="2233753"/>
+          </a:xfrm>
+          <a:prstGeom prst="rect">
+            <a:avLst/>
+          </a:prstGeom>
+          <a:solidFill>
+            <a:schemeClr val="bg2">
+              <a:lumMod val="10000"/>
+            </a:schemeClr>
+          </a:solidFill>
+        </p:spPr>
+        <p:txBody>
+          <a:bodyPr wrap="square">
+            <a:spAutoFit/>
+          </a:bodyPr>
+          <a:lstStyle/>
+          <a:p>
+            <a:pPr>
+              <a:lnSpc>
+                <a:spcPct val="200000"/>
+              </a:lnSpc>
+            </a:pPr>
+            <a:r>
+              <a:rPr lang="fr-FR" dirty="0" err="1">
+                <a:solidFill>
+                  <a:schemeClr val="bg1"/>
+                </a:solidFill>
+              </a:rPr>
+              <a:t>sudo</a:t>
+            </a:r>
+            <a:r>
+              <a:rPr lang="fr-FR" dirty="0">
+                <a:solidFill>
+                  <a:schemeClr val="bg1"/>
+                </a:solidFill>
+              </a:rPr>
+              <a:t> </a:t>
+            </a:r>
+            <a:r>
+              <a:rPr lang="fr-FR" dirty="0" err="1">
+                <a:solidFill>
+                  <a:schemeClr val="bg1"/>
+                </a:solidFill>
+              </a:rPr>
+              <a:t>apt</a:t>
+            </a:r>
+            <a:r>
+              <a:rPr lang="fr-FR" dirty="0">
+                <a:solidFill>
+                  <a:schemeClr val="bg1"/>
+                </a:solidFill>
+              </a:rPr>
+              <a:t> update</a:t>
+            </a:r>
+          </a:p>
+          <a:p>
+            <a:pPr>
+              <a:lnSpc>
+                <a:spcPct val="200000"/>
+              </a:lnSpc>
+            </a:pPr>
+            <a:r>
+              <a:rPr lang="fr-FR" dirty="0" err="1">
+                <a:solidFill>
+                  <a:schemeClr val="bg1"/>
+                </a:solidFill>
+              </a:rPr>
+              <a:t>sudo</a:t>
+            </a:r>
+            <a:r>
+              <a:rPr lang="fr-FR" dirty="0">
+                <a:solidFill>
+                  <a:schemeClr val="bg1"/>
+                </a:solidFill>
+              </a:rPr>
+              <a:t> </a:t>
+            </a:r>
+            <a:r>
+              <a:rPr lang="fr-FR" dirty="0" err="1">
+                <a:solidFill>
+                  <a:schemeClr val="bg1"/>
+                </a:solidFill>
+              </a:rPr>
+              <a:t>apt</a:t>
+            </a:r>
+            <a:r>
+              <a:rPr lang="fr-FR" dirty="0">
+                <a:solidFill>
+                  <a:schemeClr val="bg1"/>
+                </a:solidFill>
+              </a:rPr>
+              <a:t> </a:t>
+            </a:r>
+            <a:r>
+              <a:rPr lang="fr-FR" dirty="0" err="1">
+                <a:solidFill>
+                  <a:schemeClr val="bg1"/>
+                </a:solidFill>
+              </a:rPr>
+              <a:t>install</a:t>
+            </a:r>
+            <a:r>
+              <a:rPr lang="fr-FR" dirty="0">
+                <a:solidFill>
+                  <a:schemeClr val="bg1"/>
+                </a:solidFill>
+              </a:rPr>
+              <a:t> python3-pip</a:t>
+            </a:r>
+          </a:p>
+          <a:p>
+            <a:pPr>
+              <a:lnSpc>
+                <a:spcPct val="200000"/>
+              </a:lnSpc>
+            </a:pPr>
+            <a:r>
+              <a:rPr lang="fr-FR" dirty="0" err="1">
+                <a:solidFill>
+                  <a:schemeClr val="bg1"/>
+                </a:solidFill>
+              </a:rPr>
+              <a:t>sudo</a:t>
+            </a:r>
+            <a:r>
+              <a:rPr lang="fr-FR" dirty="0">
+                <a:solidFill>
+                  <a:schemeClr val="bg1"/>
+                </a:solidFill>
+              </a:rPr>
+              <a:t> pip3 </a:t>
+            </a:r>
+            <a:r>
+              <a:rPr lang="fr-FR" dirty="0" err="1">
+                <a:solidFill>
+                  <a:schemeClr val="bg1"/>
+                </a:solidFill>
+              </a:rPr>
+              <a:t>install</a:t>
+            </a:r>
+            <a:r>
+              <a:rPr lang="fr-FR" dirty="0">
+                <a:solidFill>
+                  <a:schemeClr val="bg1"/>
+                </a:solidFill>
+              </a:rPr>
+              <a:t> ansible</a:t>
+            </a:r>
+          </a:p>
+          <a:p>
+            <a:pPr>
+              <a:lnSpc>
+                <a:spcPct val="200000"/>
+              </a:lnSpc>
+            </a:pPr>
+            <a:endParaRPr lang="fr-FR" dirty="0">
+              <a:solidFill>
+                <a:schemeClr val="bg1"/>
+              </a:solidFill>
+            </a:endParaRPr>
+          </a:p>
+        </p:txBody>
+      </p:sp>
+      <p:sp>
+        <p:nvSpPr>
+          <p:cNvPr id="33" name="ZoneTexte 32">
+            <a:extLst>
+              <a:ext uri="{FF2B5EF4-FFF2-40B4-BE49-F238E27FC236}">
+                <a16:creationId xmlns:a16="http://schemas.microsoft.com/office/drawing/2014/main" id="{824F1172-08AE-A4FD-EA7B-4816235D4EDE}"/>
+              </a:ext>
+            </a:extLst>
+          </p:cNvPr>
+          <p:cNvSpPr txBox="1"/>
+          <p:nvPr/>
+        </p:nvSpPr>
+        <p:spPr>
+          <a:xfrm>
+            <a:off x="6423026" y="5799253"/>
+            <a:ext cx="1863657" cy="369332"/>
+          </a:xfrm>
+          <a:prstGeom prst="rect">
+            <a:avLst/>
+          </a:prstGeom>
+          <a:solidFill>
+            <a:schemeClr val="bg2">
+              <a:lumMod val="10000"/>
+            </a:schemeClr>
+          </a:solidFill>
+        </p:spPr>
+        <p:txBody>
+          <a:bodyPr wrap="square">
+            <a:spAutoFit/>
+          </a:bodyPr>
+          <a:lstStyle/>
+          <a:p>
+            <a:r>
+              <a:rPr lang="fr-FR" dirty="0">
+                <a:solidFill>
+                  <a:schemeClr val="bg1"/>
+                </a:solidFill>
+              </a:rPr>
+              <a:t>ansible --version</a:t>
+            </a:r>
+          </a:p>
+        </p:txBody>
+      </p:sp>
+    </p:spTree>
+    <p:extLst>
+      <p:ext uri="{BB962C8B-B14F-4D97-AF65-F5344CB8AC3E}">
+        <p14:creationId xmlns:p14="http://schemas.microsoft.com/office/powerpoint/2010/main" val="347687908"/>
       </p:ext>
     </p:extLst>
   </p:cSld>
@@ -19110,7 +23733,7 @@
                   </a:schemeClr>
                 </a:solidFill>
               </a:rPr>
-              <a:t>04/05/2024</a:t>
+              <a:t>05/05/2024</a:t>
             </a:fld>
             <a:endParaRPr lang="fr-FR" dirty="0">
               <a:solidFill>
@@ -19833,7 +24456,7 @@
                   </a:schemeClr>
                 </a:solidFill>
               </a:rPr>
-              <a:t>04/05/2024</a:t>
+              <a:t>05/05/2024</a:t>
             </a:fld>
             <a:endParaRPr lang="fr-FR" dirty="0">
               <a:solidFill>
@@ -20496,7 +25119,7 @@
                   </a:schemeClr>
                 </a:solidFill>
               </a:rPr>
-              <a:t>04/05/2024</a:t>
+              <a:t>05/05/2024</a:t>
             </a:fld>
             <a:endParaRPr lang="fr-FR" dirty="0">
               <a:solidFill>
@@ -25214,7 +29837,7 @@
                   </a:schemeClr>
                 </a:solidFill>
               </a:rPr>
-              <a:t>04/05/2024</a:t>
+              <a:t>05/05/2024</a:t>
             </a:fld>
             <a:endParaRPr lang="fr-FR" dirty="0">
               <a:solidFill>
@@ -25728,7 +30351,7 @@
                   </a:schemeClr>
                 </a:solidFill>
               </a:rPr>
-              <a:t>04/05/2024</a:t>
+              <a:t>05/05/2024</a:t>
             </a:fld>
             <a:endParaRPr lang="fr-FR" dirty="0">
               <a:solidFill>
@@ -27720,7 +32343,7 @@
                   </a:schemeClr>
                 </a:solidFill>
               </a:rPr>
-              <a:t>04/05/2024</a:t>
+              <a:t>05/05/2024</a:t>
             </a:fld>
             <a:endParaRPr lang="fr-FR" dirty="0">
               <a:solidFill>
@@ -30506,7 +35129,7 @@
                   </a:schemeClr>
                 </a:solidFill>
               </a:rPr>
-              <a:t>04/05/2024</a:t>
+              <a:t>05/05/2024</a:t>
             </a:fld>
             <a:endParaRPr lang="fr-FR" dirty="0">
               <a:solidFill>
@@ -31559,7 +36182,7 @@
                   </a:schemeClr>
                 </a:solidFill>
               </a:rPr>
-              <a:t>04/05/2024</a:t>
+              <a:t>05/05/2024</a:t>
             </a:fld>
             <a:endParaRPr lang="fr-FR" dirty="0">
               <a:solidFill>
